--- a/Slides/Lesson 9.5 The Design Recipe Using Classes.pptx
+++ b/Slides/Lesson 9.5 The Design Recipe Using Classes.pptx
@@ -237,7 +237,7 @@
             <a:fld id="{23FDE9B3-31FB-4CEB-98C8-D7B6CFC76B62}" type="datetimeFigureOut">
               <a:rPr lang="en-US" smtClean="0"/>
               <a:pPr/>
-              <a:t>11/3/2015</a:t>
+              <a:t>11/4/2015</a:t>
             </a:fld>
             <a:endParaRPr lang="en-US"/>
           </a:p>
@@ -637,6 +637,91 @@
           <a:bodyPr/>
           <a:lstStyle/>
           <a:p>
+            <a:endParaRPr lang="en-US" dirty="0"/>
+          </a:p>
+        </p:txBody>
+      </p:sp>
+      <p:sp>
+        <p:nvSpPr>
+          <p:cNvPr id="4" name="Slide Number Placeholder 3"/>
+          <p:cNvSpPr>
+            <a:spLocks noGrp="1"/>
+          </p:cNvSpPr>
+          <p:nvPr>
+            <p:ph type="sldNum" sz="quarter" idx="10"/>
+          </p:nvPr>
+        </p:nvSpPr>
+        <p:spPr/>
+        <p:txBody>
+          <a:bodyPr/>
+          <a:lstStyle/>
+          <a:p>
+            <a:fld id="{3876E050-E992-427E-914D-D11B843CAC07}" type="slidenum">
+              <a:rPr lang="en-US" smtClean="0"/>
+              <a:pPr/>
+              <a:t>4</a:t>
+            </a:fld>
+            <a:endParaRPr lang="en-US"/>
+          </a:p>
+        </p:txBody>
+      </p:sp>
+    </p:spTree>
+    <p:extLst>
+      <p:ext uri="{BB962C8B-B14F-4D97-AF65-F5344CB8AC3E}">
+        <p14:creationId xmlns:p14="http://schemas.microsoft.com/office/powerpoint/2010/main" val="2129791700"/>
+      </p:ext>
+    </p:extLst>
+  </p:cSld>
+  <p:clrMapOvr>
+    <a:masterClrMapping/>
+  </p:clrMapOvr>
+</p:notes>
+</file>
+
+<file path=ppt/notesSlides/notesSlide3.xml><?xml version="1.0" encoding="utf-8"?>
+<p:notes xmlns:a="http://schemas.openxmlformats.org/drawingml/2006/main" xmlns:r="http://schemas.openxmlformats.org/officeDocument/2006/relationships" xmlns:p="http://schemas.openxmlformats.org/presentationml/2006/main">
+  <p:cSld>
+    <p:spTree>
+      <p:nvGrpSpPr>
+        <p:cNvPr id="1" name=""/>
+        <p:cNvGrpSpPr/>
+        <p:nvPr/>
+      </p:nvGrpSpPr>
+      <p:grpSpPr>
+        <a:xfrm>
+          <a:off x="0" y="0"/>
+          <a:ext cx="0" cy="0"/>
+          <a:chOff x="0" y="0"/>
+          <a:chExt cx="0" cy="0"/>
+        </a:xfrm>
+      </p:grpSpPr>
+      <p:sp>
+        <p:nvSpPr>
+          <p:cNvPr id="2" name="Slide Image Placeholder 1"/>
+          <p:cNvSpPr>
+            <a:spLocks noGrp="1" noRot="1" noChangeAspect="1"/>
+          </p:cNvSpPr>
+          <p:nvPr>
+            <p:ph type="sldImg"/>
+          </p:nvPr>
+        </p:nvSpPr>
+        <p:spPr/>
+      </p:sp>
+      <p:sp>
+        <p:nvSpPr>
+          <p:cNvPr id="3" name="Notes Placeholder 2"/>
+          <p:cNvSpPr>
+            <a:spLocks noGrp="1"/>
+          </p:cNvSpPr>
+          <p:nvPr>
+            <p:ph type="body" idx="1"/>
+          </p:nvPr>
+        </p:nvSpPr>
+        <p:spPr/>
+        <p:txBody>
+          <a:bodyPr/>
+          <a:lstStyle/>
+          <a:p>
             <a:endParaRPr lang="en-US" b="1" dirty="0"/>
           </a:p>
         </p:txBody>
@@ -677,7 +762,7 @@
 </p:notes>
 </file>
 
-<file path=ppt/notesSlides/notesSlide3.xml><?xml version="1.0" encoding="utf-8"?>
+<file path=ppt/notesSlides/notesSlide4.xml><?xml version="1.0" encoding="utf-8"?>
 <p:notes xmlns:a="http://schemas.openxmlformats.org/drawingml/2006/main" xmlns:r="http://schemas.openxmlformats.org/officeDocument/2006/relationships" xmlns:p="http://schemas.openxmlformats.org/presentationml/2006/main">
   <p:cSld>
     <p:spTree>
@@ -942,7 +1027,7 @@
           <a:p>
             <a:fld id="{2F1F79F5-7BEC-496A-AFC7-876E38F64D71}" type="datetime1">
               <a:rPr lang="en-US" smtClean="0"/>
-              <a:t>11/3/2015</a:t>
+              <a:t>11/4/2015</a:t>
             </a:fld>
             <a:endParaRPr lang="en-US"/>
           </a:p>
@@ -1067,7 +1152,7 @@
           <a:p>
             <a:fld id="{2F7B77F5-1464-4F6B-92A8-64FC8A508293}" type="datetime1">
               <a:rPr lang="en-US" smtClean="0"/>
-              <a:t>11/3/2015</a:t>
+              <a:t>11/4/2015</a:t>
             </a:fld>
             <a:endParaRPr lang="en-US"/>
           </a:p>
@@ -1169,7 +1254,7 @@
           <a:p>
             <a:fld id="{0A05703A-7669-4FEA-9056-25299B4D29D4}" type="datetime1">
               <a:rPr lang="en-US" smtClean="0"/>
-              <a:t>11/3/2015</a:t>
+              <a:t>11/4/2015</a:t>
             </a:fld>
             <a:endParaRPr lang="en-US"/>
           </a:p>
@@ -1446,7 +1531,7 @@
           <a:p>
             <a:fld id="{6E5077B5-BB57-49DB-88CA-226A139E5C01}" type="datetime1">
               <a:rPr lang="en-US" smtClean="0"/>
-              <a:t>11/3/2015</a:t>
+              <a:t>11/4/2015</a:t>
             </a:fld>
             <a:endParaRPr lang="en-US"/>
           </a:p>
@@ -1699,7 +1784,7 @@
           <a:p>
             <a:fld id="{C48D9447-CBD6-49A1-89FD-8512A8CF8999}" type="datetime1">
               <a:rPr lang="en-US" smtClean="0"/>
-              <a:t>11/3/2015</a:t>
+              <a:t>11/4/2015</a:t>
             </a:fld>
             <a:endParaRPr lang="en-US"/>
           </a:p>
@@ -1869,7 +1954,7 @@
           <a:p>
             <a:fld id="{A3639A2A-823D-48B7-9ACE-7FAF42870BA9}" type="datetime1">
               <a:rPr lang="en-US" smtClean="0"/>
-              <a:t>11/3/2015</a:t>
+              <a:t>11/4/2015</a:t>
             </a:fld>
             <a:endParaRPr lang="en-US"/>
           </a:p>
@@ -2049,7 +2134,7 @@
           <a:p>
             <a:fld id="{ED1B6996-82E9-463C-972C-7B56056E426C}" type="datetime1">
               <a:rPr lang="en-US" smtClean="0"/>
-              <a:t>11/3/2015</a:t>
+              <a:t>11/4/2015</a:t>
             </a:fld>
             <a:endParaRPr lang="en-US"/>
           </a:p>
@@ -2225,7 +2310,7 @@
           <a:p>
             <a:fld id="{E22ED4DA-448D-4BB1-B935-CC112220207B}" type="datetime1">
               <a:rPr lang="en-US" smtClean="0"/>
-              <a:t>11/3/2015</a:t>
+              <a:t>11/4/2015</a:t>
             </a:fld>
             <a:endParaRPr lang="en-US"/>
           </a:p>
@@ -2407,7 +2492,7 @@
           <a:p>
             <a:fld id="{E22ED4DA-448D-4BB1-B935-CC112220207B}" type="datetime1">
               <a:rPr lang="en-US" smtClean="0"/>
-              <a:t>11/3/2015</a:t>
+              <a:t>11/4/2015</a:t>
             </a:fld>
             <a:endParaRPr lang="en-US"/>
           </a:p>
@@ -2676,7 +2761,7 @@
           <a:p>
             <a:fld id="{FF5D65A6-AB94-4435-B0B7-3743215FA46C}" type="datetime1">
               <a:rPr lang="en-US" smtClean="0"/>
-              <a:t>11/3/2015</a:t>
+              <a:t>11/4/2015</a:t>
             </a:fld>
             <a:endParaRPr lang="en-US"/>
           </a:p>
@@ -2861,7 +2946,7 @@
           <a:p>
             <a:fld id="{FF5D65A6-AB94-4435-B0B7-3743215FA46C}" type="datetime1">
               <a:rPr lang="en-US" smtClean="0"/>
-              <a:t>11/3/2015</a:t>
+              <a:t>11/4/2015</a:t>
             </a:fld>
             <a:endParaRPr lang="en-US"/>
           </a:p>
@@ -3163,7 +3248,7 @@
           <a:p>
             <a:fld id="{7C193DC4-6EF0-48C9-B29C-616106A645E1}" type="datetime1">
               <a:rPr lang="en-US" smtClean="0"/>
-              <a:t>11/3/2015</a:t>
+              <a:t>11/4/2015</a:t>
             </a:fld>
             <a:endParaRPr lang="en-US"/>
           </a:p>
@@ -3451,7 +3536,7 @@
           <a:p>
             <a:fld id="{5D1846AD-9252-4647-9435-4C2AC365653A}" type="datetime1">
               <a:rPr lang="en-US" smtClean="0"/>
-              <a:t>11/3/2015</a:t>
+              <a:t>11/4/2015</a:t>
             </a:fld>
             <a:endParaRPr lang="en-US"/>
           </a:p>
@@ -3747,7 +3832,7 @@
           <a:p>
             <a:fld id="{5D1846AD-9252-4647-9435-4C2AC365653A}" type="datetime1">
               <a:rPr lang="en-US" smtClean="0"/>
-              <a:t>11/3/2015</a:t>
+              <a:t>11/4/2015</a:t>
             </a:fld>
             <a:endParaRPr lang="en-US"/>
           </a:p>
@@ -4169,7 +4254,7 @@
           <a:p>
             <a:fld id="{CE56DC10-3561-4063-A6AF-C1CC7A41040A}" type="datetime1">
               <a:rPr lang="en-US" smtClean="0"/>
-              <a:t>11/3/2015</a:t>
+              <a:t>11/4/2015</a:t>
             </a:fld>
             <a:endParaRPr lang="en-US"/>
           </a:p>
@@ -4394,7 +4479,7 @@
           <a:p>
             <a:fld id="{02B3F677-983B-48DB-ADFD-63FE6CBC7FB2}" type="datetime1">
               <a:rPr lang="en-US" smtClean="0"/>
-              <a:t>11/3/2015</a:t>
+              <a:t>11/4/2015</a:t>
             </a:fld>
             <a:endParaRPr lang="en-US"/>
           </a:p>
@@ -5625,7 +5710,15 @@
           <a:p>
             <a:r>
               <a:rPr lang="en-US" dirty="0"/>
-              <a:t>    (define (private-function1 ...) </a:t>
+              <a:t>    (define </a:t>
+            </a:r>
+            <a:r>
+              <a:rPr lang="en-US" dirty="0" smtClean="0"/>
+              <a:t>(function1 </a:t>
+            </a:r>
+            <a:r>
+              <a:rPr lang="en-US" dirty="0"/>
+              <a:t>...) </a:t>
             </a:r>
             <a:r>
               <a:rPr lang="en-US" dirty="0" smtClean="0"/>
@@ -5636,7 +5729,15 @@
           <a:p>
             <a:r>
               <a:rPr lang="en-US" dirty="0"/>
-              <a:t>    (define (private-function2 ...) </a:t>
+              <a:t>    (define </a:t>
+            </a:r>
+            <a:r>
+              <a:rPr lang="en-US" dirty="0" smtClean="0"/>
+              <a:t>(function2 </a:t>
+            </a:r>
+            <a:r>
+              <a:rPr lang="en-US" dirty="0"/>
+              <a:t>...) </a:t>
             </a:r>
             <a:r>
               <a:rPr lang="en-US" dirty="0" smtClean="0"/>
@@ -5988,7 +6089,7 @@
         <p:spPr>
           <a:xfrm>
             <a:off x="1295400" y="4794454"/>
-            <a:ext cx="2324100" cy="768145"/>
+            <a:ext cx="2324100" cy="945549"/>
           </a:xfrm>
           <a:prstGeom prst="rect">
             <a:avLst/>
@@ -6047,7 +6148,7 @@
                   <a:schemeClr val="tx1"/>
                 </a:solidFill>
               </a:rPr>
-              <a:t>.</a:t>
+              <a:t>.; these functions will not be accessible outside the class</a:t>
             </a:r>
             <a:endParaRPr lang="en-US" sz="1200" dirty="0">
               <a:solidFill>
@@ -6068,7 +6169,7 @@
         <p:spPr>
           <a:xfrm flipV="1">
             <a:off x="3619500" y="4867657"/>
-            <a:ext cx="1295400" cy="310870"/>
+            <a:ext cx="1295400" cy="399572"/>
           </a:xfrm>
           <a:prstGeom prst="straightConnector1">
             <a:avLst/>
@@ -6422,21 +6523,8 @@
           <a:p>
             <a:r>
               <a:rPr lang="en-US" dirty="0" smtClean="0"/>
-              <a:t>A method may have a purpose statement that </a:t>
-            </a:r>
-            <a:r>
-              <a:rPr lang="en-US" dirty="0" smtClean="0"/>
-              <a:t>specializes the </a:t>
-            </a:r>
-            <a:r>
-              <a:rPr lang="en-US" dirty="0" smtClean="0"/>
-              <a:t>purpose statement in the </a:t>
-            </a:r>
-            <a:r>
-              <a:rPr lang="en-US" dirty="0" smtClean="0"/>
-              <a:t>interface to the current class.</a:t>
-            </a:r>
-            <a:endParaRPr lang="en-US" dirty="0" smtClean="0"/>
+              <a:t>A method may have a purpose statement that specializes the purpose statement in the interface to the current class.</a:t>
+            </a:r>
           </a:p>
           <a:p>
             <a:r>
@@ -6490,7 +6578,7 @@
         </p:nvSpPr>
         <p:spPr>
           <a:xfrm>
-            <a:off x="5105400" y="5562600"/>
+            <a:off x="4343400" y="5784057"/>
             <a:ext cx="3124200" cy="914400"/>
           </a:xfrm>
           <a:prstGeom prst="rect">
@@ -8058,7 +8146,57 @@
                 <a:latin typeface="Consolas" pitchFamily="49" charset="0"/>
                 <a:cs typeface="Consolas" pitchFamily="49" charset="0"/>
               </a:rPr>
-              <a:t>;; STRATEGY: send after-mouse-event to each of the widgets</a:t>
+              <a:t>;; STRATEGY: </a:t>
+            </a:r>
+            <a:r>
+              <a:rPr lang="en-US" sz="2000" b="1" dirty="0" smtClean="0">
+                <a:latin typeface="Consolas" pitchFamily="49" charset="0"/>
+                <a:cs typeface="Consolas" pitchFamily="49" charset="0"/>
+              </a:rPr>
+              <a:t>Use HOF map to send after-tick </a:t>
+            </a:r>
+            <a:r>
+              <a:rPr lang="en-US" sz="2000" b="1" dirty="0" smtClean="0">
+                <a:latin typeface="Consolas" pitchFamily="49" charset="0"/>
+                <a:cs typeface="Consolas" pitchFamily="49" charset="0"/>
+              </a:rPr>
+              <a:t>to each of </a:t>
+            </a:r>
+            <a:r>
+              <a:rPr lang="en-US" sz="2000" b="1" dirty="0" smtClean="0">
+                <a:latin typeface="Consolas" pitchFamily="49" charset="0"/>
+                <a:cs typeface="Consolas" pitchFamily="49" charset="0"/>
+              </a:rPr>
+              <a:t>the</a:t>
+            </a:r>
+          </a:p>
+          <a:p>
+            <a:pPr>
+              <a:spcBef>
+                <a:spcPts val="0"/>
+              </a:spcBef>
+              <a:buNone/>
+            </a:pPr>
+            <a:r>
+              <a:rPr lang="en-US" sz="2000" b="1" dirty="0" smtClean="0">
+                <a:latin typeface="Consolas" pitchFamily="49" charset="0"/>
+                <a:cs typeface="Consolas" pitchFamily="49" charset="0"/>
+              </a:rPr>
+              <a:t>;; </a:t>
+            </a:r>
+            <a:r>
+              <a:rPr lang="en-US" sz="2000" b="1" dirty="0" smtClean="0">
+                <a:latin typeface="Consolas" pitchFamily="49" charset="0"/>
+                <a:cs typeface="Consolas" pitchFamily="49" charset="0"/>
+              </a:rPr>
+              <a:t> </a:t>
+            </a:r>
+            <a:r>
+              <a:rPr lang="en-US" sz="2000" b="1" dirty="0" smtClean="0">
+                <a:latin typeface="Consolas" pitchFamily="49" charset="0"/>
+                <a:cs typeface="Consolas" pitchFamily="49" charset="0"/>
+              </a:rPr>
+              <a:t>widgets</a:t>
             </a:r>
           </a:p>
           <a:p>
@@ -8085,22 +8223,19 @@
                 <a:latin typeface="Consolas" pitchFamily="49" charset="0"/>
                 <a:cs typeface="Consolas" pitchFamily="49" charset="0"/>
               </a:rPr>
-              <a:t>(define/public (after-mouse-event x y </a:t>
-            </a:r>
-            <a:r>
-              <a:rPr lang="en-US" sz="2000" b="1" dirty="0" err="1" smtClean="0">
-                <a:latin typeface="Consolas" pitchFamily="49" charset="0"/>
-                <a:cs typeface="Consolas" pitchFamily="49" charset="0"/>
-              </a:rPr>
-              <a:t>evt</a:t>
+              <a:t>(define/public (</a:t>
             </a:r>
             <a:r>
               <a:rPr lang="en-US" sz="2000" b="1" dirty="0" smtClean="0">
                 <a:latin typeface="Consolas" pitchFamily="49" charset="0"/>
                 <a:cs typeface="Consolas" pitchFamily="49" charset="0"/>
               </a:rPr>
-              <a:t>)</a:t>
-            </a:r>
+              <a:t>after-tick)</a:t>
+            </a:r>
+            <a:endParaRPr lang="en-US" sz="2000" b="1" dirty="0" smtClean="0">
+              <a:latin typeface="Consolas" pitchFamily="49" charset="0"/>
+              <a:cs typeface="Consolas" pitchFamily="49" charset="0"/>
+            </a:endParaRPr>
           </a:p>
           <a:p>
             <a:pPr>
@@ -8144,37 +8279,40 @@
                 <a:latin typeface="Consolas" pitchFamily="49" charset="0"/>
                 <a:cs typeface="Consolas" pitchFamily="49" charset="0"/>
               </a:rPr>
-              <a:t>              (lambda (widget) </a:t>
-            </a:r>
-          </a:p>
-          <a:p>
-            <a:pPr>
-              <a:spcBef>
-                <a:spcPts val="0"/>
-              </a:spcBef>
-              <a:buNone/>
-            </a:pPr>
+              <a:t>              (lambda (widget</a:t>
+            </a:r>
+            <a:r>
+              <a:rPr lang="en-US" sz="2000" b="1" smtClean="0">
+                <a:latin typeface="Consolas" pitchFamily="49" charset="0"/>
+                <a:cs typeface="Consolas" pitchFamily="49" charset="0"/>
+              </a:rPr>
+              <a:t>) </a:t>
+            </a:r>
+            <a:r>
+              <a:rPr lang="en-US" sz="2000" b="1" smtClean="0">
+                <a:latin typeface="Consolas" pitchFamily="49" charset="0"/>
+                <a:cs typeface="Consolas" pitchFamily="49" charset="0"/>
+              </a:rPr>
+              <a:t>(</a:t>
+            </a:r>
             <a:r>
               <a:rPr lang="en-US" sz="2000" b="1" dirty="0" smtClean="0">
                 <a:latin typeface="Consolas" pitchFamily="49" charset="0"/>
                 <a:cs typeface="Consolas" pitchFamily="49" charset="0"/>
               </a:rPr>
-              <a:t>               (send widget after-mouse-event x y </a:t>
-            </a:r>
-            <a:r>
-              <a:rPr lang="en-US" sz="2000" b="1" dirty="0" err="1" smtClean="0">
-                <a:latin typeface="Consolas" pitchFamily="49" charset="0"/>
-                <a:cs typeface="Consolas" pitchFamily="49" charset="0"/>
-              </a:rPr>
-              <a:t>evt</a:t>
+              <a:t>send widget </a:t>
             </a:r>
             <a:r>
               <a:rPr lang="en-US" sz="2000" b="1" dirty="0" smtClean="0">
                 <a:latin typeface="Consolas" pitchFamily="49" charset="0"/>
                 <a:cs typeface="Consolas" pitchFamily="49" charset="0"/>
               </a:rPr>
-              <a:t>))</a:t>
-            </a:r>
+              <a:t>after-tick))</a:t>
+            </a:r>
+            <a:endParaRPr lang="en-US" sz="2000" b="1" dirty="0" smtClean="0">
+              <a:latin typeface="Consolas" pitchFamily="49" charset="0"/>
+              <a:cs typeface="Consolas" pitchFamily="49" charset="0"/>
+            </a:endParaRPr>
           </a:p>
           <a:p>
             <a:pPr>
@@ -8272,7 +8410,7 @@
           <a:p>
             <a:r>
               <a:rPr lang="en-US" dirty="0" smtClean="0"/>
-              <a:t>Another method  with an optional design strategy</a:t>
+              <a:t>Another method  where the design strategy is optional</a:t>
             </a:r>
             <a:endParaRPr lang="en-US" dirty="0"/>
           </a:p>
@@ -8358,21 +8496,7 @@
                 <a:latin typeface="Consolas" pitchFamily="49" charset="0"/>
                 <a:cs typeface="Consolas" pitchFamily="49" charset="0"/>
               </a:rPr>
-              <a:t>(define/public (after-mouse </a:t>
-            </a:r>
-            <a:r>
-              <a:rPr lang="en-US" sz="2400" b="1" dirty="0" err="1" smtClean="0">
-                <a:latin typeface="Consolas" pitchFamily="49" charset="0"/>
-                <a:cs typeface="Consolas" pitchFamily="49" charset="0"/>
-              </a:rPr>
-              <a:t>mx</a:t>
-            </a:r>
-            <a:r>
-              <a:rPr lang="en-US" sz="2400" b="1" dirty="0" smtClean="0">
-                <a:latin typeface="Consolas" pitchFamily="49" charset="0"/>
-                <a:cs typeface="Consolas" pitchFamily="49" charset="0"/>
-              </a:rPr>
-              <a:t> my </a:t>
+              <a:t>(define/public (after-mouse-event mx my </a:t>
             </a:r>
             <a:r>
               <a:rPr lang="en-US" sz="2400" b="1" dirty="0" err="1" smtClean="0">
@@ -9952,20 +10076,14 @@
           </a:p>
           <a:p>
             <a:r>
-              <a:rPr lang="en-US" smtClean="0"/>
-              <a:t>If </a:t>
-            </a:r>
-            <a:r>
-              <a:rPr lang="en-US" dirty="0" smtClean="0"/>
-              <a:t>you have questions about this lesson, ask them on the Discussion Board</a:t>
-            </a:r>
-          </a:p>
-          <a:p>
-            <a:r>
-              <a:rPr lang="en-US" dirty="0" smtClean="0"/>
-              <a:t>Go on to the next lesson</a:t>
-            </a:r>
-            <a:endParaRPr lang="en-US" dirty="0"/>
+              <a:rPr lang="en-US" dirty="0" smtClean="0"/>
+              <a:t>If you have questions about this lesson, ask them on the </a:t>
+            </a:r>
+            <a:r>
+              <a:rPr lang="en-US" smtClean="0"/>
+              <a:t>Discussion Board.</a:t>
+            </a:r>
+            <a:endParaRPr lang="en-US" dirty="0" smtClean="0"/>
           </a:p>
         </p:txBody>
       </p:sp>
@@ -10313,7 +10431,7 @@
             <p:ph idx="1"/>
             <p:extLst>
               <p:ext uri="{D42A27DB-BD31-4B8C-83A1-F6EECF244321}">
-                <p14:modId xmlns:p14="http://schemas.microsoft.com/office/powerpoint/2010/main" val="1855708764"/>
+                <p14:modId xmlns:p14="http://schemas.microsoft.com/office/powerpoint/2010/main" val="3022142761"/>
               </p:ext>
             </p:extLst>
           </p:nvPr>
@@ -10483,7 +10601,7 @@
                       </a:r>
                       <a:r>
                         <a:rPr lang="en-US" sz="1600" baseline="0" dirty="0" smtClean="0"/>
-                        <a:t> down the contract and purpose statement from the interface.  Refine the purpose statement to specify how the purpose is fulfilled for this class. Include examples as needed.</a:t>
+                        <a:t> down the contract and purpose statement from the interface.  Specialize the purpose statement to specify how the purpose is fulfilled for this class. Include examples as needed.</a:t>
                       </a:r>
                       <a:endParaRPr lang="en-US" sz="1600" dirty="0"/>
                     </a:p>
@@ -11683,7 +11801,7 @@
             </a:r>
             <a:r>
               <a:rPr lang="en-US" dirty="0" smtClean="0"/>
-              <a:t>constructor  template showing </a:t>
+              <a:t>a constructor  template showing </a:t>
             </a:r>
             <a:r>
               <a:rPr lang="en-US" dirty="0"/>

--- a/Slides/Lesson 9.5 The Design Recipe Using Classes.pptx
+++ b/Slides/Lesson 9.5 The Design Recipe Using Classes.pptx
@@ -5,7 +5,7 @@
     <p:sldMasterId id="2147483661" r:id="rId1"/>
   </p:sldMasterIdLst>
   <p:notesMasterIdLst>
-    <p:notesMasterId r:id="rId28"/>
+    <p:notesMasterId r:id="rId30"/>
   </p:notesMasterIdLst>
   <p:sldIdLst>
     <p:sldId id="256" r:id="rId2"/>
@@ -30,15 +30,17 @@
     <p:sldId id="291" r:id="rId21"/>
     <p:sldId id="295" r:id="rId22"/>
     <p:sldId id="292" r:id="rId23"/>
-    <p:sldId id="294" r:id="rId24"/>
-    <p:sldId id="311" r:id="rId25"/>
-    <p:sldId id="272" r:id="rId26"/>
-    <p:sldId id="312" r:id="rId27"/>
+    <p:sldId id="321" r:id="rId24"/>
+    <p:sldId id="294" r:id="rId25"/>
+    <p:sldId id="322" r:id="rId26"/>
+    <p:sldId id="311" r:id="rId27"/>
+    <p:sldId id="272" r:id="rId28"/>
+    <p:sldId id="312" r:id="rId29"/>
   </p:sldIdLst>
   <p:sldSz cx="9144000" cy="6858000" type="screen4x3"/>
   <p:notesSz cx="6858000" cy="9144000"/>
   <p:custDataLst>
-    <p:tags r:id="rId29"/>
+    <p:tags r:id="rId31"/>
   </p:custDataLst>
   <p:defaultTextStyle>
     <a:defPPr>
@@ -237,7 +239,7 @@
             <a:fld id="{23FDE9B3-31FB-4CEB-98C8-D7B6CFC76B62}" type="datetimeFigureOut">
               <a:rPr lang="en-US" smtClean="0"/>
               <a:pPr/>
-              <a:t>11/4/2015</a:t>
+              <a:t>11/2/2016</a:t>
             </a:fld>
             <a:endParaRPr lang="en-US"/>
           </a:p>
@@ -303,38 +305,37 @@
           <a:p>
             <a:pPr lvl="0"/>
             <a:r>
-              <a:rPr lang="en-US" smtClean="0"/>
+              <a:rPr lang="en-US"/>
               <a:t>Click to edit Master text styles</a:t>
             </a:r>
           </a:p>
           <a:p>
             <a:pPr lvl="1"/>
             <a:r>
-              <a:rPr lang="en-US" smtClean="0"/>
+              <a:rPr lang="en-US"/>
               <a:t>Second level</a:t>
             </a:r>
           </a:p>
           <a:p>
             <a:pPr lvl="2"/>
             <a:r>
-              <a:rPr lang="en-US" smtClean="0"/>
+              <a:rPr lang="en-US"/>
               <a:t>Third level</a:t>
             </a:r>
           </a:p>
           <a:p>
             <a:pPr lvl="3"/>
             <a:r>
-              <a:rPr lang="en-US" smtClean="0"/>
+              <a:rPr lang="en-US"/>
               <a:t>Fourth level</a:t>
             </a:r>
           </a:p>
           <a:p>
             <a:pPr lvl="4"/>
             <a:r>
-              <a:rPr lang="en-US" smtClean="0"/>
+              <a:rPr lang="en-US"/>
               <a:t>Fifth level</a:t>
             </a:r>
-            <a:endParaRPr lang="en-US"/>
           </a:p>
         </p:txBody>
       </p:sp>
@@ -884,10 +885,9 @@
           <a:lstStyle/>
           <a:p>
             <a:r>
-              <a:rPr lang="en-US" smtClean="0"/>
+              <a:rPr lang="en-US"/>
               <a:t>Click to edit Master title style</a:t>
             </a:r>
-            <a:endParaRPr lang="en-US"/>
           </a:p>
         </p:txBody>
       </p:sp>
@@ -1003,10 +1003,9 @@
           </a:lstStyle>
           <a:p>
             <a:r>
-              <a:rPr lang="en-US" smtClean="0"/>
+              <a:rPr lang="en-US"/>
               <a:t>Click to edit Master subtitle style</a:t>
             </a:r>
-            <a:endParaRPr lang="en-US"/>
           </a:p>
         </p:txBody>
       </p:sp>
@@ -1027,7 +1026,7 @@
           <a:p>
             <a:fld id="{2F1F79F5-7BEC-496A-AFC7-876E38F64D71}" type="datetime1">
               <a:rPr lang="en-US" smtClean="0"/>
-              <a:t>11/4/2015</a:t>
+              <a:t>11/2/2016</a:t>
             </a:fld>
             <a:endParaRPr lang="en-US"/>
           </a:p>
@@ -1085,13 +1084,6 @@
   <p:clrMapOvr>
     <a:masterClrMapping/>
   </p:clrMapOvr>
-  <p:timing>
-    <p:tnLst>
-      <p:par>
-        <p:cTn id="1" dur="indefinite" restart="never" nodeType="tmRoot"/>
-      </p:par>
-    </p:tnLst>
-  </p:timing>
 </p:sldLayout>
 </file>
 
@@ -1128,10 +1120,9 @@
           <a:lstStyle/>
           <a:p>
             <a:r>
-              <a:rPr lang="en-US" smtClean="0"/>
+              <a:rPr lang="en-US"/>
               <a:t>Click to edit Master title style</a:t>
             </a:r>
-            <a:endParaRPr lang="en-US"/>
           </a:p>
         </p:txBody>
       </p:sp>
@@ -1152,7 +1143,7 @@
           <a:p>
             <a:fld id="{2F7B77F5-1464-4F6B-92A8-64FC8A508293}" type="datetime1">
               <a:rPr lang="en-US" smtClean="0"/>
-              <a:t>11/4/2015</a:t>
+              <a:t>11/2/2016</a:t>
             </a:fld>
             <a:endParaRPr lang="en-US"/>
           </a:p>
@@ -1210,13 +1201,6 @@
   <p:clrMapOvr>
     <a:masterClrMapping/>
   </p:clrMapOvr>
-  <p:timing>
-    <p:tnLst>
-      <p:par>
-        <p:cTn id="1" dur="indefinite" restart="never" nodeType="tmRoot"/>
-      </p:par>
-    </p:tnLst>
-  </p:timing>
 </p:sldLayout>
 </file>
 
@@ -1254,7 +1238,7 @@
           <a:p>
             <a:fld id="{0A05703A-7669-4FEA-9056-25299B4D29D4}" type="datetime1">
               <a:rPr lang="en-US" smtClean="0"/>
-              <a:t>11/4/2015</a:t>
+              <a:t>11/2/2016</a:t>
             </a:fld>
             <a:endParaRPr lang="en-US"/>
           </a:p>
@@ -1357,10 +1341,9 @@
           </a:lstStyle>
           <a:p>
             <a:r>
-              <a:rPr lang="en-US" smtClean="0"/>
+              <a:rPr lang="en-US"/>
               <a:t>Click to edit Master title style</a:t>
             </a:r>
-            <a:endParaRPr lang="en-US"/>
           </a:p>
         </p:txBody>
       </p:sp>
@@ -1414,38 +1397,37 @@
           <a:p>
             <a:pPr lvl="0"/>
             <a:r>
-              <a:rPr lang="en-US" smtClean="0"/>
+              <a:rPr lang="en-US"/>
               <a:t>Click to edit Master text styles</a:t>
             </a:r>
           </a:p>
           <a:p>
             <a:pPr lvl="1"/>
             <a:r>
-              <a:rPr lang="en-US" smtClean="0"/>
+              <a:rPr lang="en-US"/>
               <a:t>Second level</a:t>
             </a:r>
           </a:p>
           <a:p>
             <a:pPr lvl="2"/>
             <a:r>
-              <a:rPr lang="en-US" smtClean="0"/>
+              <a:rPr lang="en-US"/>
               <a:t>Third level</a:t>
             </a:r>
           </a:p>
           <a:p>
             <a:pPr lvl="3"/>
             <a:r>
-              <a:rPr lang="en-US" smtClean="0"/>
+              <a:rPr lang="en-US"/>
               <a:t>Fourth level</a:t>
             </a:r>
           </a:p>
           <a:p>
             <a:pPr lvl="4"/>
             <a:r>
-              <a:rPr lang="en-US" smtClean="0"/>
+              <a:rPr lang="en-US"/>
               <a:t>Fifth level</a:t>
             </a:r>
-            <a:endParaRPr lang="en-US"/>
           </a:p>
         </p:txBody>
       </p:sp>
@@ -1508,7 +1490,7 @@
           <a:p>
             <a:pPr lvl="0"/>
             <a:r>
-              <a:rPr lang="en-US" smtClean="0"/>
+              <a:rPr lang="en-US"/>
               <a:t>Click to edit Master text styles</a:t>
             </a:r>
           </a:p>
@@ -1531,7 +1513,7 @@
           <a:p>
             <a:fld id="{6E5077B5-BB57-49DB-88CA-226A139E5C01}" type="datetime1">
               <a:rPr lang="en-US" smtClean="0"/>
-              <a:t>11/4/2015</a:t>
+              <a:t>11/2/2016</a:t>
             </a:fld>
             <a:endParaRPr lang="en-US"/>
           </a:p>
@@ -1634,10 +1616,9 @@
           </a:lstStyle>
           <a:p>
             <a:r>
-              <a:rPr lang="en-US" smtClean="0"/>
+              <a:rPr lang="en-US"/>
               <a:t>Click to edit Master title style</a:t>
             </a:r>
-            <a:endParaRPr lang="en-US"/>
           </a:p>
         </p:txBody>
       </p:sp>
@@ -1761,7 +1742,7 @@
           <a:p>
             <a:pPr lvl="0"/>
             <a:r>
-              <a:rPr lang="en-US" smtClean="0"/>
+              <a:rPr lang="en-US"/>
               <a:t>Click to edit Master text styles</a:t>
             </a:r>
           </a:p>
@@ -1784,7 +1765,7 @@
           <a:p>
             <a:fld id="{C48D9447-CBD6-49A1-89FD-8512A8CF8999}" type="datetime1">
               <a:rPr lang="en-US" smtClean="0"/>
-              <a:t>11/4/2015</a:t>
+              <a:t>11/2/2016</a:t>
             </a:fld>
             <a:endParaRPr lang="en-US"/>
           </a:p>
@@ -1878,10 +1859,9 @@
           <a:lstStyle/>
           <a:p>
             <a:r>
-              <a:rPr lang="en-US" smtClean="0"/>
+              <a:rPr lang="en-US"/>
               <a:t>Click to edit Master title style</a:t>
             </a:r>
-            <a:endParaRPr lang="en-US"/>
           </a:p>
         </p:txBody>
       </p:sp>
@@ -1902,38 +1882,37 @@
           <a:p>
             <a:pPr lvl="0"/>
             <a:r>
-              <a:rPr lang="en-US" smtClean="0"/>
+              <a:rPr lang="en-US"/>
               <a:t>Click to edit Master text styles</a:t>
             </a:r>
           </a:p>
           <a:p>
             <a:pPr lvl="1"/>
             <a:r>
-              <a:rPr lang="en-US" smtClean="0"/>
+              <a:rPr lang="en-US"/>
               <a:t>Second level</a:t>
             </a:r>
           </a:p>
           <a:p>
             <a:pPr lvl="2"/>
             <a:r>
-              <a:rPr lang="en-US" smtClean="0"/>
+              <a:rPr lang="en-US"/>
               <a:t>Third level</a:t>
             </a:r>
           </a:p>
           <a:p>
             <a:pPr lvl="3"/>
             <a:r>
-              <a:rPr lang="en-US" smtClean="0"/>
+              <a:rPr lang="en-US"/>
               <a:t>Fourth level</a:t>
             </a:r>
           </a:p>
           <a:p>
             <a:pPr lvl="4"/>
             <a:r>
-              <a:rPr lang="en-US" smtClean="0"/>
+              <a:rPr lang="en-US"/>
               <a:t>Fifth level</a:t>
             </a:r>
-            <a:endParaRPr lang="en-US"/>
           </a:p>
         </p:txBody>
       </p:sp>
@@ -1954,7 +1933,7 @@
           <a:p>
             <a:fld id="{A3639A2A-823D-48B7-9ACE-7FAF42870BA9}" type="datetime1">
               <a:rPr lang="en-US" smtClean="0"/>
-              <a:t>11/4/2015</a:t>
+              <a:t>11/2/2016</a:t>
             </a:fld>
             <a:endParaRPr lang="en-US"/>
           </a:p>
@@ -2053,10 +2032,9 @@
           <a:lstStyle/>
           <a:p>
             <a:r>
-              <a:rPr lang="en-US" smtClean="0"/>
+              <a:rPr lang="en-US"/>
               <a:t>Click to edit Master title style</a:t>
             </a:r>
-            <a:endParaRPr lang="en-US"/>
           </a:p>
         </p:txBody>
       </p:sp>
@@ -2082,38 +2060,37 @@
           <a:p>
             <a:pPr lvl="0"/>
             <a:r>
-              <a:rPr lang="en-US" smtClean="0"/>
+              <a:rPr lang="en-US"/>
               <a:t>Click to edit Master text styles</a:t>
             </a:r>
           </a:p>
           <a:p>
             <a:pPr lvl="1"/>
             <a:r>
-              <a:rPr lang="en-US" smtClean="0"/>
+              <a:rPr lang="en-US"/>
               <a:t>Second level</a:t>
             </a:r>
           </a:p>
           <a:p>
             <a:pPr lvl="2"/>
             <a:r>
-              <a:rPr lang="en-US" smtClean="0"/>
+              <a:rPr lang="en-US"/>
               <a:t>Third level</a:t>
             </a:r>
           </a:p>
           <a:p>
             <a:pPr lvl="3"/>
             <a:r>
-              <a:rPr lang="en-US" smtClean="0"/>
+              <a:rPr lang="en-US"/>
               <a:t>Fourth level</a:t>
             </a:r>
           </a:p>
           <a:p>
             <a:pPr lvl="4"/>
             <a:r>
-              <a:rPr lang="en-US" smtClean="0"/>
+              <a:rPr lang="en-US"/>
               <a:t>Fifth level</a:t>
             </a:r>
-            <a:endParaRPr lang="en-US"/>
           </a:p>
         </p:txBody>
       </p:sp>
@@ -2134,7 +2111,7 @@
           <a:p>
             <a:fld id="{ED1B6996-82E9-463C-972C-7B56056E426C}" type="datetime1">
               <a:rPr lang="en-US" smtClean="0"/>
-              <a:t>11/4/2015</a:t>
+              <a:t>11/2/2016</a:t>
             </a:fld>
             <a:endParaRPr lang="en-US"/>
           </a:p>
@@ -2234,10 +2211,9 @@
           <a:lstStyle/>
           <a:p>
             <a:r>
-              <a:rPr lang="en-US" dirty="0" smtClean="0"/>
+              <a:rPr lang="en-US" dirty="0"/>
               <a:t>Click to edit Master title style</a:t>
             </a:r>
-            <a:endParaRPr lang="en-US" dirty="0"/>
           </a:p>
         </p:txBody>
       </p:sp>
@@ -2258,38 +2234,37 @@
           <a:p>
             <a:pPr lvl="0"/>
             <a:r>
-              <a:rPr lang="en-US" smtClean="0"/>
+              <a:rPr lang="en-US"/>
               <a:t>Click to edit Master text styles</a:t>
             </a:r>
           </a:p>
           <a:p>
             <a:pPr lvl="1"/>
             <a:r>
-              <a:rPr lang="en-US" smtClean="0"/>
+              <a:rPr lang="en-US"/>
               <a:t>Second level</a:t>
             </a:r>
           </a:p>
           <a:p>
             <a:pPr lvl="2"/>
             <a:r>
-              <a:rPr lang="en-US" smtClean="0"/>
+              <a:rPr lang="en-US"/>
               <a:t>Third level</a:t>
             </a:r>
           </a:p>
           <a:p>
             <a:pPr lvl="3"/>
             <a:r>
-              <a:rPr lang="en-US" smtClean="0"/>
+              <a:rPr lang="en-US"/>
               <a:t>Fourth level</a:t>
             </a:r>
           </a:p>
           <a:p>
             <a:pPr lvl="4"/>
             <a:r>
-              <a:rPr lang="en-US" smtClean="0"/>
+              <a:rPr lang="en-US"/>
               <a:t>Fifth level</a:t>
             </a:r>
-            <a:endParaRPr lang="en-US"/>
           </a:p>
         </p:txBody>
       </p:sp>
@@ -2310,7 +2285,7 @@
           <a:p>
             <a:fld id="{E22ED4DA-448D-4BB1-B935-CC112220207B}" type="datetime1">
               <a:rPr lang="en-US" smtClean="0"/>
-              <a:t>11/4/2015</a:t>
+              <a:t>11/2/2016</a:t>
             </a:fld>
             <a:endParaRPr lang="en-US"/>
           </a:p>
@@ -2368,13 +2343,6 @@
   <p:clrMapOvr>
     <a:masterClrMapping/>
   </p:clrMapOvr>
-  <p:timing>
-    <p:tnLst>
-      <p:par>
-        <p:cTn id="1" dur="indefinite" restart="never" nodeType="tmRoot"/>
-      </p:par>
-    </p:tnLst>
-  </p:timing>
 </p:sldLayout>
 </file>
 
@@ -2411,10 +2379,9 @@
           <a:lstStyle/>
           <a:p>
             <a:r>
-              <a:rPr lang="en-US" smtClean="0"/>
+              <a:rPr lang="en-US"/>
               <a:t>Click to edit Master title style</a:t>
             </a:r>
-            <a:endParaRPr lang="en-US"/>
           </a:p>
         </p:txBody>
       </p:sp>
@@ -2440,38 +2407,37 @@
           <a:p>
             <a:pPr lvl="0"/>
             <a:r>
-              <a:rPr lang="en-US" dirty="0" smtClean="0"/>
+              <a:rPr lang="en-US" dirty="0"/>
               <a:t>Click to edit Master text styles</a:t>
             </a:r>
           </a:p>
           <a:p>
             <a:pPr lvl="1"/>
             <a:r>
-              <a:rPr lang="en-US" dirty="0" smtClean="0"/>
+              <a:rPr lang="en-US" dirty="0"/>
               <a:t>Second level</a:t>
             </a:r>
           </a:p>
           <a:p>
             <a:pPr lvl="2"/>
             <a:r>
-              <a:rPr lang="en-US" dirty="0" smtClean="0"/>
+              <a:rPr lang="en-US" dirty="0"/>
               <a:t>Third level</a:t>
             </a:r>
           </a:p>
           <a:p>
             <a:pPr lvl="3"/>
             <a:r>
-              <a:rPr lang="en-US" dirty="0" smtClean="0"/>
+              <a:rPr lang="en-US" dirty="0"/>
               <a:t>Fourth level</a:t>
             </a:r>
           </a:p>
           <a:p>
             <a:pPr lvl="4"/>
             <a:r>
-              <a:rPr lang="en-US" dirty="0" smtClean="0"/>
+              <a:rPr lang="en-US" dirty="0"/>
               <a:t>Fifth level</a:t>
             </a:r>
-            <a:endParaRPr lang="en-US" dirty="0"/>
           </a:p>
         </p:txBody>
       </p:sp>
@@ -2492,7 +2458,7 @@
           <a:p>
             <a:fld id="{E22ED4DA-448D-4BB1-B935-CC112220207B}" type="datetime1">
               <a:rPr lang="en-US" smtClean="0"/>
-              <a:t>11/4/2015</a:t>
+              <a:t>11/2/2016</a:t>
             </a:fld>
             <a:endParaRPr lang="en-US"/>
           </a:p>
@@ -2582,7 +2548,7 @@
           <a:lstStyle/>
           <a:p>
             <a:pPr algn="ctr"/>
-            <a:endParaRPr lang="en-US" dirty="0" smtClean="0">
+            <a:endParaRPr lang="en-US" dirty="0">
               <a:solidFill>
                 <a:schemeClr val="tx1"/>
               </a:solidFill>
@@ -2613,11 +2579,11 @@
           <a:lstStyle/>
           <a:p>
             <a:r>
-              <a:rPr lang="en-US" dirty="0" smtClean="0"/>
+              <a:rPr lang="en-US" dirty="0"/>
               <a:t>Resize video to this</a:t>
             </a:r>
             <a:r>
-              <a:rPr lang="en-US" baseline="0" dirty="0" smtClean="0"/>
+              <a:rPr lang="en-US" baseline="0" dirty="0"/>
               <a:t> box.</a:t>
             </a:r>
             <a:endParaRPr lang="en-US" dirty="0"/>
@@ -2634,13 +2600,6 @@
   <p:clrMapOvr>
     <a:masterClrMapping/>
   </p:clrMapOvr>
-  <p:timing>
-    <p:tnLst>
-      <p:par>
-        <p:cTn id="1" dur="indefinite" restart="never" nodeType="tmRoot"/>
-      </p:par>
-    </p:tnLst>
-  </p:timing>
 </p:sldLayout>
 </file>
 
@@ -2677,10 +2636,9 @@
           <a:lstStyle/>
           <a:p>
             <a:r>
-              <a:rPr lang="en-US" smtClean="0"/>
+              <a:rPr lang="en-US"/>
               <a:t>Click to edit Master title style</a:t>
             </a:r>
-            <a:endParaRPr lang="en-US"/>
           </a:p>
         </p:txBody>
       </p:sp>
@@ -2709,38 +2667,37 @@
           <a:p>
             <a:pPr lvl="0"/>
             <a:r>
-              <a:rPr lang="en-US" dirty="0" smtClean="0"/>
+              <a:rPr lang="en-US" dirty="0"/>
               <a:t>Click to edit Master text styles</a:t>
             </a:r>
           </a:p>
           <a:p>
             <a:pPr lvl="1"/>
             <a:r>
-              <a:rPr lang="en-US" dirty="0" smtClean="0"/>
+              <a:rPr lang="en-US" dirty="0"/>
               <a:t>Second level</a:t>
             </a:r>
           </a:p>
           <a:p>
             <a:pPr lvl="2"/>
             <a:r>
-              <a:rPr lang="en-US" dirty="0" smtClean="0"/>
+              <a:rPr lang="en-US" dirty="0"/>
               <a:t>Third level</a:t>
             </a:r>
           </a:p>
           <a:p>
             <a:pPr lvl="3"/>
             <a:r>
-              <a:rPr lang="en-US" dirty="0" smtClean="0"/>
+              <a:rPr lang="en-US" dirty="0"/>
               <a:t>Fourth level</a:t>
             </a:r>
           </a:p>
           <a:p>
             <a:pPr lvl="4"/>
             <a:r>
-              <a:rPr lang="en-US" dirty="0" smtClean="0"/>
+              <a:rPr lang="en-US" dirty="0"/>
               <a:t>Fifth level</a:t>
             </a:r>
-            <a:endParaRPr lang="en-US" dirty="0"/>
           </a:p>
         </p:txBody>
       </p:sp>
@@ -2761,7 +2718,7 @@
           <a:p>
             <a:fld id="{FF5D65A6-AB94-4435-B0B7-3743215FA46C}" type="datetime1">
               <a:rPr lang="en-US" smtClean="0"/>
-              <a:t>11/4/2015</a:t>
+              <a:t>11/2/2016</a:t>
             </a:fld>
             <a:endParaRPr lang="en-US"/>
           </a:p>
@@ -2819,13 +2776,6 @@
   <p:clrMapOvr>
     <a:masterClrMapping/>
   </p:clrMapOvr>
-  <p:timing>
-    <p:tnLst>
-      <p:par>
-        <p:cTn id="1" dur="indefinite" restart="never" nodeType="tmRoot"/>
-      </p:par>
-    </p:tnLst>
-  </p:timing>
 </p:sldLayout>
 </file>
 
@@ -2862,10 +2812,9 @@
           <a:lstStyle/>
           <a:p>
             <a:r>
-              <a:rPr lang="en-US" smtClean="0"/>
+              <a:rPr lang="en-US"/>
               <a:t>Click to edit Master title style</a:t>
             </a:r>
-            <a:endParaRPr lang="en-US"/>
           </a:p>
         </p:txBody>
       </p:sp>
@@ -2894,38 +2843,37 @@
           <a:p>
             <a:pPr lvl="0"/>
             <a:r>
-              <a:rPr lang="en-US" dirty="0" smtClean="0"/>
+              <a:rPr lang="en-US" dirty="0"/>
               <a:t>Click to edit Master text styles</a:t>
             </a:r>
           </a:p>
           <a:p>
             <a:pPr lvl="1"/>
             <a:r>
-              <a:rPr lang="en-US" dirty="0" smtClean="0"/>
+              <a:rPr lang="en-US" dirty="0"/>
               <a:t>Second level</a:t>
             </a:r>
           </a:p>
           <a:p>
             <a:pPr lvl="2"/>
             <a:r>
-              <a:rPr lang="en-US" dirty="0" smtClean="0"/>
+              <a:rPr lang="en-US" dirty="0"/>
               <a:t>Third level</a:t>
             </a:r>
           </a:p>
           <a:p>
             <a:pPr lvl="3"/>
             <a:r>
-              <a:rPr lang="en-US" dirty="0" smtClean="0"/>
+              <a:rPr lang="en-US" dirty="0"/>
               <a:t>Fourth level</a:t>
             </a:r>
           </a:p>
           <a:p>
             <a:pPr lvl="4"/>
             <a:r>
-              <a:rPr lang="en-US" dirty="0" smtClean="0"/>
+              <a:rPr lang="en-US" dirty="0"/>
               <a:t>Fifth level</a:t>
             </a:r>
-            <a:endParaRPr lang="en-US" dirty="0"/>
           </a:p>
         </p:txBody>
       </p:sp>
@@ -2946,7 +2894,7 @@
           <a:p>
             <a:fld id="{FF5D65A6-AB94-4435-B0B7-3743215FA46C}" type="datetime1">
               <a:rPr lang="en-US" smtClean="0"/>
-              <a:t>11/4/2015</a:t>
+              <a:t>11/2/2016</a:t>
             </a:fld>
             <a:endParaRPr lang="en-US"/>
           </a:p>
@@ -3053,13 +3001,6 @@
   <p:clrMapOvr>
     <a:masterClrMapping/>
   </p:clrMapOvr>
-  <p:timing>
-    <p:tnLst>
-      <p:par>
-        <p:cTn id="1" dur="indefinite" restart="never" nodeType="tmRoot"/>
-      </p:par>
-    </p:tnLst>
-  </p:timing>
 </p:sldLayout>
 </file>
 
@@ -3105,10 +3046,9 @@
           </a:lstStyle>
           <a:p>
             <a:r>
-              <a:rPr lang="en-US" smtClean="0"/>
+              <a:rPr lang="en-US"/>
               <a:t>Click to edit Master title style</a:t>
             </a:r>
-            <a:endParaRPr lang="en-US"/>
           </a:p>
         </p:txBody>
       </p:sp>
@@ -3225,7 +3165,7 @@
           <a:p>
             <a:pPr lvl="0"/>
             <a:r>
-              <a:rPr lang="en-US" smtClean="0"/>
+              <a:rPr lang="en-US"/>
               <a:t>Click to edit Master text styles</a:t>
             </a:r>
           </a:p>
@@ -3248,7 +3188,7 @@
           <a:p>
             <a:fld id="{7C193DC4-6EF0-48C9-B29C-616106A645E1}" type="datetime1">
               <a:rPr lang="en-US" smtClean="0"/>
-              <a:t>11/4/2015</a:t>
+              <a:t>11/2/2016</a:t>
             </a:fld>
             <a:endParaRPr lang="en-US"/>
           </a:p>
@@ -3342,10 +3282,9 @@
           <a:lstStyle/>
           <a:p>
             <a:r>
-              <a:rPr lang="en-US" smtClean="0"/>
+              <a:rPr lang="en-US"/>
               <a:t>Click to edit Master title style</a:t>
             </a:r>
-            <a:endParaRPr lang="en-US"/>
           </a:p>
         </p:txBody>
       </p:sp>
@@ -3399,38 +3338,37 @@
           <a:p>
             <a:pPr lvl="0"/>
             <a:r>
-              <a:rPr lang="en-US" smtClean="0"/>
+              <a:rPr lang="en-US"/>
               <a:t>Click to edit Master text styles</a:t>
             </a:r>
           </a:p>
           <a:p>
             <a:pPr lvl="1"/>
             <a:r>
-              <a:rPr lang="en-US" smtClean="0"/>
+              <a:rPr lang="en-US"/>
               <a:t>Second level</a:t>
             </a:r>
           </a:p>
           <a:p>
             <a:pPr lvl="2"/>
             <a:r>
-              <a:rPr lang="en-US" smtClean="0"/>
+              <a:rPr lang="en-US"/>
               <a:t>Third level</a:t>
             </a:r>
           </a:p>
           <a:p>
             <a:pPr lvl="3"/>
             <a:r>
-              <a:rPr lang="en-US" smtClean="0"/>
+              <a:rPr lang="en-US"/>
               <a:t>Fourth level</a:t>
             </a:r>
           </a:p>
           <a:p>
             <a:pPr lvl="4"/>
             <a:r>
-              <a:rPr lang="en-US" smtClean="0"/>
+              <a:rPr lang="en-US"/>
               <a:t>Fifth level</a:t>
             </a:r>
-            <a:endParaRPr lang="en-US"/>
           </a:p>
         </p:txBody>
       </p:sp>
@@ -3484,38 +3422,37 @@
           <a:p>
             <a:pPr lvl="0"/>
             <a:r>
-              <a:rPr lang="en-US" smtClean="0"/>
+              <a:rPr lang="en-US"/>
               <a:t>Click to edit Master text styles</a:t>
             </a:r>
           </a:p>
           <a:p>
             <a:pPr lvl="1"/>
             <a:r>
-              <a:rPr lang="en-US" smtClean="0"/>
+              <a:rPr lang="en-US"/>
               <a:t>Second level</a:t>
             </a:r>
           </a:p>
           <a:p>
             <a:pPr lvl="2"/>
             <a:r>
-              <a:rPr lang="en-US" smtClean="0"/>
+              <a:rPr lang="en-US"/>
               <a:t>Third level</a:t>
             </a:r>
           </a:p>
           <a:p>
             <a:pPr lvl="3"/>
             <a:r>
-              <a:rPr lang="en-US" smtClean="0"/>
+              <a:rPr lang="en-US"/>
               <a:t>Fourth level</a:t>
             </a:r>
           </a:p>
           <a:p>
             <a:pPr lvl="4"/>
             <a:r>
-              <a:rPr lang="en-US" smtClean="0"/>
+              <a:rPr lang="en-US"/>
               <a:t>Fifth level</a:t>
             </a:r>
-            <a:endParaRPr lang="en-US"/>
           </a:p>
         </p:txBody>
       </p:sp>
@@ -3536,7 +3473,7 @@
           <a:p>
             <a:fld id="{5D1846AD-9252-4647-9435-4C2AC365653A}" type="datetime1">
               <a:rPr lang="en-US" smtClean="0"/>
-              <a:t>11/4/2015</a:t>
+              <a:t>11/2/2016</a:t>
             </a:fld>
             <a:endParaRPr lang="en-US"/>
           </a:p>
@@ -3630,10 +3567,9 @@
           <a:lstStyle/>
           <a:p>
             <a:r>
-              <a:rPr lang="en-US" smtClean="0"/>
+              <a:rPr lang="en-US"/>
               <a:t>Click to edit Master title style</a:t>
             </a:r>
-            <a:endParaRPr lang="en-US"/>
           </a:p>
         </p:txBody>
       </p:sp>
@@ -3691,38 +3627,37 @@
           <a:p>
             <a:pPr lvl="0"/>
             <a:r>
-              <a:rPr lang="en-US" dirty="0" smtClean="0"/>
+              <a:rPr lang="en-US" dirty="0"/>
               <a:t>Click to edit Master text styles</a:t>
             </a:r>
           </a:p>
           <a:p>
             <a:pPr lvl="1"/>
             <a:r>
-              <a:rPr lang="en-US" dirty="0" smtClean="0"/>
+              <a:rPr lang="en-US" dirty="0"/>
               <a:t>Second level</a:t>
             </a:r>
           </a:p>
           <a:p>
             <a:pPr lvl="2"/>
             <a:r>
-              <a:rPr lang="en-US" dirty="0" smtClean="0"/>
+              <a:rPr lang="en-US" dirty="0"/>
               <a:t>Third level</a:t>
             </a:r>
           </a:p>
           <a:p>
             <a:pPr lvl="3"/>
             <a:r>
-              <a:rPr lang="en-US" dirty="0" smtClean="0"/>
+              <a:rPr lang="en-US" dirty="0"/>
               <a:t>Fourth level</a:t>
             </a:r>
           </a:p>
           <a:p>
             <a:pPr lvl="4"/>
             <a:r>
-              <a:rPr lang="en-US" dirty="0" smtClean="0"/>
+              <a:rPr lang="en-US" dirty="0"/>
               <a:t>Fifth level</a:t>
             </a:r>
-            <a:endParaRPr lang="en-US" dirty="0"/>
           </a:p>
         </p:txBody>
       </p:sp>
@@ -3780,38 +3715,37 @@
           <a:p>
             <a:pPr lvl="0"/>
             <a:r>
-              <a:rPr lang="en-US" dirty="0" smtClean="0"/>
+              <a:rPr lang="en-US" dirty="0"/>
               <a:t>Click to edit Master text styles</a:t>
             </a:r>
           </a:p>
           <a:p>
             <a:pPr lvl="1"/>
             <a:r>
-              <a:rPr lang="en-US" dirty="0" smtClean="0"/>
+              <a:rPr lang="en-US" dirty="0"/>
               <a:t>Second level</a:t>
             </a:r>
           </a:p>
           <a:p>
             <a:pPr lvl="2"/>
             <a:r>
-              <a:rPr lang="en-US" dirty="0" smtClean="0"/>
+              <a:rPr lang="en-US" dirty="0"/>
               <a:t>Third level</a:t>
             </a:r>
           </a:p>
           <a:p>
             <a:pPr lvl="3"/>
             <a:r>
-              <a:rPr lang="en-US" dirty="0" smtClean="0"/>
+              <a:rPr lang="en-US" dirty="0"/>
               <a:t>Fourth level</a:t>
             </a:r>
           </a:p>
           <a:p>
             <a:pPr lvl="4"/>
             <a:r>
-              <a:rPr lang="en-US" dirty="0" smtClean="0"/>
+              <a:rPr lang="en-US" dirty="0"/>
               <a:t>Fifth level</a:t>
             </a:r>
-            <a:endParaRPr lang="en-US" dirty="0"/>
           </a:p>
         </p:txBody>
       </p:sp>
@@ -3832,7 +3766,7 @@
           <a:p>
             <a:fld id="{5D1846AD-9252-4647-9435-4C2AC365653A}" type="datetime1">
               <a:rPr lang="en-US" smtClean="0"/>
-              <a:t>11/4/2015</a:t>
+              <a:t>11/2/2016</a:t>
             </a:fld>
             <a:endParaRPr lang="en-US"/>
           </a:p>
@@ -3930,10 +3864,9 @@
           </a:lstStyle>
           <a:p>
             <a:r>
-              <a:rPr lang="en-US" smtClean="0"/>
+              <a:rPr lang="en-US"/>
               <a:t>Click to edit Master title style</a:t>
             </a:r>
-            <a:endParaRPr lang="en-US"/>
           </a:p>
         </p:txBody>
       </p:sp>
@@ -3996,7 +3929,7 @@
           <a:p>
             <a:pPr lvl="0"/>
             <a:r>
-              <a:rPr lang="en-US" smtClean="0"/>
+              <a:rPr lang="en-US"/>
               <a:t>Click to edit Master text styles</a:t>
             </a:r>
           </a:p>
@@ -4052,38 +3985,37 @@
           <a:p>
             <a:pPr lvl="0"/>
             <a:r>
-              <a:rPr lang="en-US" smtClean="0"/>
+              <a:rPr lang="en-US"/>
               <a:t>Click to edit Master text styles</a:t>
             </a:r>
           </a:p>
           <a:p>
             <a:pPr lvl="1"/>
             <a:r>
-              <a:rPr lang="en-US" smtClean="0"/>
+              <a:rPr lang="en-US"/>
               <a:t>Second level</a:t>
             </a:r>
           </a:p>
           <a:p>
             <a:pPr lvl="2"/>
             <a:r>
-              <a:rPr lang="en-US" smtClean="0"/>
+              <a:rPr lang="en-US"/>
               <a:t>Third level</a:t>
             </a:r>
           </a:p>
           <a:p>
             <a:pPr lvl="3"/>
             <a:r>
-              <a:rPr lang="en-US" smtClean="0"/>
+              <a:rPr lang="en-US"/>
               <a:t>Fourth level</a:t>
             </a:r>
           </a:p>
           <a:p>
             <a:pPr lvl="4"/>
             <a:r>
-              <a:rPr lang="en-US" smtClean="0"/>
+              <a:rPr lang="en-US"/>
               <a:t>Fifth level</a:t>
             </a:r>
-            <a:endParaRPr lang="en-US"/>
           </a:p>
         </p:txBody>
       </p:sp>
@@ -4146,7 +4078,7 @@
           <a:p>
             <a:pPr lvl="0"/>
             <a:r>
-              <a:rPr lang="en-US" smtClean="0"/>
+              <a:rPr lang="en-US"/>
               <a:t>Click to edit Master text styles</a:t>
             </a:r>
           </a:p>
@@ -4202,38 +4134,37 @@
           <a:p>
             <a:pPr lvl="0"/>
             <a:r>
-              <a:rPr lang="en-US" smtClean="0"/>
+              <a:rPr lang="en-US"/>
               <a:t>Click to edit Master text styles</a:t>
             </a:r>
           </a:p>
           <a:p>
             <a:pPr lvl="1"/>
             <a:r>
-              <a:rPr lang="en-US" smtClean="0"/>
+              <a:rPr lang="en-US"/>
               <a:t>Second level</a:t>
             </a:r>
           </a:p>
           <a:p>
             <a:pPr lvl="2"/>
             <a:r>
-              <a:rPr lang="en-US" smtClean="0"/>
+              <a:rPr lang="en-US"/>
               <a:t>Third level</a:t>
             </a:r>
           </a:p>
           <a:p>
             <a:pPr lvl="3"/>
             <a:r>
-              <a:rPr lang="en-US" smtClean="0"/>
+              <a:rPr lang="en-US"/>
               <a:t>Fourth level</a:t>
             </a:r>
           </a:p>
           <a:p>
             <a:pPr lvl="4"/>
             <a:r>
-              <a:rPr lang="en-US" smtClean="0"/>
+              <a:rPr lang="en-US"/>
               <a:t>Fifth level</a:t>
             </a:r>
-            <a:endParaRPr lang="en-US"/>
           </a:p>
         </p:txBody>
       </p:sp>
@@ -4254,7 +4185,7 @@
           <a:p>
             <a:fld id="{CE56DC10-3561-4063-A6AF-C1CC7A41040A}" type="datetime1">
               <a:rPr lang="en-US" smtClean="0"/>
-              <a:t>11/4/2015</a:t>
+              <a:t>11/2/2016</a:t>
             </a:fld>
             <a:endParaRPr lang="en-US"/>
           </a:p>
@@ -4375,10 +4306,9 @@
           <a:lstStyle/>
           <a:p>
             <a:r>
-              <a:rPr lang="en-US" smtClean="0"/>
+              <a:rPr lang="en-US"/>
               <a:t>Click to edit Master title style</a:t>
             </a:r>
-            <a:endParaRPr lang="en-US"/>
           </a:p>
         </p:txBody>
       </p:sp>
@@ -4409,38 +4339,37 @@
           <a:p>
             <a:pPr lvl="0"/>
             <a:r>
-              <a:rPr lang="en-US" smtClean="0"/>
+              <a:rPr lang="en-US"/>
               <a:t>Click to edit Master text styles</a:t>
             </a:r>
           </a:p>
           <a:p>
             <a:pPr lvl="1"/>
             <a:r>
-              <a:rPr lang="en-US" smtClean="0"/>
+              <a:rPr lang="en-US"/>
               <a:t>Second level</a:t>
             </a:r>
           </a:p>
           <a:p>
             <a:pPr lvl="2"/>
             <a:r>
-              <a:rPr lang="en-US" smtClean="0"/>
+              <a:rPr lang="en-US"/>
               <a:t>Third level</a:t>
             </a:r>
           </a:p>
           <a:p>
             <a:pPr lvl="3"/>
             <a:r>
-              <a:rPr lang="en-US" smtClean="0"/>
+              <a:rPr lang="en-US"/>
               <a:t>Fourth level</a:t>
             </a:r>
           </a:p>
           <a:p>
             <a:pPr lvl="4"/>
             <a:r>
-              <a:rPr lang="en-US" smtClean="0"/>
+              <a:rPr lang="en-US"/>
               <a:t>Fifth level</a:t>
             </a:r>
-            <a:endParaRPr lang="en-US"/>
           </a:p>
         </p:txBody>
       </p:sp>
@@ -4479,7 +4408,7 @@
           <a:p>
             <a:fld id="{02B3F677-983B-48DB-ADFD-63FE6CBC7FB2}" type="datetime1">
               <a:rPr lang="en-US" smtClean="0"/>
-              <a:t>11/4/2015</a:t>
+              <a:t>11/2/2016</a:t>
             </a:fld>
             <a:endParaRPr lang="en-US"/>
           </a:p>
@@ -4588,13 +4517,6 @@
     <p:sldLayoutId id="2147483675" r:id="rId14"/>
     <p:sldLayoutId id="2147483676" r:id="rId15"/>
   </p:sldLayoutIdLst>
-  <p:timing>
-    <p:tnLst>
-      <p:par>
-        <p:cTn id="1" dur="indefinite" restart="never" nodeType="tmRoot"/>
-      </p:par>
-    </p:tnLst>
-  </p:timing>
   <p:hf hdr="0" ftr="0" dt="0"/>
   <p:txStyles>
     <p:titleStyle>
@@ -4882,10 +4804,9 @@
           <a:lstStyle/>
           <a:p>
             <a:r>
-              <a:rPr lang="en-US" dirty="0" smtClean="0"/>
+              <a:rPr lang="en-US" dirty="0"/>
               <a:t>The Design Recipe using Classes</a:t>
             </a:r>
-            <a:endParaRPr lang="en-US" dirty="0"/>
           </a:p>
         </p:txBody>
       </p:sp>
@@ -4905,30 +4826,29 @@
           <a:lstStyle/>
           <a:p>
             <a:r>
-              <a:rPr lang="en-US" dirty="0" smtClean="0"/>
+              <a:rPr lang="en-US" dirty="0"/>
               <a:t>CS 5010 Program Design Paradigms</a:t>
             </a:r>
           </a:p>
           <a:p>
             <a:r>
-              <a:rPr lang="en-US" dirty="0" smtClean="0"/>
+              <a:rPr lang="en-US" dirty="0"/>
               <a:t>"</a:t>
             </a:r>
             <a:r>
-              <a:rPr lang="en-US" dirty="0" err="1" smtClean="0"/>
+              <a:rPr lang="en-US" dirty="0" err="1"/>
               <a:t>Bootcamp</a:t>
             </a:r>
             <a:r>
-              <a:rPr lang="en-US" dirty="0" smtClean="0"/>
+              <a:rPr lang="en-US" dirty="0"/>
               <a:t>"</a:t>
             </a:r>
           </a:p>
           <a:p>
             <a:r>
-              <a:rPr lang="en-US" dirty="0" smtClean="0"/>
+              <a:rPr lang="en-US" dirty="0"/>
               <a:t>Lesson 9.5</a:t>
             </a:r>
-            <a:endParaRPr lang="en-US" dirty="0"/>
           </a:p>
         </p:txBody>
       </p:sp>
@@ -5028,28 +4948,14 @@
               </a:r>
               <a:r>
                 <a:rPr lang="en-US" sz="1000"/>
-                <a:t>, </a:t>
+                <a:t>, 2012-2015</a:t>
               </a:r>
-              <a:r>
-                <a:rPr lang="en-US" sz="1000" smtClean="0"/>
-                <a:t>2012-2015</a:t>
-              </a:r>
-              <a:endParaRPr lang="en-US" sz="1000" dirty="0" smtClean="0"/>
+              <a:endParaRPr lang="en-US" sz="1000" dirty="0"/>
             </a:p>
             <a:p>
               <a:r>
-                <a:rPr lang="en-US" sz="1000" dirty="0" smtClean="0"/>
+                <a:rPr lang="en-US" sz="1000" dirty="0"/>
                 <a:t>This work is licensed under a </a:t>
-              </a:r>
-              <a:r>
-                <a:rPr lang="en-US" altLang="en-US" sz="1000" dirty="0" smtClean="0">
-                  <a:solidFill>
-                    <a:srgbClr val="4374B7"/>
-                  </a:solidFill>
-                  <a:latin typeface="Helvetica Neue"/>
-                  <a:hlinkClick r:id="rId4"/>
-                </a:rPr>
-                <a:t>Creative </a:t>
               </a:r>
               <a:r>
                 <a:rPr lang="en-US" altLang="en-US" sz="1000" dirty="0">
@@ -5059,7 +4965,7 @@
                   <a:latin typeface="Helvetica Neue"/>
                   <a:hlinkClick r:id="rId4"/>
                 </a:rPr>
-                <a:t>Commons Attribution-</a:t>
+                <a:t>Creative Commons Attribution-</a:t>
               </a:r>
               <a:r>
                 <a:rPr lang="en-US" altLang="en-US" sz="1000" dirty="0" err="1">
@@ -5082,10 +4988,9 @@
                 <a:t> 4.0 International License</a:t>
               </a:r>
               <a:r>
-                <a:rPr lang="en-US" sz="1000" dirty="0" smtClean="0"/>
+                <a:rPr lang="en-US" sz="1000" dirty="0"/>
                 <a:t>.</a:t>
               </a:r>
-              <a:endParaRPr lang="en-US" sz="1000" dirty="0"/>
             </a:p>
           </p:txBody>
         </p:sp>
@@ -5095,13 +5000,6 @@
   <p:clrMapOvr>
     <a:masterClrMapping/>
   </p:clrMapOvr>
-  <p:timing>
-    <p:tnLst>
-      <p:par>
-        <p:cTn id="1" dur="indefinite" restart="never" nodeType="tmRoot"/>
-      </p:par>
-    </p:tnLst>
-  </p:timing>
 </p:sld>
 </file>
 
@@ -5134,14 +5032,15 @@
         </p:nvSpPr>
         <p:spPr/>
         <p:txBody>
-          <a:bodyPr/>
-          <a:lstStyle/>
-          <a:p>
-            <a:r>
-              <a:rPr lang="en-US" dirty="0" smtClean="0"/>
-              <a:t>What happened to the template?</a:t>
-            </a:r>
-            <a:endParaRPr lang="en-US" dirty="0"/>
+          <a:bodyPr>
+            <a:normAutofit fontScale="90000"/>
+          </a:bodyPr>
+          <a:lstStyle/>
+          <a:p>
+            <a:r>
+              <a:rPr lang="en-US" dirty="0"/>
+              <a:t>What happened to the Observer Template?</a:t>
+            </a:r>
           </a:p>
         </p:txBody>
       </p:sp>
@@ -5157,62 +5056,67 @@
         </p:nvSpPr>
         <p:spPr/>
         <p:txBody>
-          <a:bodyPr/>
-          <a:lstStyle/>
-          <a:p>
-            <a:r>
-              <a:rPr lang="en-US" dirty="0" smtClean="0"/>
+          <a:bodyPr>
+            <a:normAutofit lnSpcReduction="10000"/>
+          </a:bodyPr>
+          <a:lstStyle/>
+          <a:p>
+            <a:r>
+              <a:rPr lang="en-US" dirty="0"/>
+              <a:t>An interface is implicitly itemization data</a:t>
+            </a:r>
+          </a:p>
+          <a:p>
+            <a:r>
+              <a:rPr lang="en-US" dirty="0"/>
+              <a:t>Each class that implements the interface is like an alternative of the itemization data.</a:t>
+            </a:r>
+          </a:p>
+          <a:p>
+            <a:r>
+              <a:rPr lang="en-US" dirty="0"/>
               <a:t>The object system does all the </a:t>
             </a:r>
             <a:r>
-              <a:rPr lang="en-US" b="1" dirty="0" err="1" smtClean="0"/>
+              <a:rPr lang="en-US" b="1" dirty="0" err="1"/>
               <a:t>cond</a:t>
             </a:r>
             <a:r>
-              <a:rPr lang="en-US" dirty="0" err="1" smtClean="0"/>
+              <a:rPr lang="en-US" dirty="0" err="1"/>
               <a:t>'s</a:t>
             </a:r>
             <a:r>
-              <a:rPr lang="en-US" dirty="0" smtClean="0"/>
+              <a:rPr lang="en-US" dirty="0"/>
               <a:t> for you.</a:t>
             </a:r>
           </a:p>
           <a:p>
             <a:r>
-              <a:rPr lang="en-US" dirty="0" smtClean="0"/>
+              <a:rPr lang="en-US" dirty="0"/>
               <a:t>All that's left for you to do is to write the right-hand side of each </a:t>
             </a:r>
             <a:r>
-              <a:rPr lang="en-US" b="1" dirty="0" err="1" smtClean="0"/>
+              <a:rPr lang="en-US" b="1" dirty="0" err="1"/>
               <a:t>cond</a:t>
             </a:r>
             <a:r>
-              <a:rPr lang="en-US" dirty="0" smtClean="0"/>
+              <a:rPr lang="en-US" dirty="0"/>
               <a:t>-line.</a:t>
             </a:r>
           </a:p>
           <a:p>
             <a:pPr lvl="1"/>
             <a:r>
-              <a:rPr lang="en-US" dirty="0" smtClean="0"/>
+              <a:rPr lang="en-US" dirty="0"/>
               <a:t>You can use fields instead of selectors.</a:t>
             </a:r>
           </a:p>
           <a:p>
             <a:pPr lvl="1"/>
             <a:r>
-              <a:rPr lang="en-US" dirty="0" smtClean="0"/>
-              <a:t>So there's no need for a separate template! (</a:t>
-            </a:r>
-            <a:r>
-              <a:rPr lang="en-US" dirty="0" err="1" smtClean="0"/>
-              <a:t>Yay</a:t>
-            </a:r>
-            <a:r>
-              <a:rPr lang="en-US" dirty="0" smtClean="0"/>
-              <a:t>!)  </a:t>
-            </a:r>
-            <a:endParaRPr lang="en-US" dirty="0"/>
+              <a:rPr lang="en-US" dirty="0"/>
+              <a:t>So there's no need for a separate  observer template. (Yay!)  </a:t>
+            </a:r>
           </a:p>
         </p:txBody>
       </p:sp>
@@ -5245,13 +5149,6 @@
   <p:clrMapOvr>
     <a:masterClrMapping/>
   </p:clrMapOvr>
-  <p:timing>
-    <p:tnLst>
-      <p:par>
-        <p:cTn id="1" dur="indefinite" restart="never" nodeType="tmRoot"/>
-      </p:par>
-    </p:tnLst>
-  </p:timing>
 </p:sld>
 </file>
 
@@ -5288,10 +5185,9 @@
           <a:lstStyle/>
           <a:p>
             <a:r>
-              <a:rPr lang="en-US" dirty="0" smtClean="0"/>
+              <a:rPr lang="en-US" dirty="0"/>
               <a:t>Coding Standards</a:t>
             </a:r>
-            <a:endParaRPr lang="en-US" dirty="0"/>
           </a:p>
         </p:txBody>
       </p:sp>
@@ -5311,50 +5207,45 @@
           <a:lstStyle/>
           <a:p>
             <a:r>
-              <a:rPr lang="en-US" dirty="0" smtClean="0"/>
+              <a:rPr lang="en-US" dirty="0"/>
               <a:t>Every method in the class (defined with </a:t>
             </a:r>
             <a:r>
-              <a:rPr lang="en-US" b="1" dirty="0" smtClean="0"/>
+              <a:rPr lang="en-US" b="1" dirty="0"/>
               <a:t>define/public</a:t>
             </a:r>
             <a:r>
-              <a:rPr lang="en-US" dirty="0" smtClean="0"/>
+              <a:rPr lang="en-US" dirty="0"/>
               <a:t>) MUST be listed in the interface.</a:t>
             </a:r>
           </a:p>
           <a:p>
             <a:r>
-              <a:rPr lang="en-US" dirty="0" smtClean="0"/>
+              <a:rPr lang="en-US" dirty="0"/>
               <a:t>Exception: methods named </a:t>
             </a:r>
             <a:r>
-              <a:rPr lang="en-US" b="1" dirty="0" smtClean="0"/>
+              <a:rPr lang="en-US" b="1" dirty="0"/>
               <a:t>for-test:... </a:t>
             </a:r>
             <a:r>
               <a:rPr lang="en-US" dirty="0"/>
-              <a:t> </a:t>
-            </a:r>
-            <a:r>
-              <a:rPr lang="en-US" dirty="0" smtClean="0"/>
-              <a:t>These methods may only be used for testing and  debugging.</a:t>
-            </a:r>
-          </a:p>
-          <a:p>
-            <a:r>
-              <a:rPr lang="en-US" dirty="0" smtClean="0"/>
+              <a:t> These methods may only be used for testing and  debugging.</a:t>
+            </a:r>
+          </a:p>
+          <a:p>
+            <a:r>
+              <a:rPr lang="en-US" dirty="0"/>
               <a:t>You may have functions (defined with </a:t>
             </a:r>
             <a:r>
-              <a:rPr lang="en-US" b="1" dirty="0" smtClean="0"/>
+              <a:rPr lang="en-US" b="1" dirty="0"/>
               <a:t>define</a:t>
             </a:r>
             <a:r>
-              <a:rPr lang="en-US" dirty="0" smtClean="0"/>
+              <a:rPr lang="en-US" dirty="0"/>
               <a:t>) in your class.   These will be private to the class.</a:t>
             </a:r>
-            <a:endParaRPr lang="en-US" dirty="0"/>
           </a:p>
         </p:txBody>
       </p:sp>
@@ -5391,13 +5282,6 @@
   <p:clrMapOvr>
     <a:masterClrMapping/>
   </p:clrMapOvr>
-  <p:timing>
-    <p:tnLst>
-      <p:par>
-        <p:cTn id="1" dur="indefinite" restart="never" nodeType="tmRoot"/>
-      </p:par>
-    </p:tnLst>
-  </p:timing>
 </p:sld>
 </file>
 
@@ -5434,10 +5318,9 @@
           <a:lstStyle/>
           <a:p>
             <a:r>
-              <a:rPr lang="en-US" dirty="0" smtClean="0"/>
+              <a:rPr lang="en-US" dirty="0"/>
               <a:t>Coding Standards Illustrated</a:t>
             </a:r>
-            <a:endParaRPr lang="en-US" dirty="0"/>
           </a:p>
         </p:txBody>
       </p:sp>
@@ -5459,26 +5342,28 @@
         </p:spPr>
         <p:txBody>
           <a:bodyPr>
-            <a:normAutofit fontScale="40000" lnSpcReduction="20000"/>
+            <a:normAutofit fontScale="32500" lnSpcReduction="20000"/>
           </a:bodyPr>
           <a:lstStyle/>
           <a:p>
             <a:r>
-              <a:rPr lang="en-US" dirty="0" smtClean="0"/>
+              <a:rPr lang="en-US" dirty="0"/>
               <a:t>;; A Foo is an object of any class that implements Foo&lt;%&gt;</a:t>
             </a:r>
           </a:p>
           <a:p>
+            <a:r>
+              <a:rPr lang="en-US" dirty="0"/>
+              <a:t>;; Module such-and-so expects to work with a list of Foo’s.</a:t>
+            </a:r>
+          </a:p>
+          <a:p>
             <a:endParaRPr lang="en-US" dirty="0"/>
           </a:p>
           <a:p>
             <a:r>
-              <a:rPr lang="en-US" dirty="0" smtClean="0"/>
-              <a:t>(</a:t>
-            </a:r>
-            <a:r>
-              <a:rPr lang="en-US" dirty="0"/>
-              <a:t>define Foo&lt;%&gt;</a:t>
+              <a:rPr lang="en-US" dirty="0"/>
+              <a:t>(define Foo&lt;%&gt;</a:t>
             </a:r>
           </a:p>
           <a:p>
@@ -5514,13 +5399,8 @@
           <a:p>
             <a:r>
               <a:rPr lang="en-US" dirty="0"/>
-              <a:t>    ; Bar -&gt; </a:t>
-            </a:r>
-            <a:r>
-              <a:rPr lang="en-US" dirty="0" smtClean="0"/>
-              <a:t>Foo&lt;%&gt;</a:t>
-            </a:r>
-            <a:endParaRPr lang="en-US" dirty="0"/>
+              <a:t>    ; Bar -&gt; Foo</a:t>
+            </a:r>
           </a:p>
           <a:p>
             <a:r>
@@ -5554,9 +5434,46 @@
         </p:spPr>
         <p:txBody>
           <a:bodyPr>
-            <a:normAutofit fontScale="40000" lnSpcReduction="20000"/>
+            <a:normAutofit fontScale="32500" lnSpcReduction="20000"/>
           </a:bodyPr>
           <a:lstStyle/>
+          <a:p>
+            <a:r>
+              <a:rPr lang="en-US" dirty="0"/>
+              <a:t>;; Constructor Template for Class1%:</a:t>
+            </a:r>
+          </a:p>
+          <a:p>
+            <a:r>
+              <a:rPr lang="en-US" dirty="0"/>
+              <a:t>;; (new Class1% [a </a:t>
+            </a:r>
+            <a:r>
+              <a:rPr lang="en-US" dirty="0" err="1"/>
+              <a:t>Int</a:t>
+            </a:r>
+            <a:r>
+              <a:rPr lang="en-US" dirty="0"/>
+              <a:t>][b Bool][c Foo])</a:t>
+            </a:r>
+          </a:p>
+          <a:p>
+            <a:r>
+              <a:rPr lang="en-US" dirty="0"/>
+              <a:t>;; </a:t>
+            </a:r>
+            <a:r>
+              <a:rPr lang="en-US" dirty="0" err="1"/>
+              <a:t>Interp</a:t>
+            </a:r>
+            <a:r>
+              <a:rPr lang="en-US" dirty="0"/>
+              <a:t>: an object of Class1% represents a ....</a:t>
+            </a:r>
+          </a:p>
+          <a:p>
+            <a:endParaRPr lang="en-US" dirty="0"/>
+          </a:p>
           <a:p>
             <a:r>
               <a:rPr lang="en-US" dirty="0"/>
@@ -5583,57 +5500,40 @@
             </a:r>
             <a:r>
               <a:rPr lang="en-US" dirty="0"/>
-              <a:t>-field </a:t>
-            </a:r>
-            <a:r>
-              <a:rPr lang="en-US" dirty="0" smtClean="0"/>
-              <a:t>a b c) </a:t>
-            </a:r>
-          </a:p>
-          <a:p>
-            <a:r>
-              <a:rPr lang="en-US" dirty="0"/>
-              <a:t> </a:t>
-            </a:r>
-            <a:r>
-              <a:rPr lang="en-US" dirty="0" smtClean="0"/>
-              <a:t>   ;; interpretations omitted...</a:t>
-            </a:r>
+              <a:t>-field a b c) </a:t>
+            </a:r>
+          </a:p>
+          <a:p>
+            <a:r>
+              <a:rPr lang="en-US" dirty="0"/>
+              <a:t>    ;; interpretations omitted...</a:t>
+            </a:r>
+          </a:p>
+          <a:p>
+            <a:r>
+              <a:rPr lang="en-US" dirty="0"/>
+              <a:t>    </a:t>
+            </a:r>
+          </a:p>
+          <a:p>
+            <a:r>
+              <a:rPr lang="en-US" dirty="0"/>
+              <a:t>    (field [LOCAL-CONSTANT ...])</a:t>
+            </a:r>
+          </a:p>
+          <a:p>
+            <a:r>
+              <a:rPr lang="en-US" dirty="0"/>
+              <a:t>    ;; interpretation omitted</a:t>
+            </a:r>
+          </a:p>
+          <a:p>
             <a:endParaRPr lang="en-US" dirty="0"/>
           </a:p>
           <a:p>
             <a:r>
               <a:rPr lang="en-US" dirty="0"/>
-              <a:t>    </a:t>
-            </a:r>
-            <a:endParaRPr lang="en-US" dirty="0" smtClean="0"/>
-          </a:p>
-          <a:p>
-            <a:r>
-              <a:rPr lang="en-US" dirty="0"/>
-              <a:t> </a:t>
-            </a:r>
-            <a:r>
-              <a:rPr lang="en-US" dirty="0" smtClean="0"/>
-              <a:t>   (</a:t>
-            </a:r>
-            <a:r>
-              <a:rPr lang="en-US" dirty="0"/>
-              <a:t>field [LOCAL-CONSTANT </a:t>
-            </a:r>
-            <a:r>
-              <a:rPr lang="en-US" dirty="0" smtClean="0"/>
-              <a:t>...])</a:t>
-            </a:r>
-          </a:p>
-          <a:p>
-            <a:r>
-              <a:rPr lang="en-US" dirty="0"/>
-              <a:t> </a:t>
-            </a:r>
-            <a:r>
-              <a:rPr lang="en-US" dirty="0" smtClean="0"/>
-              <a:t>   ;; interpretation omitted</a:t>
+              <a:t>    (super-new)</a:t>
             </a:r>
           </a:p>
           <a:p>
@@ -5642,7 +5542,19 @@
           <a:p>
             <a:r>
               <a:rPr lang="en-US" dirty="0"/>
-              <a:t>    (super-new)</a:t>
+              <a:t>    ; m1 : -&gt; Integer</a:t>
+            </a:r>
+          </a:p>
+          <a:p>
+            <a:r>
+              <a:rPr lang="en-US" dirty="0"/>
+              <a:t>    ; purpose statement omitted...</a:t>
+            </a:r>
+          </a:p>
+          <a:p>
+            <a:r>
+              <a:rPr lang="en-US" dirty="0"/>
+              <a:t>    (define/public (m1) ...)</a:t>
             </a:r>
           </a:p>
           <a:p>
@@ -5651,19 +5563,13 @@
           <a:p>
             <a:r>
               <a:rPr lang="en-US" dirty="0"/>
-              <a:t>    ; m1 : -&gt; Integer</a:t>
-            </a:r>
-          </a:p>
-          <a:p>
-            <a:r>
-              <a:rPr lang="en-US" dirty="0"/>
-              <a:t>    ; purpose statement omitted...</a:t>
-            </a:r>
-          </a:p>
-          <a:p>
-            <a:r>
-              <a:rPr lang="en-US" dirty="0"/>
-              <a:t>    (define/public (m1) ...)</a:t>
+              <a:t>    ; add-bar : Bar -&gt; Foo</a:t>
+            </a:r>
+          </a:p>
+          <a:p>
+            <a:r>
+              <a:rPr lang="en-US" dirty="0"/>
+              <a:t>    (define/public (add-bar b) ...)</a:t>
             </a:r>
           </a:p>
           <a:p>
@@ -5672,22 +5578,26 @@
           <a:p>
             <a:r>
               <a:rPr lang="en-US" dirty="0"/>
-              <a:t>    ; add-bar : Bar -&gt; </a:t>
-            </a:r>
-            <a:r>
-              <a:rPr lang="en-US" dirty="0" smtClean="0"/>
-              <a:t>Foo&lt;%&gt;</a:t>
-            </a:r>
+              <a:t>   </a:t>
+            </a:r>
+            <a:r>
+              <a:rPr lang="en-US" strike="sngStrike" dirty="0"/>
+              <a:t> (define/public (method-not-in-interface ...) ...)</a:t>
+            </a:r>
+          </a:p>
+          <a:p>
             <a:endParaRPr lang="en-US" dirty="0"/>
           </a:p>
           <a:p>
             <a:r>
               <a:rPr lang="en-US" dirty="0"/>
-              <a:t>    (define/public (add-bar b) </a:t>
-            </a:r>
-            <a:r>
-              <a:rPr lang="en-US" dirty="0" smtClean="0"/>
-              <a:t>...)</a:t>
+              <a:t>    (define (function1 ...) a b c this ...)</a:t>
+            </a:r>
+          </a:p>
+          <a:p>
+            <a:r>
+              <a:rPr lang="en-US" dirty="0"/>
+              <a:t>    (define (function2 ...) a b c this ...)</a:t>
             </a:r>
           </a:p>
           <a:p>
@@ -5695,86 +5605,14 @@
           </a:p>
           <a:p>
             <a:r>
-              <a:rPr lang="en-US" dirty="0" smtClean="0"/>
-              <a:t>   </a:t>
-            </a:r>
-            <a:r>
-              <a:rPr lang="en-US" strike="sngStrike" dirty="0" smtClean="0"/>
-              <a:t> (define/public (method-not-in-interface ...) ...)</a:t>
-            </a:r>
-            <a:endParaRPr lang="en-US" strike="sngStrike" dirty="0"/>
-          </a:p>
-          <a:p>
-            <a:endParaRPr lang="en-US" dirty="0"/>
-          </a:p>
-          <a:p>
-            <a:r>
-              <a:rPr lang="en-US" dirty="0"/>
-              <a:t>    (define </a:t>
-            </a:r>
-            <a:r>
-              <a:rPr lang="en-US" dirty="0" smtClean="0"/>
-              <a:t>(function1 </a:t>
-            </a:r>
-            <a:r>
-              <a:rPr lang="en-US" dirty="0"/>
-              <a:t>...) </a:t>
-            </a:r>
-            <a:r>
-              <a:rPr lang="en-US" dirty="0" smtClean="0"/>
-              <a:t>a b c this ...)</a:t>
-            </a:r>
-            <a:endParaRPr lang="en-US" dirty="0"/>
-          </a:p>
-          <a:p>
-            <a:r>
-              <a:rPr lang="en-US" dirty="0"/>
-              <a:t>    (define </a:t>
-            </a:r>
-            <a:r>
-              <a:rPr lang="en-US" dirty="0" smtClean="0"/>
-              <a:t>(function2 </a:t>
-            </a:r>
-            <a:r>
-              <a:rPr lang="en-US" dirty="0"/>
-              <a:t>...) </a:t>
-            </a:r>
-            <a:r>
-              <a:rPr lang="en-US" dirty="0" smtClean="0"/>
-              <a:t>a b c this ...)</a:t>
-            </a:r>
-            <a:endParaRPr lang="en-US" dirty="0"/>
-          </a:p>
-          <a:p>
-            <a:endParaRPr lang="en-US" dirty="0"/>
-          </a:p>
-          <a:p>
-            <a:r>
-              <a:rPr lang="en-US" dirty="0"/>
-              <a:t>    ;; for-test</a:t>
-            </a:r>
-            <a:r>
-              <a:rPr lang="en-US" dirty="0" smtClean="0"/>
-              <a:t>:... methods </a:t>
-            </a:r>
-            <a:r>
-              <a:rPr lang="en-US" dirty="0"/>
-              <a:t>don't need to be </a:t>
-            </a:r>
-            <a:endParaRPr lang="en-US" dirty="0" smtClean="0"/>
-          </a:p>
-          <a:p>
-            <a:r>
-              <a:rPr lang="en-US" dirty="0"/>
-              <a:t> </a:t>
-            </a:r>
-            <a:r>
-              <a:rPr lang="en-US" dirty="0" smtClean="0"/>
-              <a:t>   ;; in </a:t>
-            </a:r>
-            <a:r>
-              <a:rPr lang="en-US" dirty="0"/>
-              <a:t>the interface</a:t>
+              <a:rPr lang="en-US" dirty="0"/>
+              <a:t>    ;; for-test:... methods don't need to be </a:t>
+            </a:r>
+          </a:p>
+          <a:p>
+            <a:r>
+              <a:rPr lang="en-US" dirty="0"/>
+              <a:t>    ;; in the interface</a:t>
             </a:r>
           </a:p>
           <a:p>
@@ -5820,74 +5658,6 @@
           </a:p>
         </p:txBody>
       </p:sp>
-      <p:cxnSp>
-        <p:nvCxnSpPr>
-          <p:cNvPr id="12" name="Straight Arrow Connector 11"/>
-          <p:cNvCxnSpPr/>
-          <p:nvPr/>
-        </p:nvCxnSpPr>
-        <p:spPr>
-          <a:xfrm>
-            <a:off x="990600" y="2438400"/>
-            <a:ext cx="4038600" cy="1239044"/>
-          </a:xfrm>
-          <a:prstGeom prst="straightConnector1">
-            <a:avLst/>
-          </a:prstGeom>
-          <a:ln>
-            <a:headEnd type="triangle"/>
-            <a:tailEnd type="triangle"/>
-          </a:ln>
-        </p:spPr>
-        <p:style>
-          <a:lnRef idx="1">
-            <a:schemeClr val="accent1"/>
-          </a:lnRef>
-          <a:fillRef idx="0">
-            <a:schemeClr val="accent1"/>
-          </a:fillRef>
-          <a:effectRef idx="0">
-            <a:schemeClr val="accent1"/>
-          </a:effectRef>
-          <a:fontRef idx="minor">
-            <a:schemeClr val="tx1"/>
-          </a:fontRef>
-        </p:style>
-      </p:cxnSp>
-      <p:cxnSp>
-        <p:nvCxnSpPr>
-          <p:cNvPr id="13" name="Straight Arrow Connector 12"/>
-          <p:cNvCxnSpPr/>
-          <p:nvPr/>
-        </p:nvCxnSpPr>
-        <p:spPr>
-          <a:xfrm>
-            <a:off x="1371600" y="3200400"/>
-            <a:ext cx="3657600" cy="914400"/>
-          </a:xfrm>
-          <a:prstGeom prst="straightConnector1">
-            <a:avLst/>
-          </a:prstGeom>
-          <a:ln>
-            <a:headEnd type="triangle"/>
-            <a:tailEnd type="triangle"/>
-          </a:ln>
-        </p:spPr>
-        <p:style>
-          <a:lnRef idx="1">
-            <a:schemeClr val="accent1"/>
-          </a:lnRef>
-          <a:fillRef idx="0">
-            <a:schemeClr val="accent1"/>
-          </a:fillRef>
-          <a:effectRef idx="0">
-            <a:schemeClr val="accent1"/>
-          </a:effectRef>
-          <a:fontRef idx="minor">
-            <a:schemeClr val="tx1"/>
-          </a:fontRef>
-        </p:style>
-      </p:cxnSp>
       <p:sp>
         <p:nvSpPr>
           <p:cNvPr id="18" name="Rectangle 17"/>
@@ -5896,19 +5666,21 @@
         </p:nvSpPr>
         <p:spPr>
           <a:xfrm>
-            <a:off x="7620000" y="1828800"/>
+            <a:off x="7466606" y="2804319"/>
             <a:ext cx="1524000" cy="609600"/>
           </a:xfrm>
           <a:prstGeom prst="rect">
             <a:avLst/>
           </a:prstGeom>
           <a:solidFill>
-            <a:schemeClr val="accent3">
-              <a:lumMod val="40000"/>
-              <a:lumOff val="60000"/>
+            <a:schemeClr val="accent1">
+              <a:lumMod val="20000"/>
+              <a:lumOff val="80000"/>
             </a:schemeClr>
           </a:solidFill>
-          <a:ln/>
+          <a:ln>
+            <a:noFill/>
+          </a:ln>
         </p:spPr>
         <p:style>
           <a:lnRef idx="2">
@@ -5935,31 +5707,28 @@
           <a:p>
             <a:pPr algn="ctr"/>
             <a:r>
-              <a:rPr lang="en-US" sz="1200" dirty="0" smtClean="0">
+              <a:rPr lang="en-US" sz="1200" dirty="0">
                 <a:solidFill>
                   <a:schemeClr val="tx1"/>
                 </a:solidFill>
               </a:rPr>
               <a:t>Constants used only in one class should be fields.</a:t>
             </a:r>
-            <a:endParaRPr lang="en-US" sz="1200" dirty="0">
-              <a:solidFill>
-                <a:schemeClr val="tx1"/>
-              </a:solidFill>
-            </a:endParaRPr>
           </a:p>
         </p:txBody>
       </p:sp>
       <p:cxnSp>
         <p:nvCxnSpPr>
           <p:cNvPr id="20" name="Straight Arrow Connector 19"/>
-          <p:cNvCxnSpPr/>
+          <p:cNvCxnSpPr>
+            <a:stCxn id="18" idx="1"/>
+          </p:cNvCxnSpPr>
           <p:nvPr/>
         </p:nvCxnSpPr>
         <p:spPr>
-          <a:xfrm flipH="1">
-            <a:off x="7239000" y="2133600"/>
-            <a:ext cx="381000" cy="152400"/>
+          <a:xfrm flipH="1" flipV="1">
+            <a:off x="6553200" y="2961276"/>
+            <a:ext cx="913406" cy="147843"/>
           </a:xfrm>
           <a:prstGeom prst="straightConnector1">
             <a:avLst/>
@@ -5991,19 +5760,21 @@
         </p:nvSpPr>
         <p:spPr>
           <a:xfrm>
-            <a:off x="1752600" y="3954462"/>
+            <a:off x="2438400" y="3598453"/>
             <a:ext cx="1866900" cy="685800"/>
           </a:xfrm>
           <a:prstGeom prst="rect">
             <a:avLst/>
           </a:prstGeom>
           <a:solidFill>
-            <a:schemeClr val="accent3">
-              <a:lumMod val="40000"/>
-              <a:lumOff val="60000"/>
+            <a:schemeClr val="accent1">
+              <a:lumMod val="20000"/>
+              <a:lumOff val="80000"/>
             </a:schemeClr>
           </a:solidFill>
-          <a:ln/>
+          <a:ln>
+            <a:noFill/>
+          </a:ln>
         </p:spPr>
         <p:style>
           <a:lnRef idx="2">
@@ -6030,18 +5801,13 @@
           <a:p>
             <a:pPr algn="ctr"/>
             <a:r>
-              <a:rPr lang="en-US" sz="1200" dirty="0" smtClean="0">
+              <a:rPr lang="en-US" sz="1200" dirty="0">
                 <a:solidFill>
                   <a:schemeClr val="tx1"/>
                 </a:solidFill>
               </a:rPr>
               <a:t>No methods except those listed in the interface</a:t>
             </a:r>
-            <a:endParaRPr lang="en-US" sz="1200" dirty="0">
-              <a:solidFill>
-                <a:schemeClr val="tx1"/>
-              </a:solidFill>
-            </a:endParaRPr>
           </a:p>
         </p:txBody>
       </p:sp>
@@ -6055,8 +5821,8 @@
         </p:nvCxnSpPr>
         <p:spPr>
           <a:xfrm>
-            <a:off x="3619500" y="4297362"/>
-            <a:ext cx="1295400" cy="132938"/>
+            <a:off x="4305300" y="3941353"/>
+            <a:ext cx="609600" cy="469511"/>
           </a:xfrm>
           <a:prstGeom prst="straightConnector1">
             <a:avLst/>
@@ -6088,19 +5854,21 @@
         </p:nvSpPr>
         <p:spPr>
           <a:xfrm>
-            <a:off x="1295400" y="4794454"/>
+            <a:off x="1981200" y="4397796"/>
             <a:ext cx="2324100" cy="945549"/>
           </a:xfrm>
           <a:prstGeom prst="rect">
             <a:avLst/>
           </a:prstGeom>
           <a:solidFill>
-            <a:schemeClr val="accent3">
-              <a:lumMod val="40000"/>
-              <a:lumOff val="60000"/>
+            <a:schemeClr val="accent1">
+              <a:lumMod val="20000"/>
+              <a:lumOff val="80000"/>
             </a:schemeClr>
           </a:solidFill>
-          <a:ln/>
+          <a:ln>
+            <a:noFill/>
+          </a:ln>
         </p:spPr>
         <p:style>
           <a:lnRef idx="2">
@@ -6127,7 +5895,7 @@
           <a:p>
             <a:pPr algn="ctr"/>
             <a:r>
-              <a:rPr lang="en-US" sz="1200" dirty="0" smtClean="0">
+              <a:rPr lang="en-US" sz="1200" dirty="0">
                 <a:solidFill>
                   <a:schemeClr val="tx1"/>
                 </a:solidFill>
@@ -6135,7 +5903,7 @@
               <a:t>If you think you need a private method, use a function instead.  Functions can refer to fields and to </a:t>
             </a:r>
             <a:r>
-              <a:rPr lang="en-US" sz="1200" b="1" dirty="0" smtClean="0">
+              <a:rPr lang="en-US" sz="1200" b="1" dirty="0">
                 <a:solidFill>
                   <a:schemeClr val="tx1"/>
                 </a:solidFill>
@@ -6143,18 +5911,13 @@
               <a:t>this</a:t>
             </a:r>
             <a:r>
-              <a:rPr lang="en-US" sz="1200" dirty="0" smtClean="0">
+              <a:rPr lang="en-US" sz="1200" dirty="0">
                 <a:solidFill>
                   <a:schemeClr val="tx1"/>
                 </a:solidFill>
               </a:rPr>
-              <a:t>.; these functions will not be accessible outside the class</a:t>
-            </a:r>
-            <a:endParaRPr lang="en-US" sz="1200" dirty="0">
-              <a:solidFill>
-                <a:schemeClr val="tx1"/>
-              </a:solidFill>
-            </a:endParaRPr>
+              <a:t>. These functions will not be accessible outside the class</a:t>
+            </a:r>
           </a:p>
         </p:txBody>
       </p:sp>
@@ -6168,8 +5931,8 @@
         </p:nvCxnSpPr>
         <p:spPr>
           <a:xfrm flipV="1">
-            <a:off x="3619500" y="4867657"/>
-            <a:ext cx="1295400" cy="399572"/>
+            <a:off x="4305300" y="4746781"/>
+            <a:ext cx="609600" cy="123790"/>
           </a:xfrm>
           <a:prstGeom prst="straightConnector1">
             <a:avLst/>
@@ -6201,19 +5964,21 @@
         </p:nvSpPr>
         <p:spPr>
           <a:xfrm>
-            <a:off x="1295400" y="5791200"/>
+            <a:off x="1981200" y="5536405"/>
             <a:ext cx="2324100" cy="772320"/>
           </a:xfrm>
           <a:prstGeom prst="rect">
             <a:avLst/>
           </a:prstGeom>
           <a:solidFill>
-            <a:schemeClr val="accent3">
-              <a:lumMod val="40000"/>
-              <a:lumOff val="60000"/>
+            <a:schemeClr val="accent1">
+              <a:lumMod val="20000"/>
+              <a:lumOff val="80000"/>
             </a:schemeClr>
           </a:solidFill>
-          <a:ln/>
+          <a:ln>
+            <a:noFill/>
+          </a:ln>
         </p:spPr>
         <p:style>
           <a:lnRef idx="2">
@@ -6240,7 +6005,7 @@
           <a:p>
             <a:pPr algn="ctr"/>
             <a:r>
-              <a:rPr lang="en-US" sz="1200" dirty="0" smtClean="0">
+              <a:rPr lang="en-US" sz="1200" dirty="0">
                 <a:solidFill>
                   <a:schemeClr val="tx1"/>
                 </a:solidFill>
@@ -6248,7 +6013,7 @@
               <a:t>Exception: methods named </a:t>
             </a:r>
             <a:r>
-              <a:rPr lang="en-US" sz="1200" b="1" dirty="0" smtClean="0">
+              <a:rPr lang="en-US" sz="1200" b="1" dirty="0">
                 <a:solidFill>
                   <a:schemeClr val="tx1"/>
                 </a:solidFill>
@@ -6256,18 +6021,13 @@
               <a:t>for-test:...</a:t>
             </a:r>
             <a:r>
-              <a:rPr lang="en-US" sz="1200" dirty="0" smtClean="0">
+              <a:rPr lang="en-US" sz="1200" dirty="0">
                 <a:solidFill>
                   <a:schemeClr val="tx1"/>
                 </a:solidFill>
               </a:rPr>
               <a:t> need not be in the interface, but they may only be used for testing.</a:t>
             </a:r>
-            <a:endParaRPr lang="en-US" sz="1200" dirty="0">
-              <a:solidFill>
-                <a:schemeClr val="tx1"/>
-              </a:solidFill>
-            </a:endParaRPr>
           </a:p>
         </p:txBody>
       </p:sp>
@@ -6281,8 +6041,8 @@
         </p:nvCxnSpPr>
         <p:spPr>
           <a:xfrm flipV="1">
-            <a:off x="3619500" y="5715000"/>
-            <a:ext cx="1295400" cy="462360"/>
+            <a:off x="4305300" y="5407065"/>
+            <a:ext cx="609600" cy="515500"/>
           </a:xfrm>
           <a:prstGeom prst="straightConnector1">
             <a:avLst/>
@@ -6308,25 +6068,27 @@
       </p:cxnSp>
       <p:sp>
         <p:nvSpPr>
-          <p:cNvPr id="37" name="Rectangle 36"/>
+          <p:cNvPr id="6" name="Rounded Rectangle 5"/>
           <p:cNvSpPr/>
           <p:nvPr/>
         </p:nvSpPr>
         <p:spPr>
           <a:xfrm>
-            <a:off x="3055620" y="2001042"/>
-            <a:ext cx="1600200" cy="931751"/>
+            <a:off x="457200" y="1600200"/>
+            <a:ext cx="4175760" cy="353932"/>
           </a:xfrm>
-          <a:prstGeom prst="rect">
+          <a:prstGeom prst="roundRect">
             <a:avLst/>
           </a:prstGeom>
-          <a:solidFill>
-            <a:schemeClr val="accent3">
-              <a:lumMod val="40000"/>
-              <a:lumOff val="60000"/>
-            </a:schemeClr>
-          </a:solidFill>
-          <a:ln/>
+          <a:noFill/>
+          <a:ln>
+            <a:solidFill>
+              <a:schemeClr val="accent1">
+                <a:shade val="95000"/>
+                <a:satMod val="105000"/>
+              </a:schemeClr>
+            </a:solidFill>
+          </a:ln>
         </p:spPr>
         <p:style>
           <a:lnRef idx="2">
@@ -6343,7 +6105,7 @@
           </a:fontRef>
         </p:style>
         <p:txBody>
-          <a:bodyPr rot="0" spcFirstLastPara="0" vertOverflow="overflow" horzOverflow="overflow" vert="horz" wrap="square" lIns="91440" tIns="45720" rIns="91440" bIns="45720" numCol="1" spcCol="0" rtlCol="0" fromWordArt="0" anchor="ctr" anchorCtr="0" forceAA="0" compatLnSpc="1">
+          <a:bodyPr rot="0" spcFirstLastPara="0" vertOverflow="overflow" horzOverflow="overflow" vert="horz" wrap="square" lIns="91440" tIns="45720" rIns="91440" bIns="45720" numCol="1" spcCol="0" rtlCol="0" fromWordArt="0" anchor="t" anchorCtr="0" forceAA="0" compatLnSpc="1">
             <a:prstTxWarp prst="textNoShape">
               <a:avLst/>
             </a:prstTxWarp>
@@ -6352,34 +6114,77 @@
           <a:lstStyle/>
           <a:p>
             <a:pPr algn="ctr"/>
-            <a:r>
-              <a:rPr lang="en-US" sz="1200" dirty="0" smtClean="0">
-                <a:solidFill>
-                  <a:schemeClr val="tx1"/>
-                </a:solidFill>
-              </a:rPr>
-              <a:t>Interfaces and Classes should also have purpose statements; these are omitted here.</a:t>
-            </a:r>
-            <a:endParaRPr lang="en-US" sz="1200" dirty="0">
-              <a:solidFill>
-                <a:schemeClr val="tx1"/>
-              </a:solidFill>
-            </a:endParaRPr>
+            <a:endParaRPr lang="en-US" dirty="0"/>
+          </a:p>
+        </p:txBody>
+      </p:sp>
+      <p:sp>
+        <p:nvSpPr>
+          <p:cNvPr id="14" name="Rectangle 13"/>
+          <p:cNvSpPr/>
+          <p:nvPr/>
+        </p:nvSpPr>
+        <p:spPr>
+          <a:xfrm>
+            <a:off x="3010397" y="2578644"/>
+            <a:ext cx="1181100" cy="605652"/>
+          </a:xfrm>
+          <a:prstGeom prst="rect">
+            <a:avLst/>
+          </a:prstGeom>
+          <a:solidFill>
+            <a:schemeClr val="accent1">
+              <a:lumMod val="20000"/>
+              <a:lumOff val="80000"/>
+            </a:schemeClr>
+          </a:solidFill>
+          <a:ln>
+            <a:noFill/>
+          </a:ln>
+        </p:spPr>
+        <p:style>
+          <a:lnRef idx="2">
+            <a:schemeClr val="accent1"/>
+          </a:lnRef>
+          <a:fillRef idx="1">
+            <a:schemeClr val="lt1"/>
+          </a:fillRef>
+          <a:effectRef idx="0">
+            <a:schemeClr val="accent1"/>
+          </a:effectRef>
+          <a:fontRef idx="minor">
+            <a:schemeClr val="dk1"/>
+          </a:fontRef>
+        </p:style>
+        <p:txBody>
+          <a:bodyPr rot="0" spcFirstLastPara="0" vertOverflow="overflow" horzOverflow="overflow" vert="horz" wrap="square" lIns="91440" tIns="45720" rIns="91440" bIns="45720" numCol="1" spcCol="0" rtlCol="0" fromWordArt="0" anchor="t" anchorCtr="0" forceAA="0" compatLnSpc="1">
+            <a:prstTxWarp prst="textNoShape">
+              <a:avLst/>
+            </a:prstTxWarp>
+            <a:noAutofit/>
+          </a:bodyPr>
+          <a:lstStyle/>
+          <a:p>
+            <a:pPr algn="ctr"/>
+            <a:r>
+              <a:rPr lang="en-US" sz="1200" dirty="0"/>
+              <a:t>Data Definitions go with Interfaces</a:t>
+            </a:r>
           </a:p>
         </p:txBody>
       </p:sp>
       <p:cxnSp>
         <p:nvCxnSpPr>
-          <p:cNvPr id="39" name="Straight Arrow Connector 38"/>
+          <p:cNvPr id="16" name="Straight Arrow Connector 15"/>
           <p:cNvCxnSpPr>
-            <a:stCxn id="37" idx="1"/>
+            <a:stCxn id="14" idx="0"/>
           </p:cNvCxnSpPr>
           <p:nvPr/>
         </p:nvCxnSpPr>
         <p:spPr>
           <a:xfrm flipH="1" flipV="1">
-            <a:off x="1767840" y="2170424"/>
-            <a:ext cx="1287780" cy="296494"/>
+            <a:off x="3124200" y="1954132"/>
+            <a:ext cx="476747" cy="624512"/>
           </a:xfrm>
           <a:prstGeom prst="straightConnector1">
             <a:avLst/>
@@ -6403,16 +6208,125 @@
           </a:fontRef>
         </p:style>
       </p:cxnSp>
+      <p:sp>
+        <p:nvSpPr>
+          <p:cNvPr id="17" name="Rounded Rectangle 16"/>
+          <p:cNvSpPr/>
+          <p:nvPr/>
+        </p:nvSpPr>
+        <p:spPr>
+          <a:xfrm>
+            <a:off x="4716780" y="1600200"/>
+            <a:ext cx="2903220" cy="533400"/>
+          </a:xfrm>
+          <a:prstGeom prst="roundRect">
+            <a:avLst/>
+          </a:prstGeom>
+          <a:noFill/>
+          <a:ln>
+            <a:solidFill>
+              <a:schemeClr val="accent1">
+                <a:shade val="95000"/>
+                <a:satMod val="105000"/>
+              </a:schemeClr>
+            </a:solidFill>
+          </a:ln>
+        </p:spPr>
+        <p:style>
+          <a:lnRef idx="2">
+            <a:schemeClr val="accent1"/>
+          </a:lnRef>
+          <a:fillRef idx="1">
+            <a:schemeClr val="lt1"/>
+          </a:fillRef>
+          <a:effectRef idx="0">
+            <a:schemeClr val="accent1"/>
+          </a:effectRef>
+          <a:fontRef idx="minor">
+            <a:schemeClr val="dk1"/>
+          </a:fontRef>
+        </p:style>
+        <p:txBody>
+          <a:bodyPr rot="0" spcFirstLastPara="0" vertOverflow="overflow" horzOverflow="overflow" vert="horz" wrap="square" lIns="91440" tIns="45720" rIns="91440" bIns="45720" numCol="1" spcCol="0" rtlCol="0" fromWordArt="0" anchor="t" anchorCtr="0" forceAA="0" compatLnSpc="1">
+            <a:prstTxWarp prst="textNoShape">
+              <a:avLst/>
+            </a:prstTxWarp>
+            <a:noAutofit/>
+          </a:bodyPr>
+          <a:lstStyle/>
+          <a:p>
+            <a:pPr algn="ctr"/>
+            <a:endParaRPr lang="en-US" dirty="0"/>
+          </a:p>
+        </p:txBody>
+      </p:sp>
+      <p:sp>
+        <p:nvSpPr>
+          <p:cNvPr id="19" name="Rectangle 18"/>
+          <p:cNvSpPr/>
+          <p:nvPr/>
+        </p:nvSpPr>
+        <p:spPr>
+          <a:xfrm>
+            <a:off x="7772400" y="1781871"/>
+            <a:ext cx="1211580" cy="897624"/>
+          </a:xfrm>
+          <a:prstGeom prst="rect">
+            <a:avLst/>
+          </a:prstGeom>
+          <a:solidFill>
+            <a:schemeClr val="accent1">
+              <a:lumMod val="20000"/>
+              <a:lumOff val="80000"/>
+            </a:schemeClr>
+          </a:solidFill>
+          <a:ln>
+            <a:noFill/>
+          </a:ln>
+        </p:spPr>
+        <p:style>
+          <a:lnRef idx="2">
+            <a:schemeClr val="accent1"/>
+          </a:lnRef>
+          <a:fillRef idx="1">
+            <a:schemeClr val="lt1"/>
+          </a:fillRef>
+          <a:effectRef idx="0">
+            <a:schemeClr val="accent1"/>
+          </a:effectRef>
+          <a:fontRef idx="minor">
+            <a:schemeClr val="dk1"/>
+          </a:fontRef>
+        </p:style>
+        <p:txBody>
+          <a:bodyPr rot="0" spcFirstLastPara="0" vertOverflow="overflow" horzOverflow="overflow" vert="horz" wrap="square" lIns="91440" tIns="45720" rIns="91440" bIns="45720" numCol="1" spcCol="0" rtlCol="0" fromWordArt="0" anchor="t" anchorCtr="0" forceAA="0" compatLnSpc="1">
+            <a:prstTxWarp prst="textNoShape">
+              <a:avLst/>
+            </a:prstTxWarp>
+            <a:noAutofit/>
+          </a:bodyPr>
+          <a:lstStyle/>
+          <a:p>
+            <a:pPr algn="ctr"/>
+            <a:r>
+              <a:rPr lang="en-US" sz="1200" dirty="0"/>
+              <a:t>Classes have Constructor Templates and Interpretations</a:t>
+            </a:r>
+          </a:p>
+        </p:txBody>
+      </p:sp>
       <p:cxnSp>
         <p:nvCxnSpPr>
-          <p:cNvPr id="41" name="Straight Arrow Connector 40"/>
-          <p:cNvCxnSpPr/>
+          <p:cNvPr id="25" name="Straight Arrow Connector 24"/>
+          <p:cNvCxnSpPr>
+            <a:stCxn id="19" idx="1"/>
+          </p:cNvCxnSpPr>
           <p:nvPr/>
         </p:nvCxnSpPr>
         <p:spPr>
-          <a:xfrm flipV="1">
-            <a:off x="4663440" y="1844795"/>
-            <a:ext cx="137160" cy="156247"/>
+          <a:xfrm flipH="1" flipV="1">
+            <a:off x="7620000" y="2133600"/>
+            <a:ext cx="152400" cy="97083"/>
           </a:xfrm>
           <a:prstGeom prst="straightConnector1">
             <a:avLst/>
@@ -6446,13 +6360,6 @@
   <p:clrMapOvr>
     <a:masterClrMapping/>
   </p:clrMapOvr>
-  <p:timing>
-    <p:tnLst>
-      <p:par>
-        <p:cTn id="1" dur="indefinite" restart="never" nodeType="tmRoot"/>
-      </p:par>
-    </p:tnLst>
-  </p:timing>
 </p:sld>
 </file>
 
@@ -6491,10 +6398,9 @@
           <a:lstStyle/>
           <a:p>
             <a:r>
-              <a:rPr lang="en-US" dirty="0" smtClean="0"/>
+              <a:rPr lang="en-US" dirty="0"/>
               <a:t>Step 3: Method Design</a:t>
             </a:r>
-            <a:endParaRPr lang="en-US" dirty="0"/>
           </a:p>
         </p:txBody>
       </p:sp>
@@ -6516,31 +6422,31 @@
           <a:lstStyle/>
           <a:p>
             <a:r>
-              <a:rPr lang="en-US" dirty="0" smtClean="0"/>
+              <a:rPr lang="en-US" dirty="0"/>
               <a:t>Each method definition should have a contract that is the same as the contract in the interface.</a:t>
             </a:r>
           </a:p>
           <a:p>
             <a:r>
-              <a:rPr lang="en-US" dirty="0" smtClean="0"/>
+              <a:rPr lang="en-US" dirty="0"/>
               <a:t>A method may have a purpose statement that specializes the purpose statement in the interface to the current class.</a:t>
             </a:r>
           </a:p>
           <a:p>
             <a:r>
-              <a:rPr lang="en-US" dirty="0" smtClean="0"/>
+              <a:rPr lang="en-US" dirty="0"/>
               <a:t>Each method should have examples if needed  to clarify the purpose statement.</a:t>
             </a:r>
           </a:p>
           <a:p>
             <a:r>
-              <a:rPr lang="en-US" dirty="0" smtClean="0"/>
+              <a:rPr lang="en-US" dirty="0"/>
               <a:t>Each method should have associated tests.  These will occur later in the file, with the unit tests.</a:t>
             </a:r>
           </a:p>
           <a:p>
             <a:r>
-              <a:rPr lang="en-US" dirty="0" smtClean="0"/>
+              <a:rPr lang="en-US" dirty="0"/>
               <a:t>Document your method with a strategy if needed for explanation.</a:t>
             </a:r>
           </a:p>
@@ -6585,12 +6491,14 @@
             <a:avLst/>
           </a:prstGeom>
           <a:solidFill>
-            <a:schemeClr val="accent3">
-              <a:lumMod val="40000"/>
-              <a:lumOff val="60000"/>
+            <a:schemeClr val="accent1">
+              <a:lumMod val="20000"/>
+              <a:lumOff val="80000"/>
             </a:schemeClr>
           </a:solidFill>
-          <a:ln/>
+          <a:ln>
+            <a:noFill/>
+          </a:ln>
         </p:spPr>
         <p:style>
           <a:lnRef idx="2">
@@ -6617,18 +6525,13 @@
           <a:p>
             <a:pPr algn="ctr"/>
             <a:r>
-              <a:rPr lang="en-US" dirty="0" smtClean="0">
+              <a:rPr lang="en-US" dirty="0">
                 <a:solidFill>
                   <a:schemeClr val="tx1"/>
                 </a:solidFill>
               </a:rPr>
               <a:t>Remember,  a strategy is a tweet-sized description of how your function works</a:t>
             </a:r>
-            <a:endParaRPr lang="en-US" dirty="0">
-              <a:solidFill>
-                <a:schemeClr val="tx1"/>
-              </a:solidFill>
-            </a:endParaRPr>
           </a:p>
         </p:txBody>
       </p:sp>
@@ -6642,13 +6545,6 @@
   <p:clrMapOvr>
     <a:masterClrMapping/>
   </p:clrMapOvr>
-  <p:timing>
-    <p:tnLst>
-      <p:par>
-        <p:cTn id="1" dur="indefinite" restart="never" nodeType="tmRoot"/>
-      </p:par>
-    </p:tnLst>
-  </p:timing>
 </p:sld>
 </file>
 
@@ -6687,10 +6583,9 @@
           <a:lstStyle/>
           <a:p>
             <a:r>
-              <a:rPr lang="en-US" dirty="0" smtClean="0"/>
-              <a:t>Contract and Purpose Statement in Class</a:t>
-            </a:r>
-            <a:endParaRPr lang="en-US" dirty="0"/>
+              <a:rPr lang="en-US" dirty="0"/>
+              <a:t>Contracts and Purpose Statements in a Class Definition</a:t>
+            </a:r>
           </a:p>
         </p:txBody>
       </p:sp>
@@ -6711,25 +6606,21 @@
           </a:bodyPr>
           <a:lstStyle/>
           <a:p>
-            <a:endParaRPr lang="en-US" sz="1400" dirty="0" smtClean="0"/>
-          </a:p>
-          <a:p>
             <a:endParaRPr lang="en-US" sz="1400" dirty="0"/>
           </a:p>
           <a:p>
-            <a:endParaRPr lang="en-US" sz="1400" dirty="0" smtClean="0"/>
-          </a:p>
-          <a:p>
             <a:endParaRPr lang="en-US" sz="1400" dirty="0"/>
           </a:p>
           <a:p>
-            <a:r>
-              <a:rPr lang="en-US" sz="1400" dirty="0" smtClean="0"/>
-              <a:t>(</a:t>
-            </a:r>
+            <a:endParaRPr lang="en-US" sz="1400" dirty="0"/>
+          </a:p>
+          <a:p>
+            <a:endParaRPr lang="en-US" sz="1400" dirty="0"/>
+          </a:p>
+          <a:p>
             <a:r>
               <a:rPr lang="en-US" sz="1400" dirty="0"/>
-              <a:t>define Bomb%</a:t>
+              <a:t>(define Bomb%</a:t>
             </a:r>
           </a:p>
           <a:p>
@@ -6741,24 +6632,14 @@
           <a:p>
             <a:r>
               <a:rPr lang="en-US" sz="1400" dirty="0"/>
-              <a:t>    </a:t>
-            </a:r>
-            <a:r>
-              <a:rPr lang="en-US" sz="1400" dirty="0" smtClean="0"/>
-              <a:t>...   </a:t>
-            </a:r>
-            <a:endParaRPr lang="en-US" sz="1400" dirty="0"/>
+              <a:t>    ...   </a:t>
+            </a:r>
           </a:p>
           <a:p>
             <a:r>
               <a:rPr lang="en-US" sz="1400" dirty="0"/>
-              <a:t>    ;; after-tick : </a:t>
-            </a:r>
-            <a:r>
-              <a:rPr lang="en-US" sz="1400" dirty="0" smtClean="0"/>
-              <a:t>-&gt; Widget&lt;%&gt;</a:t>
-            </a:r>
-            <a:endParaRPr lang="en-US" sz="1400" dirty="0"/>
+              <a:t>    ;; after-tick : -&gt; Widget</a:t>
+            </a:r>
           </a:p>
           <a:p>
             <a:r>
@@ -6860,12 +6741,14 @@
             <a:avLst/>
           </a:prstGeom>
           <a:solidFill>
-            <a:schemeClr val="accent3">
-              <a:lumMod val="40000"/>
-              <a:lumOff val="60000"/>
+            <a:schemeClr val="accent1">
+              <a:lumMod val="20000"/>
+              <a:lumOff val="80000"/>
             </a:schemeClr>
           </a:solidFill>
-          <a:ln/>
+          <a:ln>
+            <a:noFill/>
+          </a:ln>
         </p:spPr>
         <p:style>
           <a:lnRef idx="2">
@@ -6892,47 +6775,47 @@
           <a:p>
             <a:pPr algn="ctr"/>
             <a:r>
-              <a:rPr lang="en-US" sz="1600" dirty="0" smtClean="0"/>
+              <a:rPr lang="en-US" sz="1600" dirty="0"/>
               <a:t>Since </a:t>
             </a:r>
             <a:r>
-              <a:rPr lang="en-US" sz="1600" b="1" dirty="0" smtClean="0"/>
+              <a:rPr lang="en-US" sz="1600" b="1" dirty="0"/>
               <a:t>Bomb%  </a:t>
             </a:r>
             <a:r>
-              <a:rPr lang="en-US" sz="1600" dirty="0" smtClean="0"/>
+              <a:rPr lang="en-US" sz="1600" dirty="0"/>
               <a:t>implements the </a:t>
             </a:r>
             <a:r>
-              <a:rPr lang="en-US" sz="1600" b="1" dirty="0" smtClean="0"/>
+              <a:rPr lang="en-US" sz="1600" b="1" dirty="0"/>
               <a:t>Widget&lt;%&gt; </a:t>
             </a:r>
             <a:r>
-              <a:rPr lang="en-US" sz="1600" dirty="0" smtClean="0"/>
+              <a:rPr lang="en-US" sz="1600" dirty="0"/>
               <a:t>interface, the value of </a:t>
             </a:r>
             <a:r>
-              <a:rPr lang="en-US" sz="1600" b="1" dirty="0" smtClean="0"/>
+              <a:rPr lang="en-US" sz="1600" b="1" dirty="0"/>
               <a:t>(after-tick) </a:t>
             </a:r>
             <a:r>
-              <a:rPr lang="en-US" sz="1600" dirty="0" smtClean="0"/>
+              <a:rPr lang="en-US" sz="1600" dirty="0"/>
               <a:t>is a </a:t>
             </a:r>
             <a:r>
-              <a:rPr lang="en-US" sz="1600" b="1" dirty="0" smtClean="0"/>
+              <a:rPr lang="en-US" sz="1600" b="1" dirty="0"/>
               <a:t>Widget</a:t>
             </a:r>
             <a:r>
-              <a:rPr lang="en-US" sz="1600" dirty="0" smtClean="0"/>
+              <a:rPr lang="en-US" sz="1600" dirty="0"/>
               <a:t>.  So </a:t>
             </a:r>
             <a:r>
-              <a:rPr lang="en-US" sz="1600" b="1" dirty="0" smtClean="0"/>
+              <a:rPr lang="en-US" sz="1600" b="1" dirty="0"/>
               <a:t>after-tick</a:t>
             </a:r>
             <a:r>
-              <a:rPr lang="en-US" sz="1600" dirty="0" smtClean="0"/>
+              <a:rPr lang="en-US" sz="1600" dirty="0"/>
               <a:t> satisfies its contract. </a:t>
             </a:r>
             <a:endParaRPr lang="en-US" sz="1600" b="1" dirty="0"/>
@@ -6954,12 +6837,14 @@
             <a:avLst/>
           </a:prstGeom>
           <a:solidFill>
-            <a:schemeClr val="accent3">
-              <a:lumMod val="40000"/>
-              <a:lumOff val="60000"/>
+            <a:schemeClr val="accent1">
+              <a:lumMod val="20000"/>
+              <a:lumOff val="80000"/>
             </a:schemeClr>
           </a:solidFill>
-          <a:ln/>
+          <a:ln>
+            <a:noFill/>
+          </a:ln>
         </p:spPr>
         <p:style>
           <a:lnRef idx="2">
@@ -6986,18 +6871,13 @@
           <a:p>
             <a:pPr algn="ctr"/>
             <a:r>
-              <a:rPr lang="en-US" dirty="0" smtClean="0">
+              <a:rPr lang="en-US" dirty="0">
                 <a:solidFill>
                   <a:schemeClr val="tx1"/>
                 </a:solidFill>
               </a:rPr>
               <a:t>Here’s an example of a refined purpose statement</a:t>
             </a:r>
-            <a:endParaRPr lang="en-US" dirty="0">
-              <a:solidFill>
-                <a:schemeClr val="tx1"/>
-              </a:solidFill>
-            </a:endParaRPr>
           </a:p>
         </p:txBody>
       </p:sp>
@@ -7051,12 +6931,14 @@
             <a:avLst/>
           </a:prstGeom>
           <a:solidFill>
-            <a:schemeClr val="accent3">
-              <a:lumMod val="40000"/>
-              <a:lumOff val="60000"/>
+            <a:schemeClr val="accent1">
+              <a:lumMod val="20000"/>
+              <a:lumOff val="80000"/>
             </a:schemeClr>
           </a:solidFill>
-          <a:ln/>
+          <a:ln>
+            <a:noFill/>
+          </a:ln>
         </p:spPr>
         <p:style>
           <a:lnRef idx="2">
@@ -7083,18 +6965,13 @@
           <a:p>
             <a:pPr algn="ctr"/>
             <a:r>
-              <a:rPr lang="en-US" dirty="0" smtClean="0">
+              <a:rPr lang="en-US" dirty="0">
                 <a:solidFill>
                   <a:schemeClr val="tx1"/>
                 </a:solidFill>
               </a:rPr>
               <a:t>This one is so simple it doesn’t need any examples.</a:t>
             </a:r>
-            <a:endParaRPr lang="en-US" dirty="0">
-              <a:solidFill>
-                <a:schemeClr val="tx1"/>
-              </a:solidFill>
-            </a:endParaRPr>
           </a:p>
         </p:txBody>
       </p:sp>
@@ -7108,13 +6985,6 @@
   <p:clrMapOvr>
     <a:masterClrMapping/>
   </p:clrMapOvr>
-  <p:timing>
-    <p:tnLst>
-      <p:par>
-        <p:cTn id="1" dur="indefinite" restart="never" nodeType="tmRoot"/>
-      </p:par>
-    </p:tnLst>
-  </p:timing>
 </p:sld>
 </file>
 
@@ -7151,10 +7021,9 @@
           <a:lstStyle/>
           <a:p>
             <a:r>
-              <a:rPr lang="en-US" dirty="0" smtClean="0"/>
+              <a:rPr lang="en-US" dirty="0"/>
               <a:t>Examples and Tests</a:t>
             </a:r>
-            <a:endParaRPr lang="en-US" dirty="0"/>
           </a:p>
         </p:txBody>
       </p:sp>
@@ -7174,25 +7043,25 @@
           <a:lstStyle/>
           <a:p>
             <a:r>
-              <a:rPr lang="en-US" dirty="0" smtClean="0"/>
+              <a:rPr lang="en-US" dirty="0"/>
               <a:t>Examples and tests will generally be different.</a:t>
             </a:r>
           </a:p>
           <a:p>
             <a:r>
-              <a:rPr lang="en-US" dirty="0" smtClean="0"/>
+              <a:rPr lang="en-US" dirty="0"/>
               <a:t>Put examples with the method.</a:t>
             </a:r>
           </a:p>
           <a:p>
             <a:r>
-              <a:rPr lang="en-US" dirty="0" smtClean="0"/>
+              <a:rPr lang="en-US" dirty="0"/>
               <a:t>Phrase examples in terms of information (not data) whenever possible.</a:t>
             </a:r>
           </a:p>
           <a:p>
             <a:r>
-              <a:rPr lang="en-US" dirty="0" smtClean="0"/>
+              <a:rPr lang="en-US" dirty="0"/>
               <a:t>Use meaningful names, etc., just as before.</a:t>
             </a:r>
           </a:p>
@@ -7232,13 +7101,6 @@
   <p:clrMapOvr>
     <a:masterClrMapping/>
   </p:clrMapOvr>
-  <p:timing>
-    <p:tnLst>
-      <p:par>
-        <p:cTn id="1" dur="indefinite" restart="never" nodeType="tmRoot"/>
-      </p:par>
-    </p:tnLst>
-  </p:timing>
 </p:sld>
 </file>
 
@@ -7275,10 +7137,9 @@
           <a:lstStyle/>
           <a:p>
             <a:r>
-              <a:rPr lang="en-US" dirty="0" smtClean="0"/>
+              <a:rPr lang="en-US" dirty="0"/>
               <a:t>Step 4: Unit Tests</a:t>
             </a:r>
-            <a:endParaRPr lang="en-US" dirty="0"/>
           </a:p>
         </p:txBody>
       </p:sp>
@@ -7300,41 +7161,41 @@
           <a:lstStyle/>
           <a:p>
             <a:r>
-              <a:rPr lang="en-US" dirty="0" smtClean="0"/>
+              <a:rPr lang="en-US" dirty="0"/>
               <a:t>Write tests for a class after each class, or at the end of your file, whichever is clearer.</a:t>
             </a:r>
           </a:p>
           <a:p>
             <a:r>
-              <a:rPr lang="en-US" dirty="0" smtClean="0"/>
+              <a:rPr lang="en-US" dirty="0"/>
               <a:t>Don’t use </a:t>
             </a:r>
             <a:r>
-              <a:rPr lang="en-US" b="1" dirty="0" smtClean="0"/>
+              <a:rPr lang="en-US" b="1" dirty="0"/>
               <a:t>equal? </a:t>
             </a:r>
             <a:r>
-              <a:rPr lang="en-US" dirty="0" smtClean="0"/>
+              <a:rPr lang="en-US" dirty="0"/>
               <a:t>on objects.  Test observable behavior instead, as we did in the preceding lesson.</a:t>
             </a:r>
           </a:p>
           <a:p>
             <a:r>
-              <a:rPr lang="en-US" dirty="0" smtClean="0"/>
+              <a:rPr lang="en-US" dirty="0"/>
               <a:t>Construct testing scenarios and check to see that your objects have the right observable values afterwards.</a:t>
             </a:r>
           </a:p>
           <a:p>
             <a:r>
-              <a:rPr lang="en-US" dirty="0" smtClean="0"/>
+              <a:rPr lang="en-US" dirty="0"/>
               <a:t>We still want 100% expression coverage, except for calls to </a:t>
             </a:r>
             <a:r>
-              <a:rPr lang="en-US" b="1" dirty="0" smtClean="0"/>
+              <a:rPr lang="en-US" b="1" dirty="0"/>
               <a:t>big-bang</a:t>
             </a:r>
             <a:r>
-              <a:rPr lang="en-US" dirty="0" smtClean="0"/>
+              <a:rPr lang="en-US" dirty="0"/>
               <a:t>.</a:t>
             </a:r>
           </a:p>
@@ -7369,13 +7230,6 @@
   <p:clrMapOvr>
     <a:masterClrMapping/>
   </p:clrMapOvr>
-  <p:timing>
-    <p:tnLst>
-      <p:par>
-        <p:cTn id="1" dur="indefinite" restart="never" nodeType="tmRoot"/>
-      </p:par>
-    </p:tnLst>
-  </p:timing>
 </p:sld>
 </file>
 
@@ -7412,10 +7266,9 @@
           <a:lstStyle/>
           <a:p>
             <a:r>
-              <a:rPr lang="en-US" dirty="0" smtClean="0"/>
+              <a:rPr lang="en-US" dirty="0"/>
               <a:t>What happened to the strategy?</a:t>
             </a:r>
-            <a:endParaRPr lang="en-US" dirty="0"/>
           </a:p>
         </p:txBody>
       </p:sp>
@@ -7435,14 +7288,14 @@
           <a:lstStyle/>
           <a:p>
             <a:r>
-              <a:rPr lang="en-US" dirty="0" smtClean="0"/>
+              <a:rPr lang="en-US" dirty="0"/>
               <a:t>In the interests of keeping your workload down, we will not require you to write down design strategies for most methods.</a:t>
             </a:r>
           </a:p>
           <a:p>
             <a:r>
-              <a:rPr lang="en-US" dirty="0" smtClean="0"/>
-              <a:t>Write down strategies when they’re helpful.</a:t>
+              <a:rPr lang="en-US" dirty="0"/>
+              <a:t>Write down strategies only when they’re helpful.</a:t>
             </a:r>
           </a:p>
         </p:txBody>
@@ -7481,13 +7334,6 @@
   <p:clrMapOvr>
     <a:masterClrMapping/>
   </p:clrMapOvr>
-  <p:timing>
-    <p:tnLst>
-      <p:par>
-        <p:cTn id="1" dur="indefinite" restart="never" nodeType="tmRoot"/>
-      </p:par>
-    </p:tnLst>
-  </p:timing>
 </p:sld>
 </file>
 
@@ -7526,10 +7372,9 @@
           <a:lstStyle/>
           <a:p>
             <a:r>
-              <a:rPr lang="en-US" dirty="0" smtClean="0"/>
+              <a:rPr lang="en-US" dirty="0"/>
               <a:t>Simple method definitions don't need design strategies</a:t>
             </a:r>
-            <a:endParaRPr lang="en-US" dirty="0"/>
           </a:p>
         </p:txBody>
       </p:sp>
@@ -7549,27 +7394,6 @@
             <a:normAutofit/>
           </a:bodyPr>
           <a:lstStyle/>
-          <a:p>
-            <a:pPr>
-              <a:buNone/>
-            </a:pPr>
-            <a:endParaRPr lang="en-US" sz="2400" b="1" dirty="0" smtClean="0">
-              <a:latin typeface="Consolas" pitchFamily="49" charset="0"/>
-              <a:cs typeface="Consolas" pitchFamily="49" charset="0"/>
-            </a:endParaRPr>
-          </a:p>
-          <a:p>
-            <a:pPr>
-              <a:buNone/>
-            </a:pPr>
-            <a:r>
-              <a:rPr lang="en-US" sz="2400" b="1" dirty="0" smtClean="0">
-                <a:latin typeface="Consolas" pitchFamily="49" charset="0"/>
-                <a:cs typeface="Consolas" pitchFamily="49" charset="0"/>
-              </a:rPr>
-              <a:t>(define/public (weight) (* l l))</a:t>
-            </a:r>
-          </a:p>
           <a:p>
             <a:pPr>
               <a:buNone/>
@@ -7584,35 +7408,11 @@
               <a:buNone/>
             </a:pPr>
             <a:r>
-              <a:rPr lang="en-US" sz="2400" b="1" dirty="0" smtClean="0">
+              <a:rPr lang="en-US" sz="2400" b="1" dirty="0">
                 <a:latin typeface="Consolas" pitchFamily="49" charset="0"/>
                 <a:cs typeface="Consolas" pitchFamily="49" charset="0"/>
               </a:rPr>
-              <a:t>(define/public (volume)</a:t>
-            </a:r>
-          </a:p>
-          <a:p>
-            <a:pPr>
-              <a:buNone/>
-            </a:pPr>
-            <a:r>
-              <a:rPr lang="en-US" sz="2400" b="1" dirty="0" smtClean="0">
-                <a:latin typeface="Consolas" pitchFamily="49" charset="0"/>
-                <a:cs typeface="Consolas" pitchFamily="49" charset="0"/>
-              </a:rPr>
-              <a:t>  (* (send this height)</a:t>
-            </a:r>
-          </a:p>
-          <a:p>
-            <a:pPr>
-              <a:buNone/>
-            </a:pPr>
-            <a:r>
-              <a:rPr lang="en-US" sz="2400" b="1" dirty="0" smtClean="0">
-                <a:latin typeface="Consolas" pitchFamily="49" charset="0"/>
-                <a:cs typeface="Consolas" pitchFamily="49" charset="0"/>
-              </a:rPr>
-              <a:t>     (send this area)))</a:t>
+              <a:t>(define/public (weight) (* l l))</a:t>
             </a:r>
           </a:p>
           <a:p>
@@ -7624,6 +7424,51 @@
               <a:cs typeface="Consolas" pitchFamily="49" charset="0"/>
             </a:endParaRPr>
           </a:p>
+          <a:p>
+            <a:pPr>
+              <a:buNone/>
+            </a:pPr>
+            <a:r>
+              <a:rPr lang="en-US" sz="2400" b="1" dirty="0">
+                <a:latin typeface="Consolas" pitchFamily="49" charset="0"/>
+                <a:cs typeface="Consolas" pitchFamily="49" charset="0"/>
+              </a:rPr>
+              <a:t>(define/public (volume)</a:t>
+            </a:r>
+          </a:p>
+          <a:p>
+            <a:pPr>
+              <a:buNone/>
+            </a:pPr>
+            <a:r>
+              <a:rPr lang="en-US" sz="2400" b="1" dirty="0">
+                <a:latin typeface="Consolas" pitchFamily="49" charset="0"/>
+                <a:cs typeface="Consolas" pitchFamily="49" charset="0"/>
+              </a:rPr>
+              <a:t>  (* (send this height)</a:t>
+            </a:r>
+          </a:p>
+          <a:p>
+            <a:pPr>
+              <a:buNone/>
+            </a:pPr>
+            <a:r>
+              <a:rPr lang="en-US" sz="2400" b="1" dirty="0">
+                <a:latin typeface="Consolas" pitchFamily="49" charset="0"/>
+                <a:cs typeface="Consolas" pitchFamily="49" charset="0"/>
+              </a:rPr>
+              <a:t>     (send this area)))</a:t>
+            </a:r>
+          </a:p>
+          <a:p>
+            <a:pPr>
+              <a:buNone/>
+            </a:pPr>
+            <a:endParaRPr lang="en-US" sz="2400" b="1" dirty="0">
+              <a:latin typeface="Consolas" pitchFamily="49" charset="0"/>
+              <a:cs typeface="Consolas" pitchFamily="49" charset="0"/>
+            </a:endParaRPr>
+          </a:p>
         </p:txBody>
       </p:sp>
       <p:sp>
@@ -7655,13 +7500,6 @@
   <p:clrMapOvr>
     <a:masterClrMapping/>
   </p:clrMapOvr>
-  <p:timing>
-    <p:tnLst>
-      <p:par>
-        <p:cTn id="1" dur="indefinite" restart="never" nodeType="tmRoot"/>
-      </p:par>
-    </p:tnLst>
-  </p:timing>
 </p:sld>
 </file>
 
@@ -7701,13 +7539,8 @@
           <a:p>
             <a:r>
               <a:rPr lang="en-US" dirty="0"/>
-              <a:t>Method definitions that don't need design </a:t>
-            </a:r>
-            <a:r>
-              <a:rPr lang="en-US" dirty="0" smtClean="0"/>
-              <a:t>strategies (2)</a:t>
-            </a:r>
-            <a:endParaRPr lang="en-US" dirty="0"/>
+              <a:t>Method definitions that don't need design strategies (2)</a:t>
+            </a:r>
           </a:p>
         </p:txBody>
       </p:sp>
@@ -7731,7 +7564,7 @@
             <a:pPr>
               <a:buNone/>
             </a:pPr>
-            <a:endParaRPr lang="en-US" sz="2400" b="1" dirty="0" smtClean="0">
+            <a:endParaRPr lang="en-US" sz="2400" b="1" dirty="0">
               <a:latin typeface="Consolas" pitchFamily="49" charset="0"/>
               <a:cs typeface="Consolas" pitchFamily="49" charset="0"/>
             </a:endParaRPr>
@@ -7741,7 +7574,7 @@
               <a:buNone/>
             </a:pPr>
             <a:r>
-              <a:rPr lang="en-US" sz="2400" b="1" dirty="0" smtClean="0">
+              <a:rPr lang="en-US" sz="2400" b="1" dirty="0">
                 <a:latin typeface="Consolas" pitchFamily="49" charset="0"/>
                 <a:cs typeface="Consolas" pitchFamily="49" charset="0"/>
               </a:rPr>
@@ -7753,7 +7586,7 @@
               <a:buNone/>
             </a:pPr>
             <a:r>
-              <a:rPr lang="en-US" sz="2400" b="1" dirty="0" smtClean="0">
+              <a:rPr lang="en-US" sz="2400" b="1" dirty="0">
                 <a:latin typeface="Consolas" pitchFamily="49" charset="0"/>
                 <a:cs typeface="Consolas" pitchFamily="49" charset="0"/>
               </a:rPr>
@@ -7765,7 +7598,7 @@
               <a:buNone/>
             </a:pPr>
             <a:r>
-              <a:rPr lang="en-US" sz="2400" b="1" dirty="0" smtClean="0">
+              <a:rPr lang="en-US" sz="2400" b="1" dirty="0">
                 <a:latin typeface="Consolas" pitchFamily="49" charset="0"/>
                 <a:cs typeface="Consolas" pitchFamily="49" charset="0"/>
               </a:rPr>
@@ -7776,7 +7609,7 @@
             <a:pPr>
               <a:buNone/>
             </a:pPr>
-            <a:endParaRPr lang="en-US" sz="2400" b="1" dirty="0" smtClean="0">
+            <a:endParaRPr lang="en-US" sz="2400" b="1" dirty="0">
               <a:latin typeface="Consolas" pitchFamily="49" charset="0"/>
               <a:cs typeface="Consolas" pitchFamily="49" charset="0"/>
             </a:endParaRPr>
@@ -7785,7 +7618,7 @@
             <a:pPr>
               <a:buNone/>
             </a:pPr>
-            <a:endParaRPr lang="en-US" sz="2400" b="1" dirty="0" smtClean="0">
+            <a:endParaRPr lang="en-US" sz="2400" b="1" dirty="0">
               <a:latin typeface="Consolas" pitchFamily="49" charset="0"/>
               <a:cs typeface="Consolas" pitchFamily="49" charset="0"/>
             </a:endParaRPr>
@@ -7795,21 +7628,21 @@
               <a:buNone/>
             </a:pPr>
             <a:r>
-              <a:rPr lang="en-US" sz="2400" b="1" dirty="0" smtClean="0">
+              <a:rPr lang="en-US" sz="2400" b="1" dirty="0">
                 <a:latin typeface="Consolas" pitchFamily="49" charset="0"/>
                 <a:cs typeface="Consolas" pitchFamily="49" charset="0"/>
               </a:rPr>
               <a:t>(define/public (volume other-</a:t>
             </a:r>
             <a:r>
-              <a:rPr lang="en-US" sz="2400" b="1" dirty="0" err="1" smtClean="0">
+              <a:rPr lang="en-US" sz="2400" b="1" dirty="0" err="1">
                 <a:latin typeface="Consolas" pitchFamily="49" charset="0"/>
                 <a:cs typeface="Consolas" pitchFamily="49" charset="0"/>
               </a:rPr>
               <a:t>obj</a:t>
             </a:r>
             <a:r>
-              <a:rPr lang="en-US" sz="2400" b="1" dirty="0" smtClean="0">
+              <a:rPr lang="en-US" sz="2400" b="1" dirty="0">
                 <a:latin typeface="Consolas" pitchFamily="49" charset="0"/>
                 <a:cs typeface="Consolas" pitchFamily="49" charset="0"/>
               </a:rPr>
@@ -7821,21 +7654,21 @@
               <a:buNone/>
             </a:pPr>
             <a:r>
-              <a:rPr lang="en-US" sz="2400" b="1" dirty="0" smtClean="0">
+              <a:rPr lang="en-US" sz="2400" b="1" dirty="0">
                 <a:latin typeface="Consolas" pitchFamily="49" charset="0"/>
                 <a:cs typeface="Consolas" pitchFamily="49" charset="0"/>
               </a:rPr>
               <a:t>   (* (send other-</a:t>
             </a:r>
             <a:r>
-              <a:rPr lang="en-US" sz="2400" b="1" dirty="0" err="1" smtClean="0">
+              <a:rPr lang="en-US" sz="2400" b="1" dirty="0" err="1">
                 <a:latin typeface="Consolas" pitchFamily="49" charset="0"/>
                 <a:cs typeface="Consolas" pitchFamily="49" charset="0"/>
               </a:rPr>
               <a:t>obj</a:t>
             </a:r>
             <a:r>
-              <a:rPr lang="en-US" sz="2400" b="1" dirty="0" smtClean="0">
+              <a:rPr lang="en-US" sz="2400" b="1" dirty="0">
                 <a:latin typeface="Consolas" pitchFamily="49" charset="0"/>
                 <a:cs typeface="Consolas" pitchFamily="49" charset="0"/>
               </a:rPr>
@@ -7847,21 +7680,21 @@
               <a:buNone/>
             </a:pPr>
             <a:r>
-              <a:rPr lang="en-US" sz="2400" b="1" dirty="0" smtClean="0">
+              <a:rPr lang="en-US" sz="2400" b="1" dirty="0">
                 <a:latin typeface="Consolas" pitchFamily="49" charset="0"/>
                 <a:cs typeface="Consolas" pitchFamily="49" charset="0"/>
               </a:rPr>
               <a:t>      (send other-</a:t>
             </a:r>
             <a:r>
-              <a:rPr lang="en-US" sz="2400" b="1" dirty="0" err="1" smtClean="0">
+              <a:rPr lang="en-US" sz="2400" b="1" dirty="0" err="1">
                 <a:latin typeface="Consolas" pitchFamily="49" charset="0"/>
                 <a:cs typeface="Consolas" pitchFamily="49" charset="0"/>
               </a:rPr>
               <a:t>obj</a:t>
             </a:r>
             <a:r>
-              <a:rPr lang="en-US" sz="2400" b="1" dirty="0" smtClean="0">
+              <a:rPr lang="en-US" sz="2400" b="1" dirty="0">
                 <a:latin typeface="Consolas" pitchFamily="49" charset="0"/>
                 <a:cs typeface="Consolas" pitchFamily="49" charset="0"/>
               </a:rPr>
@@ -7872,7 +7705,7 @@
             <a:pPr>
               <a:buNone/>
             </a:pPr>
-            <a:endParaRPr lang="en-US" sz="2400" b="1" dirty="0" smtClean="0">
+            <a:endParaRPr lang="en-US" sz="2400" b="1" dirty="0">
               <a:latin typeface="Consolas" pitchFamily="49" charset="0"/>
               <a:cs typeface="Consolas" pitchFamily="49" charset="0"/>
             </a:endParaRPr>
@@ -7912,12 +7745,20 @@
         <p:spPr>
           <a:xfrm>
             <a:off x="5486400" y="2286000"/>
-            <a:ext cx="3657600" cy="685800"/>
+            <a:ext cx="3169920" cy="685800"/>
           </a:xfrm>
           <a:prstGeom prst="rect">
             <a:avLst/>
           </a:prstGeom>
-          <a:ln/>
+          <a:solidFill>
+            <a:schemeClr val="accent1">
+              <a:lumMod val="20000"/>
+              <a:lumOff val="80000"/>
+            </a:schemeClr>
+          </a:solidFill>
+          <a:ln>
+            <a:noFill/>
+          </a:ln>
         </p:spPr>
         <p:style>
           <a:lnRef idx="2">
@@ -7938,12 +7779,89 @@
           <a:lstStyle/>
           <a:p>
             <a:r>
-              <a:rPr lang="en-US" sz="1400" dirty="0" smtClean="0">
+              <a:rPr lang="en-US" sz="1400" dirty="0">
                 <a:solidFill>
                   <a:schemeClr val="tx1"/>
                 </a:solidFill>
               </a:rPr>
-              <a:t>You could call this “recur on front and back”  if you wanted, but you don’t have to.</a:t>
+              <a:t>You could describe this as “recur on front and back” if you wanted, but you don’t have to.</a:t>
+            </a:r>
+          </a:p>
+        </p:txBody>
+      </p:sp>
+      <p:sp>
+        <p:nvSpPr>
+          <p:cNvPr id="6" name="Rectangle 5"/>
+          <p:cNvSpPr/>
+          <p:nvPr/>
+        </p:nvSpPr>
+        <p:spPr>
+          <a:xfrm>
+            <a:off x="5989320" y="4724400"/>
+            <a:ext cx="2667000" cy="685800"/>
+          </a:xfrm>
+          <a:prstGeom prst="rect">
+            <a:avLst/>
+          </a:prstGeom>
+          <a:solidFill>
+            <a:schemeClr val="accent1">
+              <a:lumMod val="20000"/>
+              <a:lumOff val="80000"/>
+            </a:schemeClr>
+          </a:solidFill>
+          <a:ln>
+            <a:noFill/>
+          </a:ln>
+        </p:spPr>
+        <p:style>
+          <a:lnRef idx="2">
+            <a:schemeClr val="accent3"/>
+          </a:lnRef>
+          <a:fillRef idx="1">
+            <a:schemeClr val="lt1"/>
+          </a:fillRef>
+          <a:effectRef idx="0">
+            <a:schemeClr val="accent3"/>
+          </a:effectRef>
+          <a:fontRef idx="minor">
+            <a:schemeClr val="dk1"/>
+          </a:fontRef>
+        </p:style>
+        <p:txBody>
+          <a:bodyPr rtlCol="0" anchor="ctr"/>
+          <a:lstStyle/>
+          <a:p>
+            <a:r>
+              <a:rPr lang="en-US" sz="1400" dirty="0">
+                <a:solidFill>
+                  <a:schemeClr val="tx1"/>
+                </a:solidFill>
+              </a:rPr>
+              <a:t>You could this as “get needed data from </a:t>
+            </a:r>
+            <a:r>
+              <a:rPr lang="en-US" sz="1400" b="1" dirty="0">
+                <a:solidFill>
+                  <a:schemeClr val="tx1"/>
+                </a:solidFill>
+              </a:rPr>
+              <a:t>other-</a:t>
+            </a:r>
+            <a:r>
+              <a:rPr lang="en-US" sz="1400" b="1" dirty="0" err="1">
+                <a:solidFill>
+                  <a:schemeClr val="tx1"/>
+                </a:solidFill>
+              </a:rPr>
+              <a:t>obj</a:t>
+            </a:r>
+            <a:r>
+              <a:rPr lang="en-US" sz="1400" dirty="0">
+                <a:solidFill>
+                  <a:schemeClr val="tx1"/>
+                </a:solidFill>
+              </a:rPr>
+              <a:t>” if you wanted, but you don’t have to.</a:t>
             </a:r>
           </a:p>
         </p:txBody>
@@ -7953,13 +7871,6 @@
   <p:clrMapOvr>
     <a:masterClrMapping/>
   </p:clrMapOvr>
-  <p:timing>
-    <p:tnLst>
-      <p:par>
-        <p:cTn id="1" dur="indefinite" restart="never" nodeType="tmRoot"/>
-      </p:par>
-    </p:tnLst>
-  </p:timing>
 </p:sld>
 </file>
 
@@ -7996,10 +7907,9 @@
           <a:lstStyle/>
           <a:p>
             <a:r>
-              <a:rPr lang="en-US" dirty="0" smtClean="0"/>
+              <a:rPr lang="en-US" dirty="0"/>
               <a:t>Goals of this lesson</a:t>
             </a:r>
-            <a:endParaRPr lang="en-US" dirty="0"/>
           </a:p>
         </p:txBody>
       </p:sp>
@@ -8019,16 +7929,15 @@
           <a:lstStyle/>
           <a:p>
             <a:r>
-              <a:rPr lang="en-US" dirty="0" smtClean="0"/>
+              <a:rPr lang="en-US" dirty="0"/>
               <a:t>See how the design recipe and its deliverables should appear in an object-oriented system</a:t>
             </a:r>
           </a:p>
           <a:p>
             <a:r>
-              <a:rPr lang="en-US" dirty="0" smtClean="0"/>
+              <a:rPr lang="en-US" dirty="0"/>
               <a:t>Note:  this is about OUR coding standards.  Your workplace may have different standards.</a:t>
             </a:r>
-            <a:endParaRPr lang="en-US" dirty="0"/>
           </a:p>
         </p:txBody>
       </p:sp>
@@ -8061,13 +7970,6 @@
   <p:clrMapOvr>
     <a:masterClrMapping/>
   </p:clrMapOvr>
-  <p:timing>
-    <p:tnLst>
-      <p:par>
-        <p:cTn id="1" dur="indefinite" restart="never" nodeType="tmRoot"/>
-      </p:par>
-    </p:tnLst>
-  </p:timing>
 </p:sld>
 </file>
 
@@ -8106,10 +8008,9 @@
           <a:lstStyle/>
           <a:p>
             <a:r>
-              <a:rPr lang="en-US" dirty="0" smtClean="0"/>
+              <a:rPr lang="en-US" dirty="0"/>
               <a:t>This also doesn't need a design strategy, but it might help</a:t>
             </a:r>
-            <a:endParaRPr lang="en-US" dirty="0"/>
           </a:p>
         </p:txBody>
       </p:sp>
@@ -8142,32 +8043,11 @@
               <a:buNone/>
             </a:pPr>
             <a:r>
-              <a:rPr lang="en-US" sz="2000" b="1" dirty="0" smtClean="0">
+              <a:rPr lang="en-US" sz="2000" b="1" dirty="0">
                 <a:latin typeface="Consolas" pitchFamily="49" charset="0"/>
                 <a:cs typeface="Consolas" pitchFamily="49" charset="0"/>
               </a:rPr>
-              <a:t>;; STRATEGY: </a:t>
-            </a:r>
-            <a:r>
-              <a:rPr lang="en-US" sz="2000" b="1" dirty="0" smtClean="0">
-                <a:latin typeface="Consolas" pitchFamily="49" charset="0"/>
-                <a:cs typeface="Consolas" pitchFamily="49" charset="0"/>
-              </a:rPr>
-              <a:t>Use HOF map to send after-tick </a:t>
-            </a:r>
-            <a:r>
-              <a:rPr lang="en-US" sz="2000" b="1" dirty="0" smtClean="0">
-                <a:latin typeface="Consolas" pitchFamily="49" charset="0"/>
-                <a:cs typeface="Consolas" pitchFamily="49" charset="0"/>
-              </a:rPr>
-              <a:t>to each of </a:t>
-            </a:r>
-            <a:r>
-              <a:rPr lang="en-US" sz="2000" b="1" dirty="0" smtClean="0">
-                <a:latin typeface="Consolas" pitchFamily="49" charset="0"/>
-                <a:cs typeface="Consolas" pitchFamily="49" charset="0"/>
-              </a:rPr>
-              <a:t>the</a:t>
+              <a:t>;; STRATEGY: Use HOF map to send after-tick to each of the</a:t>
             </a:r>
           </a:p>
           <a:p>
@@ -8178,25 +8058,11 @@
               <a:buNone/>
             </a:pPr>
             <a:r>
-              <a:rPr lang="en-US" sz="2000" b="1" dirty="0" smtClean="0">
+              <a:rPr lang="en-US" sz="2000" b="1" dirty="0">
                 <a:latin typeface="Consolas" pitchFamily="49" charset="0"/>
                 <a:cs typeface="Consolas" pitchFamily="49" charset="0"/>
               </a:rPr>
-              <a:t>;; </a:t>
-            </a:r>
-            <a:r>
-              <a:rPr lang="en-US" sz="2000" b="1" dirty="0" smtClean="0">
-                <a:latin typeface="Consolas" pitchFamily="49" charset="0"/>
-                <a:cs typeface="Consolas" pitchFamily="49" charset="0"/>
-              </a:rPr>
-              <a:t> </a:t>
-            </a:r>
-            <a:r>
-              <a:rPr lang="en-US" sz="2000" b="1" dirty="0" smtClean="0">
-                <a:latin typeface="Consolas" pitchFamily="49" charset="0"/>
-                <a:cs typeface="Consolas" pitchFamily="49" charset="0"/>
-              </a:rPr>
-              <a:t>widgets</a:t>
+              <a:t>;;  widgets</a:t>
             </a:r>
           </a:p>
           <a:p>
@@ -8206,7 +8072,7 @@
               </a:spcBef>
               <a:buNone/>
             </a:pPr>
-            <a:endParaRPr lang="en-US" sz="2000" b="1" dirty="0" smtClean="0">
+            <a:endParaRPr lang="en-US" sz="2000" b="1" dirty="0">
               <a:latin typeface="Consolas" pitchFamily="49" charset="0"/>
               <a:cs typeface="Consolas" pitchFamily="49" charset="0"/>
             </a:endParaRPr>
@@ -8219,23 +8085,12 @@
               <a:buNone/>
             </a:pPr>
             <a:r>
-              <a:rPr lang="en-US" sz="2000" b="1" dirty="0" smtClean="0">
+              <a:rPr lang="en-US" sz="2000" b="1" dirty="0">
                 <a:latin typeface="Consolas" pitchFamily="49" charset="0"/>
                 <a:cs typeface="Consolas" pitchFamily="49" charset="0"/>
               </a:rPr>
-              <a:t>(define/public (</a:t>
-            </a:r>
-            <a:r>
-              <a:rPr lang="en-US" sz="2000" b="1" dirty="0" smtClean="0">
-                <a:latin typeface="Consolas" pitchFamily="49" charset="0"/>
-                <a:cs typeface="Consolas" pitchFamily="49" charset="0"/>
-              </a:rPr>
-              <a:t>after-tick)</a:t>
-            </a:r>
-            <a:endParaRPr lang="en-US" sz="2000" b="1" dirty="0" smtClean="0">
-              <a:latin typeface="Consolas" pitchFamily="49" charset="0"/>
-              <a:cs typeface="Consolas" pitchFamily="49" charset="0"/>
-            </a:endParaRPr>
+              <a:t>(define/public (after-tick)</a:t>
+            </a:r>
           </a:p>
           <a:p>
             <a:pPr>
@@ -8245,7 +8100,7 @@
               <a:buNone/>
             </a:pPr>
             <a:r>
-              <a:rPr lang="en-US" sz="2000" b="1" dirty="0" smtClean="0">
+              <a:rPr lang="en-US" sz="2000" b="1" dirty="0">
                 <a:latin typeface="Consolas" pitchFamily="49" charset="0"/>
                 <a:cs typeface="Consolas" pitchFamily="49" charset="0"/>
               </a:rPr>
@@ -8260,7 +8115,7 @@
               <a:buNone/>
             </a:pPr>
             <a:r>
-              <a:rPr lang="en-US" sz="2000" b="1" dirty="0" smtClean="0">
+              <a:rPr lang="en-US" sz="2000" b="1" dirty="0">
                 <a:latin typeface="Consolas" pitchFamily="49" charset="0"/>
                 <a:cs typeface="Consolas" pitchFamily="49" charset="0"/>
               </a:rPr>
@@ -8275,44 +8130,26 @@
               <a:buNone/>
             </a:pPr>
             <a:r>
-              <a:rPr lang="en-US" sz="2000" b="1" dirty="0" smtClean="0">
+              <a:rPr lang="en-US" sz="2000" b="1" dirty="0">
                 <a:latin typeface="Consolas" pitchFamily="49" charset="0"/>
                 <a:cs typeface="Consolas" pitchFamily="49" charset="0"/>
               </a:rPr>
               <a:t>              (lambda (widget</a:t>
             </a:r>
             <a:r>
-              <a:rPr lang="en-US" sz="2000" b="1" smtClean="0">
+              <a:rPr lang="en-US" sz="2000" b="1">
                 <a:latin typeface="Consolas" pitchFamily="49" charset="0"/>
                 <a:cs typeface="Consolas" pitchFamily="49" charset="0"/>
               </a:rPr>
-              <a:t>) </a:t>
-            </a:r>
-            <a:r>
-              <a:rPr lang="en-US" sz="2000" b="1" smtClean="0">
+              <a:t>) (</a:t>
+            </a:r>
+            <a:r>
+              <a:rPr lang="en-US" sz="2000" b="1" dirty="0">
                 <a:latin typeface="Consolas" pitchFamily="49" charset="0"/>
                 <a:cs typeface="Consolas" pitchFamily="49" charset="0"/>
               </a:rPr>
-              <a:t>(</a:t>
-            </a:r>
-            <a:r>
-              <a:rPr lang="en-US" sz="2000" b="1" dirty="0" smtClean="0">
-                <a:latin typeface="Consolas" pitchFamily="49" charset="0"/>
-                <a:cs typeface="Consolas" pitchFamily="49" charset="0"/>
-              </a:rPr>
-              <a:t>send widget </a:t>
-            </a:r>
-            <a:r>
-              <a:rPr lang="en-US" sz="2000" b="1" dirty="0" smtClean="0">
-                <a:latin typeface="Consolas" pitchFamily="49" charset="0"/>
-                <a:cs typeface="Consolas" pitchFamily="49" charset="0"/>
-              </a:rPr>
-              <a:t>after-tick))</a:t>
-            </a:r>
-            <a:endParaRPr lang="en-US" sz="2000" b="1" dirty="0" smtClean="0">
-              <a:latin typeface="Consolas" pitchFamily="49" charset="0"/>
-              <a:cs typeface="Consolas" pitchFamily="49" charset="0"/>
-            </a:endParaRPr>
+              <a:t>send widget after-tick))</a:t>
+            </a:r>
           </a:p>
           <a:p>
             <a:pPr>
@@ -8322,16 +8159,12 @@
               <a:buNone/>
             </a:pPr>
             <a:r>
-              <a:rPr lang="en-US" sz="2000" b="1" dirty="0" smtClean="0">
+              <a:rPr lang="en-US" sz="2000" b="1" dirty="0">
                 <a:latin typeface="Consolas" pitchFamily="49" charset="0"/>
                 <a:cs typeface="Consolas" pitchFamily="49" charset="0"/>
               </a:rPr>
               <a:t>              widgets)]))</a:t>
             </a:r>
-            <a:endParaRPr lang="en-US" sz="2000" b="1" dirty="0">
-              <a:latin typeface="Consolas" pitchFamily="49" charset="0"/>
-              <a:cs typeface="Consolas" pitchFamily="49" charset="0"/>
-            </a:endParaRPr>
           </a:p>
         </p:txBody>
       </p:sp>
@@ -8364,13 +8197,6 @@
   <p:clrMapOvr>
     <a:masterClrMapping/>
   </p:clrMapOvr>
-  <p:timing>
-    <p:tnLst>
-      <p:par>
-        <p:cTn id="1" dur="indefinite" restart="never" nodeType="tmRoot"/>
-      </p:par>
-    </p:tnLst>
-  </p:timing>
 </p:sld>
 </file>
 
@@ -8409,10 +8235,9 @@
           <a:lstStyle/>
           <a:p>
             <a:r>
-              <a:rPr lang="en-US" dirty="0" smtClean="0"/>
+              <a:rPr lang="en-US" dirty="0"/>
               <a:t>Another method  where the design strategy is optional</a:t>
             </a:r>
-            <a:endParaRPr lang="en-US" dirty="0"/>
           </a:p>
         </p:txBody>
       </p:sp>
@@ -8440,34 +8265,34 @@
               <a:buNone/>
             </a:pPr>
             <a:r>
-              <a:rPr lang="en-US" sz="2400" b="1" dirty="0" smtClean="0">
+              <a:rPr lang="en-US" sz="2400" b="1" dirty="0">
                 <a:latin typeface="Consolas" pitchFamily="49" charset="0"/>
                 <a:cs typeface="Consolas" pitchFamily="49" charset="0"/>
               </a:rPr>
               <a:t>;; STRATEGY: Cases on </a:t>
             </a:r>
             <a:r>
-              <a:rPr lang="en-US" sz="2400" b="1" dirty="0" err="1" smtClean="0">
+              <a:rPr lang="en-US" sz="2400" b="1" dirty="0" err="1">
                 <a:latin typeface="Consolas" pitchFamily="49" charset="0"/>
                 <a:cs typeface="Consolas" pitchFamily="49" charset="0"/>
               </a:rPr>
               <a:t>MouseEvent</a:t>
             </a:r>
             <a:r>
-              <a:rPr lang="en-US" sz="2400" b="1" dirty="0" smtClean="0">
+              <a:rPr lang="en-US" sz="2400" b="1" dirty="0">
                 <a:latin typeface="Consolas" pitchFamily="49" charset="0"/>
                 <a:cs typeface="Consolas" pitchFamily="49" charset="0"/>
               </a:rPr>
               <a:t> </a:t>
             </a:r>
             <a:r>
-              <a:rPr lang="en-US" sz="2400" b="1" dirty="0" err="1" smtClean="0">
+              <a:rPr lang="en-US" sz="2400" b="1" dirty="0" err="1">
                 <a:latin typeface="Consolas" pitchFamily="49" charset="0"/>
                 <a:cs typeface="Consolas" pitchFamily="49" charset="0"/>
               </a:rPr>
               <a:t>mev</a:t>
             </a:r>
-            <a:endParaRPr lang="en-US" sz="2400" b="1" dirty="0" smtClean="0">
+            <a:endParaRPr lang="en-US" sz="2400" b="1" dirty="0">
               <a:latin typeface="Consolas" pitchFamily="49" charset="0"/>
               <a:cs typeface="Consolas" pitchFamily="49" charset="0"/>
             </a:endParaRPr>
@@ -8479,7 +8304,7 @@
               </a:spcBef>
               <a:buNone/>
             </a:pPr>
-            <a:endParaRPr lang="en-US" sz="2400" b="1" dirty="0" smtClean="0">
+            <a:endParaRPr lang="en-US" sz="2400" b="1" dirty="0">
               <a:latin typeface="Consolas" pitchFamily="49" charset="0"/>
               <a:cs typeface="Consolas" pitchFamily="49" charset="0"/>
             </a:endParaRPr>
@@ -8492,21 +8317,21 @@
               <a:buNone/>
             </a:pPr>
             <a:r>
-              <a:rPr lang="en-US" sz="2400" b="1" dirty="0" smtClean="0">
+              <a:rPr lang="en-US" sz="2400" b="1" dirty="0">
                 <a:latin typeface="Consolas" pitchFamily="49" charset="0"/>
                 <a:cs typeface="Consolas" pitchFamily="49" charset="0"/>
               </a:rPr>
               <a:t>(define/public (after-mouse-event mx my </a:t>
             </a:r>
             <a:r>
-              <a:rPr lang="en-US" sz="2400" b="1" dirty="0" err="1" smtClean="0">
+              <a:rPr lang="en-US" sz="2400" b="1" dirty="0" err="1">
                 <a:latin typeface="Consolas" pitchFamily="49" charset="0"/>
                 <a:cs typeface="Consolas" pitchFamily="49" charset="0"/>
               </a:rPr>
               <a:t>mev</a:t>
             </a:r>
             <a:r>
-              <a:rPr lang="en-US" sz="2400" b="1" dirty="0" smtClean="0">
+              <a:rPr lang="en-US" sz="2400" b="1" dirty="0">
                 <a:latin typeface="Consolas" pitchFamily="49" charset="0"/>
                 <a:cs typeface="Consolas" pitchFamily="49" charset="0"/>
               </a:rPr>
@@ -8521,20 +8346,20 @@
               <a:buNone/>
             </a:pPr>
             <a:r>
-              <a:rPr lang="en-US" sz="2400" b="1" dirty="0" smtClean="0">
+              <a:rPr lang="en-US" sz="2400" b="1" dirty="0">
                 <a:latin typeface="Consolas" pitchFamily="49" charset="0"/>
                 <a:cs typeface="Consolas" pitchFamily="49" charset="0"/>
               </a:rPr>
               <a:t>  (</a:t>
             </a:r>
             <a:r>
-              <a:rPr lang="en-US" sz="2400" b="1" dirty="0" err="1" smtClean="0">
+              <a:rPr lang="en-US" sz="2400" b="1" dirty="0" err="1">
                 <a:latin typeface="Consolas" pitchFamily="49" charset="0"/>
                 <a:cs typeface="Consolas" pitchFamily="49" charset="0"/>
               </a:rPr>
               <a:t>cond</a:t>
             </a:r>
-            <a:endParaRPr lang="en-US" sz="2400" b="1" dirty="0" smtClean="0">
+            <a:endParaRPr lang="en-US" sz="2400" b="1" dirty="0">
               <a:latin typeface="Consolas" pitchFamily="49" charset="0"/>
               <a:cs typeface="Consolas" pitchFamily="49" charset="0"/>
             </a:endParaRPr>
@@ -8547,21 +8372,21 @@
               <a:buNone/>
             </a:pPr>
             <a:r>
-              <a:rPr lang="en-US" sz="2400" b="1" dirty="0" smtClean="0">
+              <a:rPr lang="en-US" sz="2400" b="1" dirty="0">
                 <a:latin typeface="Consolas" pitchFamily="49" charset="0"/>
                 <a:cs typeface="Consolas" pitchFamily="49" charset="0"/>
               </a:rPr>
               <a:t>    [(mouse=? </a:t>
             </a:r>
             <a:r>
-              <a:rPr lang="en-US" sz="2400" b="1" dirty="0" err="1" smtClean="0">
+              <a:rPr lang="en-US" sz="2400" b="1" dirty="0" err="1">
                 <a:latin typeface="Consolas" pitchFamily="49" charset="0"/>
                 <a:cs typeface="Consolas" pitchFamily="49" charset="0"/>
               </a:rPr>
               <a:t>mev</a:t>
             </a:r>
             <a:r>
-              <a:rPr lang="en-US" sz="2400" b="1" dirty="0" smtClean="0">
+              <a:rPr lang="en-US" sz="2400" b="1" dirty="0">
                 <a:latin typeface="Consolas" pitchFamily="49" charset="0"/>
                 <a:cs typeface="Consolas" pitchFamily="49" charset="0"/>
               </a:rPr>
@@ -8576,21 +8401,21 @@
               <a:buNone/>
             </a:pPr>
             <a:r>
-              <a:rPr lang="en-US" sz="2400" b="1" dirty="0" smtClean="0">
+              <a:rPr lang="en-US" sz="2400" b="1" dirty="0">
                 <a:latin typeface="Consolas" pitchFamily="49" charset="0"/>
                 <a:cs typeface="Consolas" pitchFamily="49" charset="0"/>
               </a:rPr>
               <a:t>    [(mouse=? </a:t>
             </a:r>
             <a:r>
-              <a:rPr lang="en-US" sz="2400" b="1" dirty="0" err="1" smtClean="0">
+              <a:rPr lang="en-US" sz="2400" b="1" dirty="0" err="1">
                 <a:latin typeface="Consolas" pitchFamily="49" charset="0"/>
                 <a:cs typeface="Consolas" pitchFamily="49" charset="0"/>
               </a:rPr>
               <a:t>mev</a:t>
             </a:r>
             <a:r>
-              <a:rPr lang="en-US" sz="2400" b="1" dirty="0" smtClean="0">
+              <a:rPr lang="en-US" sz="2400" b="1" dirty="0">
                 <a:latin typeface="Consolas" pitchFamily="49" charset="0"/>
                 <a:cs typeface="Consolas" pitchFamily="49" charset="0"/>
               </a:rPr>
@@ -8605,21 +8430,21 @@
               <a:buNone/>
             </a:pPr>
             <a:r>
-              <a:rPr lang="en-US" sz="2400" b="1" dirty="0" smtClean="0">
+              <a:rPr lang="en-US" sz="2400" b="1" dirty="0">
                 <a:latin typeface="Consolas" pitchFamily="49" charset="0"/>
                 <a:cs typeface="Consolas" pitchFamily="49" charset="0"/>
               </a:rPr>
               <a:t>    [(mouse=? </a:t>
             </a:r>
             <a:r>
-              <a:rPr lang="en-US" sz="2400" b="1" dirty="0" err="1" smtClean="0">
+              <a:rPr lang="en-US" sz="2400" b="1" dirty="0" err="1">
                 <a:latin typeface="Consolas" pitchFamily="49" charset="0"/>
                 <a:cs typeface="Consolas" pitchFamily="49" charset="0"/>
               </a:rPr>
               <a:t>mev</a:t>
             </a:r>
             <a:r>
-              <a:rPr lang="en-US" sz="2400" b="1" dirty="0" smtClean="0">
+              <a:rPr lang="en-US" sz="2400" b="1" dirty="0">
                 <a:latin typeface="Consolas" pitchFamily="49" charset="0"/>
                 <a:cs typeface="Consolas" pitchFamily="49" charset="0"/>
               </a:rPr>
@@ -8634,16 +8459,12 @@
               <a:buNone/>
             </a:pPr>
             <a:r>
-              <a:rPr lang="en-US" sz="2400" b="1" dirty="0" smtClean="0">
+              <a:rPr lang="en-US" sz="2400" b="1" dirty="0">
                 <a:latin typeface="Consolas" pitchFamily="49" charset="0"/>
                 <a:cs typeface="Consolas" pitchFamily="49" charset="0"/>
               </a:rPr>
               <a:t>    [else ...]))</a:t>
             </a:r>
-            <a:endParaRPr lang="en-US" sz="2400" b="1" dirty="0">
-              <a:latin typeface="Consolas" pitchFamily="49" charset="0"/>
-              <a:cs typeface="Consolas" pitchFamily="49" charset="0"/>
-            </a:endParaRPr>
           </a:p>
         </p:txBody>
       </p:sp>
@@ -8676,13 +8497,6 @@
   <p:clrMapOvr>
     <a:masterClrMapping/>
   </p:clrMapOvr>
-  <p:timing>
-    <p:tnLst>
-      <p:par>
-        <p:cTn id="1" dur="indefinite" restart="never" nodeType="tmRoot"/>
-      </p:par>
-    </p:tnLst>
-  </p:timing>
 </p:sld>
 </file>
 
@@ -8721,10 +8535,9 @@
           <a:lstStyle/>
           <a:p>
             <a:r>
-              <a:rPr lang="en-US" dirty="0" smtClean="0"/>
+              <a:rPr lang="en-US" dirty="0"/>
               <a:t>Complicated things need strategies to  document them</a:t>
             </a:r>
-            <a:endParaRPr lang="en-US" dirty="0"/>
           </a:p>
         </p:txBody>
       </p:sp>
@@ -8752,7 +8565,7 @@
               <a:buNone/>
             </a:pPr>
             <a:r>
-              <a:rPr lang="en-US" sz="1300" b="1" dirty="0" smtClean="0"/>
+              <a:rPr lang="en-US" sz="1300" b="1" dirty="0"/>
               <a:t>(define Graph%</a:t>
             </a:r>
           </a:p>
@@ -8764,7 +8577,7 @@
               <a:buNone/>
             </a:pPr>
             <a:r>
-              <a:rPr lang="en-US" sz="1300" b="1" dirty="0" smtClean="0"/>
+              <a:rPr lang="en-US" sz="1300" b="1" dirty="0"/>
               <a:t> (class* object% ()</a:t>
             </a:r>
           </a:p>
@@ -8776,7 +8589,7 @@
               <a:buNone/>
             </a:pPr>
             <a:r>
-              <a:rPr lang="en-US" sz="1300" b="1" dirty="0" smtClean="0"/>
+              <a:rPr lang="en-US" sz="1300" b="1" dirty="0"/>
               <a:t>     ...</a:t>
             </a:r>
           </a:p>
@@ -8788,10 +8601,10 @@
               <a:buNone/>
             </a:pPr>
             <a:r>
-              <a:rPr lang="en-US" sz="1300" b="1" dirty="0" smtClean="0"/>
+              <a:rPr lang="en-US" sz="1300" b="1" dirty="0"/>
               <a:t> </a:t>
             </a:r>
-            <a:endParaRPr lang="en-US" sz="1300" b="1" dirty="0" smtClean="0">
+            <a:endParaRPr lang="en-US" sz="1300" b="1" dirty="0">
               <a:solidFill>
                 <a:srgbClr val="FF0000"/>
               </a:solidFill>
@@ -8804,27 +8617,19 @@
               </a:spcBef>
             </a:pPr>
             <a:r>
-              <a:rPr lang="en-US" sz="1300" b="1" dirty="0" smtClean="0"/>
+              <a:rPr lang="en-US" sz="1300" b="1" dirty="0"/>
               <a:t> </a:t>
             </a:r>
             <a:r>
               <a:rPr lang="en-US" sz="1300" dirty="0"/>
-              <a:t>(</a:t>
-            </a:r>
-            <a:r>
-              <a:rPr lang="en-US" sz="1300" dirty="0" smtClean="0"/>
-              <a:t>define/public </a:t>
+              <a:t>(define/public (path? </a:t>
+            </a:r>
+            <a:r>
+              <a:rPr lang="en-US" sz="1300" dirty="0" err="1"/>
+              <a:t>src</a:t>
             </a:r>
             <a:r>
               <a:rPr lang="en-US" sz="1300" dirty="0"/>
-              <a:t>(path? </a:t>
-            </a:r>
-            <a:r>
-              <a:rPr lang="en-US" sz="1300" dirty="0" err="1" smtClean="0"/>
-              <a:t>src</a:t>
-            </a:r>
-            <a:r>
-              <a:rPr lang="en-US" sz="1300" dirty="0" smtClean="0"/>
               <a:t> </a:t>
             </a:r>
             <a:r>
@@ -8855,7 +8660,7 @@
             </a:pPr>
             <a:r>
               <a:rPr lang="en-US" sz="1300" dirty="0"/>
-              <a:t>    ((define (reachable-from? newest nodes)</a:t>
+              <a:t>    ((define (reachable-from? recent nodes)</a:t>
             </a:r>
           </a:p>
           <a:p>
@@ -8890,13 +8695,8 @@
             </a:r>
             <a:r>
               <a:rPr lang="en-US" sz="1300" dirty="0"/>
-              <a:t> in </a:t>
-            </a:r>
-            <a:r>
-              <a:rPr lang="en-US" sz="1300" dirty="0" smtClean="0"/>
-              <a:t>this graph</a:t>
-            </a:r>
-            <a:endParaRPr lang="en-US" sz="1300" dirty="0"/>
+              <a:t> in this graph</a:t>
+            </a:r>
           </a:p>
           <a:p>
             <a:pPr>
@@ -8906,7 +8706,7 @@
             </a:pPr>
             <a:r>
               <a:rPr lang="en-US" sz="1300" dirty="0"/>
-              <a:t>       ;; INVARIANT: newest is a subset of nodes</a:t>
+              <a:t>       ;; INVARIANT: recent is a subset of nodes</a:t>
             </a:r>
           </a:p>
           <a:p>
@@ -8944,15 +8744,7 @@
             </a:r>
             <a:r>
               <a:rPr lang="en-US" sz="1300" dirty="0"/>
-              <a:t> in </a:t>
-            </a:r>
-            <a:r>
-              <a:rPr lang="en-US" sz="1300" dirty="0" smtClean="0"/>
-              <a:t>this graph</a:t>
-            </a:r>
-            <a:r>
-              <a:rPr lang="en-US" sz="1300" dirty="0"/>
-              <a:t>)</a:t>
+              <a:t> in this graph)</a:t>
             </a:r>
           </a:p>
           <a:p>
@@ -9088,13 +8880,8 @@
             </a:pPr>
             <a:r>
               <a:rPr lang="en-US" sz="1300" dirty="0"/>
-              <a:t>                                       </a:t>
-            </a:r>
-            <a:r>
-              <a:rPr lang="en-US" sz="1300" dirty="0" smtClean="0"/>
-              <a:t>(send this all-successors newest)</a:t>
-            </a:r>
-            <a:endParaRPr lang="en-US" sz="1300" dirty="0"/>
+              <a:t>                                       (send this all-successors newest)</a:t>
+            </a:r>
           </a:p>
           <a:p>
             <a:pPr>
@@ -9104,11 +8891,7 @@
             </a:pPr>
             <a:r>
               <a:rPr lang="en-US" sz="1300" dirty="0"/>
-              <a:t>                                       </a:t>
-            </a:r>
-            <a:r>
-              <a:rPr lang="en-US" sz="1300" dirty="0" smtClean="0"/>
-              <a:t>nodes)))</a:t>
+              <a:t>                                       nodes)))</a:t>
             </a:r>
           </a:p>
           <a:p>
@@ -9119,11 +8902,7 @@
             </a:pPr>
             <a:r>
               <a:rPr lang="en-US" sz="1300" dirty="0"/>
-              <a:t> </a:t>
-            </a:r>
-            <a:r>
-              <a:rPr lang="en-US" sz="1300" dirty="0" smtClean="0"/>
-              <a:t>   </a:t>
+              <a:t>    </a:t>
             </a:r>
           </a:p>
           <a:p>
@@ -9133,10 +8912,9 @@
               </a:spcBef>
             </a:pPr>
             <a:r>
-              <a:rPr lang="en-US" sz="1300" i="1" dirty="0" smtClean="0"/>
+              <a:rPr lang="en-US" sz="1300" i="1" dirty="0"/>
               <a:t>...etc...</a:t>
             </a:r>
-            <a:endParaRPr lang="en-US" sz="1300" i="1" dirty="0"/>
           </a:p>
           <a:p>
             <a:pPr>
@@ -9190,12 +8968,14 @@
             <a:avLst/>
           </a:prstGeom>
           <a:solidFill>
-            <a:schemeClr val="accent3">
-              <a:lumMod val="40000"/>
-              <a:lumOff val="60000"/>
+            <a:schemeClr val="accent1">
+              <a:lumMod val="20000"/>
+              <a:lumOff val="80000"/>
             </a:schemeClr>
           </a:solidFill>
-          <a:ln/>
+          <a:ln>
+            <a:noFill/>
+          </a:ln>
         </p:spPr>
         <p:style>
           <a:lnRef idx="2">
@@ -9221,26 +9001,25 @@
           <a:lstStyle/>
           <a:p>
             <a:r>
-              <a:rPr lang="en-US" dirty="0" smtClean="0"/>
+              <a:rPr lang="en-US" dirty="0"/>
               <a:t>Here's </a:t>
             </a:r>
             <a:r>
-              <a:rPr lang="en-US" b="1" dirty="0" smtClean="0"/>
+              <a:rPr lang="en-US" b="1" dirty="0"/>
               <a:t>path?</a:t>
             </a:r>
             <a:r>
-              <a:rPr lang="en-US" dirty="0" smtClean="0"/>
+              <a:rPr lang="en-US" dirty="0"/>
               <a:t> as a method of a </a:t>
             </a:r>
             <a:r>
-              <a:rPr lang="en-US" b="1" dirty="0" smtClean="0"/>
+              <a:rPr lang="en-US" b="1" dirty="0"/>
               <a:t>Graph%</a:t>
             </a:r>
             <a:r>
-              <a:rPr lang="en-US" dirty="0" smtClean="0"/>
+              <a:rPr lang="en-US" dirty="0"/>
               <a:t> class.  It still uses general recursion, so we must document that fact, and also provide all the usual deliverables for general recursion.</a:t>
             </a:r>
-            <a:endParaRPr lang="en-US" dirty="0"/>
           </a:p>
         </p:txBody>
       </p:sp>
@@ -9259,12 +9038,14 @@
             <a:avLst/>
           </a:prstGeom>
           <a:solidFill>
-            <a:schemeClr val="accent3">
-              <a:lumMod val="40000"/>
-              <a:lumOff val="60000"/>
+            <a:schemeClr val="accent1">
+              <a:lumMod val="20000"/>
+              <a:lumOff val="80000"/>
             </a:schemeClr>
           </a:solidFill>
-          <a:ln/>
+          <a:ln>
+            <a:noFill/>
+          </a:ln>
         </p:spPr>
         <p:style>
           <a:lnRef idx="2">
@@ -9291,14 +9072,13 @@
           <a:p>
             <a:pPr algn="ctr"/>
             <a:r>
-              <a:rPr lang="en-US" sz="1400" dirty="0" smtClean="0"/>
+              <a:rPr lang="en-US" sz="1400" dirty="0"/>
               <a:t>We're talking about "this" graph</a:t>
             </a:r>
             <a:r>
-              <a:rPr lang="en-US" dirty="0" smtClean="0"/>
+              <a:rPr lang="en-US" dirty="0"/>
               <a:t>"</a:t>
             </a:r>
-            <a:endParaRPr lang="en-US" dirty="0"/>
           </a:p>
         </p:txBody>
       </p:sp>
@@ -9355,12 +9135,14 @@
             <a:avLst/>
           </a:prstGeom>
           <a:solidFill>
-            <a:schemeClr val="accent3">
-              <a:lumMod val="40000"/>
-              <a:lumOff val="60000"/>
+            <a:schemeClr val="accent1">
+              <a:lumMod val="20000"/>
+              <a:lumOff val="80000"/>
             </a:schemeClr>
           </a:solidFill>
-          <a:ln/>
+          <a:ln>
+            <a:noFill/>
+          </a:ln>
         </p:spPr>
         <p:style>
           <a:lnRef idx="2">
@@ -9387,42 +9169,41 @@
           <a:p>
             <a:pPr algn="ctr"/>
             <a:r>
-              <a:rPr lang="en-US" sz="1400" dirty="0" smtClean="0"/>
+              <a:rPr lang="en-US" sz="1400" dirty="0"/>
               <a:t>Instead of saying </a:t>
             </a:r>
             <a:r>
-              <a:rPr lang="en-US" sz="1400" b="1" dirty="0" smtClean="0"/>
+              <a:rPr lang="en-US" sz="1400" b="1" dirty="0"/>
               <a:t>(all-successors newest graph) </a:t>
             </a:r>
             <a:r>
-              <a:rPr lang="en-US" sz="1400" dirty="0" smtClean="0"/>
+              <a:rPr lang="en-US" sz="1400" dirty="0"/>
               <a:t>, we made </a:t>
             </a:r>
             <a:r>
-              <a:rPr lang="en-US" sz="1400" b="1" dirty="0" smtClean="0"/>
+              <a:rPr lang="en-US" sz="1400" b="1" dirty="0"/>
               <a:t>all-successors</a:t>
             </a:r>
             <a:r>
-              <a:rPr lang="en-US" sz="1400" dirty="0" smtClean="0"/>
+              <a:rPr lang="en-US" sz="1400" dirty="0"/>
               <a:t> a method of </a:t>
             </a:r>
             <a:r>
-              <a:rPr lang="en-US" sz="1400" b="1" dirty="0" smtClean="0"/>
+              <a:rPr lang="en-US" sz="1400" b="1" dirty="0"/>
               <a:t>Graph% </a:t>
             </a:r>
             <a:r>
-              <a:rPr lang="en-US" sz="1400" dirty="0" smtClean="0"/>
+              <a:rPr lang="en-US" sz="1400" dirty="0"/>
               <a:t>, and we asked it to work on </a:t>
             </a:r>
             <a:r>
-              <a:rPr lang="en-US" sz="1400" b="1" dirty="0" smtClean="0"/>
+              <a:rPr lang="en-US" sz="1400" b="1" dirty="0"/>
               <a:t>this</a:t>
             </a:r>
             <a:r>
-              <a:rPr lang="en-US" sz="1400" dirty="0" smtClean="0"/>
+              <a:rPr lang="en-US" sz="1400" dirty="0"/>
               <a:t> graph.</a:t>
             </a:r>
-            <a:endParaRPr lang="en-US" sz="1400" dirty="0"/>
           </a:p>
         </p:txBody>
       </p:sp>
@@ -9469,13 +9250,6 @@
   <p:clrMapOvr>
     <a:masterClrMapping/>
   </p:clrMapOvr>
-  <p:timing>
-    <p:tnLst>
-      <p:par>
-        <p:cTn id="1" dur="indefinite" restart="never" nodeType="tmRoot"/>
-      </p:par>
-    </p:tnLst>
-  </p:timing>
 </p:sld>
 </file>
 
@@ -9508,20 +9282,15 @@
         </p:nvSpPr>
         <p:spPr/>
         <p:txBody>
-          <a:bodyPr/>
-          <a:lstStyle/>
-          <a:p>
-            <a:r>
-              <a:rPr lang="en-US" dirty="0" smtClean="0"/>
-              <a:t>Design Strategies turn into</a:t>
-            </a:r>
-            <a:r>
-              <a:rPr lang="en-US" dirty="0" smtClean="0">
-                <a:sym typeface="Wingdings" pitchFamily="2" charset="2"/>
-              </a:rPr>
-              <a:t> Patterns</a:t>
-            </a:r>
-            <a:endParaRPr lang="en-US" dirty="0"/>
+          <a:bodyPr>
+            <a:normAutofit fontScale="90000"/>
+          </a:bodyPr>
+          <a:lstStyle/>
+          <a:p>
+            <a:r>
+              <a:rPr lang="en-US" dirty="0"/>
+              <a:t>Complicated things need strategies to  document them</a:t>
+            </a:r>
           </a:p>
         </p:txBody>
       </p:sp>
@@ -9537,72 +9306,392 @@
         </p:nvSpPr>
         <p:spPr/>
         <p:txBody>
-          <a:bodyPr/>
-          <a:lstStyle/>
-          <a:p>
-            <a:r>
-              <a:rPr lang="en-US" dirty="0" smtClean="0"/>
-              <a:t>In OO world, the important design strategies are at the class level.</a:t>
-            </a:r>
-          </a:p>
-          <a:p>
-            <a:r>
-              <a:rPr lang="en-US" dirty="0" smtClean="0"/>
-              <a:t>Examples:</a:t>
-            </a:r>
-          </a:p>
-          <a:p>
-            <a:pPr lvl="1"/>
-            <a:r>
-              <a:rPr lang="en-US" dirty="0" smtClean="0"/>
-              <a:t>interpreter pattern  (basis for our DD</a:t>
-            </a:r>
-            <a:r>
-              <a:rPr lang="en-US" dirty="0" smtClean="0">
-                <a:sym typeface="Wingdings" pitchFamily="2" charset="2"/>
-              </a:rPr>
-              <a:t>OO recipe)</a:t>
-            </a:r>
-          </a:p>
-          <a:p>
-            <a:pPr lvl="1"/>
-            <a:r>
-              <a:rPr lang="en-US" dirty="0" smtClean="0">
-                <a:sym typeface="Wingdings" pitchFamily="2" charset="2"/>
-              </a:rPr>
-              <a:t>composite pattern (</a:t>
-            </a:r>
-            <a:r>
-              <a:rPr lang="en-US" dirty="0" err="1" smtClean="0">
-                <a:sym typeface="Wingdings" pitchFamily="2" charset="2"/>
-              </a:rPr>
-              <a:t>eg</a:t>
-            </a:r>
-            <a:r>
-              <a:rPr lang="en-US" dirty="0" smtClean="0">
-                <a:sym typeface="Wingdings" pitchFamily="2" charset="2"/>
-              </a:rPr>
-              <a:t>, composite shapes)</a:t>
-            </a:r>
-          </a:p>
-          <a:p>
-            <a:pPr lvl="1"/>
-            <a:r>
-              <a:rPr lang="en-US" dirty="0" smtClean="0">
-                <a:sym typeface="Wingdings" pitchFamily="2" charset="2"/>
-              </a:rPr>
-              <a:t>container pattern (we'll use this shortly)</a:t>
-            </a:r>
-          </a:p>
-          <a:p>
-            <a:pPr lvl="1"/>
-            <a:r>
-              <a:rPr lang="en-US" dirty="0" smtClean="0">
-                <a:sym typeface="Wingdings" pitchFamily="2" charset="2"/>
-              </a:rPr>
-              <a:t>template-and-hook pattern (later)</a:t>
-            </a:r>
-            <a:endParaRPr lang="en-US" dirty="0"/>
+          <a:bodyPr>
+            <a:noAutofit/>
+          </a:bodyPr>
+          <a:lstStyle/>
+          <a:p>
+            <a:pPr>
+              <a:spcBef>
+                <a:spcPts val="0"/>
+              </a:spcBef>
+              <a:buNone/>
+            </a:pPr>
+            <a:r>
+              <a:rPr lang="en-US" sz="1300" b="1" dirty="0"/>
+              <a:t>(define Graph%</a:t>
+            </a:r>
+          </a:p>
+          <a:p>
+            <a:pPr>
+              <a:spcBef>
+                <a:spcPts val="0"/>
+              </a:spcBef>
+              <a:buNone/>
+            </a:pPr>
+            <a:r>
+              <a:rPr lang="en-US" sz="1300" b="1" dirty="0"/>
+              <a:t> (class* object% ()</a:t>
+            </a:r>
+          </a:p>
+          <a:p>
+            <a:pPr>
+              <a:spcBef>
+                <a:spcPts val="0"/>
+              </a:spcBef>
+              <a:buNone/>
+            </a:pPr>
+            <a:r>
+              <a:rPr lang="en-US" sz="1300" b="1" dirty="0"/>
+              <a:t>     ... </a:t>
+            </a:r>
+            <a:endParaRPr lang="en-US" sz="1300" b="1" dirty="0">
+              <a:solidFill>
+                <a:srgbClr val="FF0000"/>
+              </a:solidFill>
+            </a:endParaRPr>
+          </a:p>
+          <a:p>
+            <a:pPr>
+              <a:spcBef>
+                <a:spcPts val="0"/>
+              </a:spcBef>
+            </a:pPr>
+            <a:r>
+              <a:rPr lang="en-US" sz="1300" dirty="0"/>
+              <a:t>    ;; reachable-from? : </a:t>
+            </a:r>
+            <a:r>
+              <a:rPr lang="en-US" sz="1300" dirty="0" err="1"/>
+              <a:t>SetOfNodes</a:t>
+            </a:r>
+            <a:r>
+              <a:rPr lang="en-US" sz="1300" dirty="0"/>
+              <a:t> </a:t>
+            </a:r>
+            <a:r>
+              <a:rPr lang="en-US" sz="1300" dirty="0" err="1"/>
+              <a:t>SetOfNodes</a:t>
+            </a:r>
+            <a:r>
+              <a:rPr lang="en-US" sz="1300" dirty="0"/>
+              <a:t> Node -&gt; Boolean</a:t>
+            </a:r>
+          </a:p>
+          <a:p>
+            <a:pPr>
+              <a:spcBef>
+                <a:spcPts val="0"/>
+              </a:spcBef>
+            </a:pPr>
+            <a:r>
+              <a:rPr lang="en-US" sz="1300" dirty="0"/>
+              <a:t>    ;; GIVEN: two sets of nodes and a target a node</a:t>
+            </a:r>
+          </a:p>
+          <a:p>
+            <a:pPr>
+              <a:spcBef>
+                <a:spcPts val="0"/>
+              </a:spcBef>
+            </a:pPr>
+            <a:r>
+              <a:rPr lang="en-US" sz="1300" dirty="0"/>
+              <a:t>    ;; WHERE:</a:t>
+            </a:r>
+          </a:p>
+          <a:p>
+            <a:pPr>
+              <a:spcBef>
+                <a:spcPts val="0"/>
+              </a:spcBef>
+            </a:pPr>
+            <a:r>
+              <a:rPr lang="en-US" sz="1300" dirty="0"/>
+              <a:t>    ;;  reached is the set of nodes reachable in this graph in fewer than n steps</a:t>
+            </a:r>
+          </a:p>
+          <a:p>
+            <a:pPr>
+              <a:spcBef>
+                <a:spcPts val="0"/>
+              </a:spcBef>
+            </a:pPr>
+            <a:r>
+              <a:rPr lang="en-US" sz="1300" dirty="0"/>
+              <a:t>    ;;        from some starting node '</a:t>
+            </a:r>
+            <a:r>
+              <a:rPr lang="en-US" sz="1300" dirty="0" err="1"/>
+              <a:t>src</a:t>
+            </a:r>
+            <a:r>
+              <a:rPr lang="en-US" sz="1300" dirty="0"/>
+              <a:t>', for some n</a:t>
+            </a:r>
+          </a:p>
+          <a:p>
+            <a:pPr>
+              <a:spcBef>
+                <a:spcPts val="0"/>
+              </a:spcBef>
+            </a:pPr>
+            <a:r>
+              <a:rPr lang="en-US" sz="1300" dirty="0"/>
+              <a:t>    ;;  recent is the set of nodes reachable from </a:t>
+            </a:r>
+            <a:r>
+              <a:rPr lang="en-US" sz="1300" dirty="0" err="1"/>
+              <a:t>src</a:t>
+            </a:r>
+            <a:r>
+              <a:rPr lang="en-US" sz="1300" dirty="0"/>
+              <a:t> in n steps but</a:t>
+            </a:r>
+          </a:p>
+          <a:p>
+            <a:pPr>
+              <a:spcBef>
+                <a:spcPts val="0"/>
+              </a:spcBef>
+            </a:pPr>
+            <a:r>
+              <a:rPr lang="en-US" sz="1300" dirty="0"/>
+              <a:t>    ;;         not in n-1 steps.</a:t>
+            </a:r>
+          </a:p>
+          <a:p>
+            <a:pPr>
+              <a:spcBef>
+                <a:spcPts val="0"/>
+              </a:spcBef>
+            </a:pPr>
+            <a:r>
+              <a:rPr lang="en-US" sz="1300" dirty="0"/>
+              <a:t>    ;; AND </a:t>
+            </a:r>
+            <a:r>
+              <a:rPr lang="en-US" sz="1300" dirty="0" err="1"/>
+              <a:t>tgt</a:t>
+            </a:r>
+            <a:r>
+              <a:rPr lang="en-US" sz="1300" dirty="0"/>
+              <a:t> is not in reached</a:t>
+            </a:r>
+          </a:p>
+          <a:p>
+            <a:pPr>
+              <a:spcBef>
+                <a:spcPts val="0"/>
+              </a:spcBef>
+            </a:pPr>
+            <a:r>
+              <a:rPr lang="en-US" sz="1300" dirty="0"/>
+              <a:t>    ;; RETURNS: true </a:t>
+            </a:r>
+            <a:r>
+              <a:rPr lang="en-US" sz="1300" dirty="0" err="1"/>
+              <a:t>iff</a:t>
+            </a:r>
+            <a:r>
+              <a:rPr lang="en-US" sz="1300" dirty="0"/>
+              <a:t> </a:t>
+            </a:r>
+            <a:r>
+              <a:rPr lang="en-US" sz="1300" dirty="0" err="1"/>
+              <a:t>tgt</a:t>
+            </a:r>
+            <a:r>
+              <a:rPr lang="en-US" sz="1300" dirty="0"/>
+              <a:t> is reachable from </a:t>
+            </a:r>
+            <a:r>
+              <a:rPr lang="en-US" sz="1300" dirty="0" err="1"/>
+              <a:t>src</a:t>
+            </a:r>
+            <a:r>
+              <a:rPr lang="en-US" sz="1300" dirty="0"/>
+              <a:t> in this graph.   </a:t>
+            </a:r>
+          </a:p>
+          <a:p>
+            <a:pPr>
+              <a:spcBef>
+                <a:spcPts val="0"/>
+              </a:spcBef>
+            </a:pPr>
+            <a:endParaRPr lang="en-US" sz="1300" b="1" dirty="0"/>
+          </a:p>
+          <a:p>
+            <a:pPr>
+              <a:spcBef>
+                <a:spcPts val="0"/>
+              </a:spcBef>
+            </a:pPr>
+            <a:r>
+              <a:rPr lang="en-US" sz="1300" b="1" dirty="0"/>
+              <a:t> </a:t>
+            </a:r>
+            <a:r>
+              <a:rPr lang="en-US" sz="1300" dirty="0"/>
+              <a:t>  (define/public (reachable-from? reached recent </a:t>
+            </a:r>
+            <a:r>
+              <a:rPr lang="en-US" sz="1300" dirty="0" err="1"/>
+              <a:t>tgt</a:t>
+            </a:r>
+            <a:r>
+              <a:rPr lang="en-US" sz="1300" dirty="0"/>
+              <a:t>)</a:t>
+            </a:r>
+          </a:p>
+          <a:p>
+            <a:pPr>
+              <a:spcBef>
+                <a:spcPts val="0"/>
+              </a:spcBef>
+            </a:pPr>
+            <a:r>
+              <a:rPr lang="en-US" sz="1300" dirty="0"/>
+              <a:t>     (cond</a:t>
+            </a:r>
+          </a:p>
+          <a:p>
+            <a:pPr>
+              <a:spcBef>
+                <a:spcPts val="0"/>
+              </a:spcBef>
+            </a:pPr>
+            <a:r>
+              <a:rPr lang="en-US" sz="1300" dirty="0"/>
+              <a:t>      [(member </a:t>
+            </a:r>
+            <a:r>
+              <a:rPr lang="en-US" sz="1300" dirty="0" err="1"/>
+              <a:t>tgt</a:t>
+            </a:r>
+            <a:r>
+              <a:rPr lang="en-US" sz="1300" dirty="0"/>
+              <a:t> recent) true]</a:t>
+            </a:r>
+          </a:p>
+          <a:p>
+            <a:pPr>
+              <a:spcBef>
+                <a:spcPts val="0"/>
+              </a:spcBef>
+            </a:pPr>
+            <a:r>
+              <a:rPr lang="en-US" sz="1300" dirty="0"/>
+              <a:t>      [(empty? recent) false]</a:t>
+            </a:r>
+          </a:p>
+          <a:p>
+            <a:pPr>
+              <a:spcBef>
+                <a:spcPts val="0"/>
+              </a:spcBef>
+            </a:pPr>
+            <a:r>
+              <a:rPr lang="en-US" sz="1300" dirty="0"/>
+              <a:t>      [else</a:t>
+            </a:r>
+          </a:p>
+          <a:p>
+            <a:pPr>
+              <a:spcBef>
+                <a:spcPts val="0"/>
+              </a:spcBef>
+            </a:pPr>
+            <a:r>
+              <a:rPr lang="en-US" sz="1300" dirty="0"/>
+              <a:t>       (local</a:t>
+            </a:r>
+          </a:p>
+          <a:p>
+            <a:pPr>
+              <a:spcBef>
+                <a:spcPts val="0"/>
+              </a:spcBef>
+            </a:pPr>
+            <a:r>
+              <a:rPr lang="en-US" sz="1300" dirty="0"/>
+              <a:t>           ((define next-reached (append recent reached))</a:t>
+            </a:r>
+          </a:p>
+          <a:p>
+            <a:pPr>
+              <a:spcBef>
+                <a:spcPts val="0"/>
+              </a:spcBef>
+            </a:pPr>
+            <a:r>
+              <a:rPr lang="en-US" sz="1300" dirty="0"/>
+              <a:t>            (define next-recent </a:t>
+            </a:r>
+          </a:p>
+          <a:p>
+            <a:pPr>
+              <a:spcBef>
+                <a:spcPts val="0"/>
+              </a:spcBef>
+            </a:pPr>
+            <a:r>
+              <a:rPr lang="en-US" sz="1300" dirty="0"/>
+              <a:t>              (set-diff (send this all-successors recent)</a:t>
+            </a:r>
+          </a:p>
+          <a:p>
+            <a:pPr>
+              <a:spcBef>
+                <a:spcPts val="0"/>
+              </a:spcBef>
+            </a:pPr>
+            <a:r>
+              <a:rPr lang="en-US" sz="1300" dirty="0"/>
+              <a:t>                        next-reached)))</a:t>
+            </a:r>
+          </a:p>
+          <a:p>
+            <a:pPr>
+              <a:spcBef>
+                <a:spcPts val="0"/>
+              </a:spcBef>
+            </a:pPr>
+            <a:r>
+              <a:rPr lang="en-US" sz="1300" dirty="0"/>
+              <a:t>         (reachable-from? next-reached next-recent </a:t>
+            </a:r>
+            <a:r>
+              <a:rPr lang="en-US" sz="1300" dirty="0" err="1"/>
+              <a:t>tgt</a:t>
+            </a:r>
+            <a:r>
+              <a:rPr lang="en-US" sz="1300" dirty="0"/>
+              <a:t> g))]))    </a:t>
+            </a:r>
+          </a:p>
+          <a:p>
+            <a:pPr>
+              <a:spcBef>
+                <a:spcPts val="0"/>
+              </a:spcBef>
+            </a:pPr>
+            <a:r>
+              <a:rPr lang="en-US" sz="1300" i="1" dirty="0"/>
+              <a:t>...etc...</a:t>
+            </a:r>
+          </a:p>
+          <a:p>
+            <a:pPr>
+              <a:spcBef>
+                <a:spcPts val="0"/>
+              </a:spcBef>
+            </a:pPr>
+            <a:r>
+              <a:rPr lang="en-US" sz="1300" dirty="0"/>
+              <a:t>                 </a:t>
+            </a:r>
           </a:p>
         </p:txBody>
       </p:sp>
@@ -9630,7 +9719,323 @@
           </a:p>
         </p:txBody>
       </p:sp>
+      <p:sp>
+        <p:nvSpPr>
+          <p:cNvPr id="5" name="Rectangle 4"/>
+          <p:cNvSpPr/>
+          <p:nvPr/>
+        </p:nvSpPr>
+        <p:spPr>
+          <a:xfrm>
+            <a:off x="5867400" y="4267200"/>
+            <a:ext cx="2895600" cy="2089150"/>
+          </a:xfrm>
+          <a:prstGeom prst="rect">
+            <a:avLst/>
+          </a:prstGeom>
+          <a:solidFill>
+            <a:schemeClr val="accent1">
+              <a:lumMod val="20000"/>
+              <a:lumOff val="80000"/>
+            </a:schemeClr>
+          </a:solidFill>
+          <a:ln>
+            <a:noFill/>
+          </a:ln>
+        </p:spPr>
+        <p:style>
+          <a:lnRef idx="2">
+            <a:schemeClr val="accent1"/>
+          </a:lnRef>
+          <a:fillRef idx="1">
+            <a:schemeClr val="lt1"/>
+          </a:fillRef>
+          <a:effectRef idx="0">
+            <a:schemeClr val="accent1"/>
+          </a:effectRef>
+          <a:fontRef idx="minor">
+            <a:schemeClr val="dk1"/>
+          </a:fontRef>
+        </p:style>
+        <p:txBody>
+          <a:bodyPr rot="0" spcFirstLastPara="0" vertOverflow="overflow" horzOverflow="overflow" vert="horz" wrap="square" lIns="91440" tIns="45720" rIns="91440" bIns="45720" numCol="1" spcCol="0" rtlCol="0" fromWordArt="0" anchor="t" anchorCtr="0" forceAA="0" compatLnSpc="1">
+            <a:prstTxWarp prst="textNoShape">
+              <a:avLst/>
+            </a:prstTxWarp>
+            <a:noAutofit/>
+          </a:bodyPr>
+          <a:lstStyle/>
+          <a:p>
+            <a:r>
+              <a:rPr lang="en-US" dirty="0"/>
+              <a:t>Here's </a:t>
+            </a:r>
+            <a:r>
+              <a:rPr lang="en-US" b="1" dirty="0"/>
+              <a:t>reachable-from? </a:t>
+            </a:r>
+            <a:r>
+              <a:rPr lang="en-US" dirty="0"/>
+              <a:t>as a method of a </a:t>
+            </a:r>
+            <a:r>
+              <a:rPr lang="en-US" b="1" dirty="0"/>
+              <a:t>Graph%</a:t>
+            </a:r>
+            <a:r>
+              <a:rPr lang="en-US" dirty="0"/>
+              <a:t> class.  It still uses general recursion, so we must document that fact, and also provide all the usual deliverables for general recursion.</a:t>
+            </a:r>
+          </a:p>
+        </p:txBody>
+      </p:sp>
+      <p:grpSp>
+        <p:nvGrpSpPr>
+          <p:cNvPr id="13" name="Group 12"/>
+          <p:cNvGrpSpPr/>
+          <p:nvPr/>
+        </p:nvGrpSpPr>
+        <p:grpSpPr>
+          <a:xfrm>
+            <a:off x="5410200" y="1778616"/>
+            <a:ext cx="3352800" cy="987117"/>
+            <a:chOff x="5410200" y="1778616"/>
+            <a:chExt cx="3352800" cy="987117"/>
+          </a:xfrm>
+        </p:grpSpPr>
+        <p:sp>
+          <p:nvSpPr>
+            <p:cNvPr id="6" name="Rectangle 5"/>
+            <p:cNvSpPr/>
+            <p:nvPr/>
+          </p:nvSpPr>
+          <p:spPr>
+            <a:xfrm>
+              <a:off x="6096000" y="1778616"/>
+              <a:ext cx="2667000" cy="400050"/>
+            </a:xfrm>
+            <a:prstGeom prst="rect">
+              <a:avLst/>
+            </a:prstGeom>
+            <a:solidFill>
+              <a:schemeClr val="accent1">
+                <a:lumMod val="20000"/>
+                <a:lumOff val="80000"/>
+              </a:schemeClr>
+            </a:solidFill>
+            <a:ln>
+              <a:noFill/>
+            </a:ln>
+          </p:spPr>
+          <p:style>
+            <a:lnRef idx="2">
+              <a:schemeClr val="accent1"/>
+            </a:lnRef>
+            <a:fillRef idx="1">
+              <a:schemeClr val="lt1"/>
+            </a:fillRef>
+            <a:effectRef idx="0">
+              <a:schemeClr val="accent1"/>
+            </a:effectRef>
+            <a:fontRef idx="minor">
+              <a:schemeClr val="dk1"/>
+            </a:fontRef>
+          </p:style>
+          <p:txBody>
+            <a:bodyPr rot="0" spcFirstLastPara="0" vertOverflow="overflow" horzOverflow="overflow" vert="horz" wrap="square" lIns="91440" tIns="45720" rIns="91440" bIns="45720" numCol="1" spcCol="0" rtlCol="0" fromWordArt="0" anchor="t" anchorCtr="0" forceAA="0" compatLnSpc="1">
+              <a:prstTxWarp prst="textNoShape">
+                <a:avLst/>
+              </a:prstTxWarp>
+              <a:noAutofit/>
+            </a:bodyPr>
+            <a:lstStyle/>
+            <a:p>
+              <a:pPr algn="ctr"/>
+              <a:r>
+                <a:rPr lang="en-US" sz="1400" dirty="0"/>
+                <a:t>We're talking about "this" graph</a:t>
+              </a:r>
+              <a:endParaRPr lang="en-US" dirty="0"/>
+            </a:p>
+          </p:txBody>
+        </p:sp>
+        <p:cxnSp>
+          <p:nvCxnSpPr>
+            <p:cNvPr id="8" name="Straight Arrow Connector 7"/>
+            <p:cNvCxnSpPr>
+              <a:stCxn id="6" idx="2"/>
+            </p:cNvCxnSpPr>
+            <p:nvPr/>
+          </p:nvCxnSpPr>
+          <p:spPr>
+            <a:xfrm flipH="1">
+              <a:off x="5410200" y="2178666"/>
+              <a:ext cx="2019300" cy="587067"/>
+            </a:xfrm>
+            <a:prstGeom prst="straightConnector1">
+              <a:avLst/>
+            </a:prstGeom>
+            <a:ln w="12700">
+              <a:solidFill>
+                <a:schemeClr val="tx1"/>
+              </a:solidFill>
+              <a:tailEnd type="arrow"/>
+            </a:ln>
+          </p:spPr>
+          <p:style>
+            <a:lnRef idx="1">
+              <a:schemeClr val="accent1"/>
+            </a:lnRef>
+            <a:fillRef idx="0">
+              <a:schemeClr val="accent1"/>
+            </a:fillRef>
+            <a:effectRef idx="0">
+              <a:schemeClr val="accent1"/>
+            </a:effectRef>
+            <a:fontRef idx="minor">
+              <a:schemeClr val="tx1"/>
+            </a:fontRef>
+          </p:style>
+        </p:cxnSp>
+      </p:grpSp>
+      <p:grpSp>
+        <p:nvGrpSpPr>
+          <p:cNvPr id="17" name="Group 16"/>
+          <p:cNvGrpSpPr/>
+          <p:nvPr/>
+        </p:nvGrpSpPr>
+        <p:grpSpPr>
+          <a:xfrm>
+            <a:off x="3581400" y="4469690"/>
+            <a:ext cx="5410200" cy="1347866"/>
+            <a:chOff x="1219200" y="4458043"/>
+            <a:chExt cx="5410200" cy="1347866"/>
+          </a:xfrm>
+        </p:grpSpPr>
+        <p:sp>
+          <p:nvSpPr>
+            <p:cNvPr id="10" name="Rectangle 9"/>
+            <p:cNvSpPr/>
+            <p:nvPr/>
+          </p:nvSpPr>
+          <p:spPr>
+            <a:xfrm>
+              <a:off x="2819400" y="4458043"/>
+              <a:ext cx="3810000" cy="913428"/>
+            </a:xfrm>
+            <a:prstGeom prst="rect">
+              <a:avLst/>
+            </a:prstGeom>
+            <a:solidFill>
+              <a:schemeClr val="accent1">
+                <a:lumMod val="20000"/>
+                <a:lumOff val="80000"/>
+              </a:schemeClr>
+            </a:solidFill>
+            <a:ln>
+              <a:noFill/>
+            </a:ln>
+          </p:spPr>
+          <p:style>
+            <a:lnRef idx="2">
+              <a:schemeClr val="accent1"/>
+            </a:lnRef>
+            <a:fillRef idx="1">
+              <a:schemeClr val="lt1"/>
+            </a:fillRef>
+            <a:effectRef idx="0">
+              <a:schemeClr val="accent1"/>
+            </a:effectRef>
+            <a:fontRef idx="minor">
+              <a:schemeClr val="dk1"/>
+            </a:fontRef>
+          </p:style>
+          <p:txBody>
+            <a:bodyPr rot="0" spcFirstLastPara="0" vertOverflow="overflow" horzOverflow="overflow" vert="horz" wrap="square" lIns="91440" tIns="45720" rIns="91440" bIns="45720" numCol="1" spcCol="0" rtlCol="0" fromWordArt="0" anchor="ctr" anchorCtr="0" forceAA="0" compatLnSpc="1">
+              <a:prstTxWarp prst="textNoShape">
+                <a:avLst/>
+              </a:prstTxWarp>
+              <a:noAutofit/>
+            </a:bodyPr>
+            <a:lstStyle/>
+            <a:p>
+              <a:pPr algn="ctr"/>
+              <a:r>
+                <a:rPr lang="en-US" sz="1400" dirty="0"/>
+                <a:t>Instead of saying </a:t>
+              </a:r>
+              <a:r>
+                <a:rPr lang="en-US" sz="1400" b="1" dirty="0"/>
+                <a:t>(all-successors recent graph) </a:t>
+              </a:r>
+              <a:r>
+                <a:rPr lang="en-US" sz="1400" dirty="0"/>
+                <a:t>, we made </a:t>
+              </a:r>
+              <a:r>
+                <a:rPr lang="en-US" sz="1400" b="1" dirty="0"/>
+                <a:t>all-successors</a:t>
+              </a:r>
+              <a:r>
+                <a:rPr lang="en-US" sz="1400" dirty="0"/>
+                <a:t> a method of </a:t>
+              </a:r>
+              <a:r>
+                <a:rPr lang="en-US" sz="1400" b="1" dirty="0"/>
+                <a:t>Graph% </a:t>
+              </a:r>
+              <a:r>
+                <a:rPr lang="en-US" sz="1400" dirty="0"/>
+                <a:t>, which will always work on “this” graph</a:t>
+              </a:r>
+            </a:p>
+          </p:txBody>
+        </p:sp>
+        <p:cxnSp>
+          <p:nvCxnSpPr>
+            <p:cNvPr id="14" name="Straight Arrow Connector 13"/>
+            <p:cNvCxnSpPr>
+              <a:stCxn id="10" idx="1"/>
+            </p:cNvCxnSpPr>
+            <p:nvPr/>
+          </p:nvCxnSpPr>
+          <p:spPr>
+            <a:xfrm flipH="1">
+              <a:off x="1219200" y="4914757"/>
+              <a:ext cx="1600200" cy="891152"/>
+            </a:xfrm>
+            <a:prstGeom prst="straightConnector1">
+              <a:avLst/>
+            </a:prstGeom>
+            <a:ln w="12700">
+              <a:solidFill>
+                <a:schemeClr val="tx1"/>
+              </a:solidFill>
+              <a:tailEnd type="arrow"/>
+            </a:ln>
+          </p:spPr>
+          <p:style>
+            <a:lnRef idx="1">
+              <a:schemeClr val="accent1"/>
+            </a:lnRef>
+            <a:fillRef idx="0">
+              <a:schemeClr val="accent1"/>
+            </a:fillRef>
+            <a:effectRef idx="0">
+              <a:schemeClr val="accent1"/>
+            </a:effectRef>
+            <a:fontRef idx="minor">
+              <a:schemeClr val="tx1"/>
+            </a:fontRef>
+          </p:style>
+        </p:cxnSp>
+      </p:grpSp>
     </p:spTree>
+    <p:extLst>
+      <p:ext uri="{BB962C8B-B14F-4D97-AF65-F5344CB8AC3E}">
+        <p14:creationId xmlns:p14="http://schemas.microsoft.com/office/powerpoint/2010/main" val="234265556"/>
+      </p:ext>
+    </p:extLst>
   </p:cSld>
   <p:clrMapOvr>
     <a:masterClrMapping/>
@@ -9638,9 +10043,185 @@
   <p:timing>
     <p:tnLst>
       <p:par>
-        <p:cTn id="1" dur="indefinite" restart="never" nodeType="tmRoot"/>
+        <p:cTn id="1" dur="indefinite" restart="never" nodeType="tmRoot">
+          <p:childTnLst>
+            <p:seq concurrent="1" nextAc="seek">
+              <p:cTn id="2" dur="indefinite" nodeType="mainSeq">
+                <p:childTnLst>
+                  <p:par>
+                    <p:cTn id="3" fill="hold">
+                      <p:stCondLst>
+                        <p:cond delay="indefinite"/>
+                      </p:stCondLst>
+                      <p:childTnLst>
+                        <p:par>
+                          <p:cTn id="4" fill="hold">
+                            <p:stCondLst>
+                              <p:cond delay="0"/>
+                            </p:stCondLst>
+                            <p:childTnLst>
+                              <p:par>
+                                <p:cTn id="5" presetID="10" presetClass="exit" presetSubtype="0" fill="hold" grpId="0" nodeType="clickEffect">
+                                  <p:stCondLst>
+                                    <p:cond delay="0"/>
+                                  </p:stCondLst>
+                                  <p:childTnLst>
+                                    <p:animEffect transition="out" filter="fade">
+                                      <p:cBhvr>
+                                        <p:cTn id="6" dur="500"/>
+                                        <p:tgtEl>
+                                          <p:spTgt spid="5"/>
+                                        </p:tgtEl>
+                                      </p:cBhvr>
+                                    </p:animEffect>
+                                    <p:set>
+                                      <p:cBhvr>
+                                        <p:cTn id="7" dur="1" fill="hold">
+                                          <p:stCondLst>
+                                            <p:cond delay="499"/>
+                                          </p:stCondLst>
+                                        </p:cTn>
+                                        <p:tgtEl>
+                                          <p:spTgt spid="5"/>
+                                        </p:tgtEl>
+                                        <p:attrNameLst>
+                                          <p:attrName>style.visibility</p:attrName>
+                                        </p:attrNameLst>
+                                      </p:cBhvr>
+                                      <p:to>
+                                        <p:strVal val="hidden"/>
+                                      </p:to>
+                                    </p:set>
+                                  </p:childTnLst>
+                                </p:cTn>
+                              </p:par>
+                            </p:childTnLst>
+                          </p:cTn>
+                        </p:par>
+                        <p:par>
+                          <p:cTn id="8" fill="hold">
+                            <p:stCondLst>
+                              <p:cond delay="500"/>
+                            </p:stCondLst>
+                            <p:childTnLst>
+                              <p:par>
+                                <p:cTn id="9" presetID="10" presetClass="entr" presetSubtype="0" fill="hold" nodeType="afterEffect">
+                                  <p:stCondLst>
+                                    <p:cond delay="0"/>
+                                  </p:stCondLst>
+                                  <p:childTnLst>
+                                    <p:set>
+                                      <p:cBhvr>
+                                        <p:cTn id="10" dur="1" fill="hold">
+                                          <p:stCondLst>
+                                            <p:cond delay="0"/>
+                                          </p:stCondLst>
+                                        </p:cTn>
+                                        <p:tgtEl>
+                                          <p:spTgt spid="13"/>
+                                        </p:tgtEl>
+                                        <p:attrNameLst>
+                                          <p:attrName>style.visibility</p:attrName>
+                                        </p:attrNameLst>
+                                      </p:cBhvr>
+                                      <p:to>
+                                        <p:strVal val="visible"/>
+                                      </p:to>
+                                    </p:set>
+                                    <p:animEffect transition="in" filter="fade">
+                                      <p:cBhvr>
+                                        <p:cTn id="11" dur="500"/>
+                                        <p:tgtEl>
+                                          <p:spTgt spid="13"/>
+                                        </p:tgtEl>
+                                      </p:cBhvr>
+                                    </p:animEffect>
+                                  </p:childTnLst>
+                                </p:cTn>
+                              </p:par>
+                            </p:childTnLst>
+                          </p:cTn>
+                        </p:par>
+                      </p:childTnLst>
+                    </p:cTn>
+                  </p:par>
+                  <p:par>
+                    <p:cTn id="12" fill="hold">
+                      <p:stCondLst>
+                        <p:cond delay="indefinite"/>
+                      </p:stCondLst>
+                      <p:childTnLst>
+                        <p:par>
+                          <p:cTn id="13" fill="hold">
+                            <p:stCondLst>
+                              <p:cond delay="0"/>
+                            </p:stCondLst>
+                            <p:childTnLst>
+                              <p:par>
+                                <p:cTn id="14" presetID="10" presetClass="entr" presetSubtype="0" fill="hold" nodeType="clickEffect">
+                                  <p:stCondLst>
+                                    <p:cond delay="0"/>
+                                  </p:stCondLst>
+                                  <p:childTnLst>
+                                    <p:set>
+                                      <p:cBhvr>
+                                        <p:cTn id="15" dur="1" fill="hold">
+                                          <p:stCondLst>
+                                            <p:cond delay="0"/>
+                                          </p:stCondLst>
+                                        </p:cTn>
+                                        <p:tgtEl>
+                                          <p:spTgt spid="17"/>
+                                        </p:tgtEl>
+                                        <p:attrNameLst>
+                                          <p:attrName>style.visibility</p:attrName>
+                                        </p:attrNameLst>
+                                      </p:cBhvr>
+                                      <p:to>
+                                        <p:strVal val="visible"/>
+                                      </p:to>
+                                    </p:set>
+                                    <p:animEffect transition="in" filter="fade">
+                                      <p:cBhvr>
+                                        <p:cTn id="16" dur="500"/>
+                                        <p:tgtEl>
+                                          <p:spTgt spid="17"/>
+                                        </p:tgtEl>
+                                      </p:cBhvr>
+                                    </p:animEffect>
+                                  </p:childTnLst>
+                                </p:cTn>
+                              </p:par>
+                            </p:childTnLst>
+                          </p:cTn>
+                        </p:par>
+                      </p:childTnLst>
+                    </p:cTn>
+                  </p:par>
+                </p:childTnLst>
+              </p:cTn>
+              <p:prevCondLst>
+                <p:cond evt="onPrev" delay="0">
+                  <p:tgtEl>
+                    <p:sldTgt/>
+                  </p:tgtEl>
+                </p:cond>
+              </p:prevCondLst>
+              <p:nextCondLst>
+                <p:cond evt="onNext" delay="0">
+                  <p:tgtEl>
+                    <p:sldTgt/>
+                  </p:tgtEl>
+                </p:cond>
+              </p:nextCondLst>
+            </p:seq>
+          </p:childTnLst>
+        </p:cTn>
       </p:par>
     </p:tnLst>
+    <p:bldLst>
+      <p:bldP spid="5" grpId="0" animBg="1"/>
+    </p:bldLst>
   </p:timing>
 </p:sld>
 </file>
@@ -9664,6 +10245,35 @@
       </p:grpSpPr>
       <p:sp>
         <p:nvSpPr>
+          <p:cNvPr id="2" name="Title 1"/>
+          <p:cNvSpPr>
+            <a:spLocks noGrp="1"/>
+          </p:cNvSpPr>
+          <p:nvPr>
+            <p:ph type="title"/>
+          </p:nvPr>
+        </p:nvSpPr>
+        <p:spPr/>
+        <p:txBody>
+          <a:bodyPr/>
+          <a:lstStyle/>
+          <a:p>
+            <a:r>
+              <a:rPr lang="en-US" dirty="0"/>
+              <a:t>Design Strategies turn into</a:t>
+            </a:r>
+            <a:r>
+              <a:rPr lang="en-US" dirty="0">
+                <a:sym typeface="Wingdings" pitchFamily="2" charset="2"/>
+              </a:rPr>
+              <a:t> Patterns</a:t>
+            </a:r>
+            <a:endParaRPr lang="en-US" dirty="0"/>
+          </a:p>
+        </p:txBody>
+      </p:sp>
+      <p:sp>
+        <p:nvSpPr>
           <p:cNvPr id="3" name="Content Placeholder 2"/>
           <p:cNvSpPr>
             <a:spLocks noGrp="1"/>
@@ -9672,47 +10282,59 @@
             <p:ph idx="1"/>
           </p:nvPr>
         </p:nvSpPr>
-        <p:spPr>
-          <a:xfrm>
-            <a:off x="457200" y="1600201"/>
-            <a:ext cx="8229600" cy="990600"/>
-          </a:xfrm>
-        </p:spPr>
+        <p:spPr/>
         <p:txBody>
           <a:bodyPr/>
           <a:lstStyle/>
           <a:p>
             <a:r>
-              <a:rPr lang="en-US" dirty="0" smtClean="0"/>
-              <a:t>Same as before:</a:t>
-            </a:r>
-          </a:p>
-          <a:p>
-            <a:pPr marL="457200" lvl="1" indent="0">
-              <a:buNone/>
-            </a:pPr>
-            <a:endParaRPr lang="en-US" dirty="0"/>
-          </a:p>
-        </p:txBody>
-      </p:sp>
-      <p:sp>
-        <p:nvSpPr>
-          <p:cNvPr id="2" name="Title 1"/>
-          <p:cNvSpPr>
-            <a:spLocks noGrp="1"/>
-          </p:cNvSpPr>
-          <p:nvPr>
-            <p:ph type="title"/>
-          </p:nvPr>
-        </p:nvSpPr>
-        <p:spPr/>
-        <p:txBody>
-          <a:bodyPr/>
-          <a:lstStyle/>
-          <a:p>
-            <a:r>
-              <a:rPr lang="en-US" dirty="0" smtClean="0"/>
-              <a:t>Step 6: Program Review</a:t>
+              <a:rPr lang="en-US" dirty="0"/>
+              <a:t>In OO world, the important design strategies are at the class level.</a:t>
+            </a:r>
+          </a:p>
+          <a:p>
+            <a:r>
+              <a:rPr lang="en-US" dirty="0"/>
+              <a:t>Examples:</a:t>
+            </a:r>
+          </a:p>
+          <a:p>
+            <a:pPr lvl="1"/>
+            <a:r>
+              <a:rPr lang="en-US" dirty="0">
+                <a:sym typeface="Wingdings" pitchFamily="2" charset="2"/>
+              </a:rPr>
+              <a:t>composite pattern (</a:t>
+            </a:r>
+            <a:r>
+              <a:rPr lang="en-US" dirty="0" err="1">
+                <a:sym typeface="Wingdings" pitchFamily="2" charset="2"/>
+              </a:rPr>
+              <a:t>eg</a:t>
+            </a:r>
+            <a:r>
+              <a:rPr lang="en-US" dirty="0">
+                <a:sym typeface="Wingdings" pitchFamily="2" charset="2"/>
+              </a:rPr>
+              <a:t>, composite shapes)</a:t>
+            </a:r>
+          </a:p>
+          <a:p>
+            <a:pPr lvl="1"/>
+            <a:r>
+              <a:rPr lang="en-US" dirty="0">
+                <a:sym typeface="Wingdings" pitchFamily="2" charset="2"/>
+              </a:rPr>
+              <a:t>container pattern (we'll use this shortly)</a:t>
+            </a:r>
+          </a:p>
+          <a:p>
+            <a:pPr lvl="1"/>
+            <a:r>
+              <a:rPr lang="en-US" dirty="0">
+                <a:sym typeface="Wingdings" pitchFamily="2" charset="2"/>
+              </a:rPr>
+              <a:t>template-and-hook pattern (later)</a:t>
             </a:r>
             <a:endParaRPr lang="en-US" dirty="0"/>
           </a:p>
@@ -9742,165 +10364,11 @@
           </a:p>
         </p:txBody>
       </p:sp>
-      <p:graphicFrame>
-        <p:nvGraphicFramePr>
-          <p:cNvPr id="5" name="Content Placeholder 3"/>
-          <p:cNvGraphicFramePr>
-            <a:graphicFrameLocks/>
-          </p:cNvGraphicFramePr>
-          <p:nvPr>
-            <p:extLst>
-              <p:ext uri="{D42A27DB-BD31-4B8C-83A1-F6EECF244321}">
-                <p14:modId xmlns:p14="http://schemas.microsoft.com/office/powerpoint/2010/main" val="1084465138"/>
-              </p:ext>
-            </p:extLst>
-          </p:nvPr>
-        </p:nvGraphicFramePr>
-        <p:xfrm>
-          <a:off x="990600" y="2279707"/>
-          <a:ext cx="7391400" cy="4387402"/>
-        </p:xfrm>
-        <a:graphic>
-          <a:graphicData uri="http://schemas.openxmlformats.org/drawingml/2006/table">
-            <a:tbl>
-              <a:tblPr firstRow="1" bandRow="1">
-                <a:tableStyleId>{5C22544A-7EE6-4342-B048-85BDC9FD1C3A}</a:tableStyleId>
-              </a:tblPr>
-              <a:tblGrid>
-                <a:gridCol w="7391400"/>
-              </a:tblGrid>
-              <a:tr h="353900">
-                <a:tc>
-                  <a:txBody>
-                    <a:bodyPr/>
-                    <a:lstStyle/>
-                    <a:p>
-                      <a:pPr algn="ctr"/>
-                      <a:r>
-                        <a:rPr lang="en-US" sz="3200" dirty="0" smtClean="0"/>
-                        <a:t>The Program Review Recipe</a:t>
-                      </a:r>
-                      <a:endParaRPr lang="en-US" sz="3200" dirty="0"/>
-                    </a:p>
-                  </a:txBody>
-                  <a:tcPr/>
-                </a:tc>
-              </a:tr>
-              <a:tr h="353900">
-                <a:tc>
-                  <a:txBody>
-                    <a:bodyPr/>
-                    <a:lstStyle/>
-                    <a:p>
-                      <a:pPr marL="0" indent="0">
-                        <a:buNone/>
-                      </a:pPr>
-                      <a:r>
-                        <a:rPr lang="en-US" sz="2400" dirty="0" smtClean="0"/>
-                        <a:t>1. Do all the tests pass?</a:t>
-                      </a:r>
-                      <a:endParaRPr lang="en-US" sz="2400" baseline="0" dirty="0" smtClean="0"/>
-                    </a:p>
-                  </a:txBody>
-                  <a:tcPr/>
-                </a:tc>
-              </a:tr>
-              <a:tr h="353900">
-                <a:tc>
-                  <a:txBody>
-                    <a:bodyPr/>
-                    <a:lstStyle/>
-                    <a:p>
-                      <a:r>
-                        <a:rPr lang="en-US" sz="2400" dirty="0" smtClean="0"/>
-                        <a:t>2. Are the contracts accurate?</a:t>
-                      </a:r>
-                      <a:endParaRPr lang="en-US" sz="2400" dirty="0"/>
-                    </a:p>
-                  </a:txBody>
-                  <a:tcPr/>
-                </a:tc>
-              </a:tr>
-              <a:tr h="651920">
-                <a:tc>
-                  <a:txBody>
-                    <a:bodyPr/>
-                    <a:lstStyle/>
-                    <a:p>
-                      <a:r>
-                        <a:rPr lang="en-US" sz="2400" dirty="0" smtClean="0"/>
-                        <a:t>3. Are the</a:t>
-                      </a:r>
-                      <a:r>
-                        <a:rPr lang="en-US" sz="2400" baseline="0" dirty="0" smtClean="0"/>
-                        <a:t> purpose statements and interpretations clear and accurate?</a:t>
-                      </a:r>
-                    </a:p>
-                  </a:txBody>
-                  <a:tcPr/>
-                </a:tc>
-              </a:tr>
-              <a:tr h="651920">
-                <a:tc>
-                  <a:txBody>
-                    <a:bodyPr/>
-                    <a:lstStyle/>
-                    <a:p>
-                      <a:r>
-                        <a:rPr lang="en-US" sz="2400" dirty="0" smtClean="0"/>
-                        <a:t>4. Are there ugly pieces of code that should be broken</a:t>
-                      </a:r>
-                      <a:r>
-                        <a:rPr lang="en-US" sz="2400" baseline="0" dirty="0" smtClean="0"/>
-                        <a:t> out into their own functions?</a:t>
-                      </a:r>
-                      <a:endParaRPr lang="en-US" sz="2400" dirty="0"/>
-                    </a:p>
-                  </a:txBody>
-                  <a:tcPr/>
-                </a:tc>
-              </a:tr>
-              <a:tr h="1247962">
-                <a:tc>
-                  <a:txBody>
-                    <a:bodyPr/>
-                    <a:lstStyle/>
-                    <a:p>
-                      <a:r>
-                        <a:rPr lang="en-US" sz="2400" dirty="0" smtClean="0"/>
-                        <a:t>5. Are there pieces of code</a:t>
-                      </a:r>
-                      <a:r>
-                        <a:rPr lang="en-US" sz="2400" baseline="0" dirty="0" smtClean="0"/>
-                        <a:t> that are duplicated (or almost duplicated) and should be made into independent functions?</a:t>
-                      </a:r>
-                      <a:endParaRPr lang="en-US" sz="2400" dirty="0"/>
-                    </a:p>
-                  </a:txBody>
-                  <a:tcPr/>
-                </a:tc>
-              </a:tr>
-            </a:tbl>
-          </a:graphicData>
-        </a:graphic>
-      </p:graphicFrame>
     </p:spTree>
-    <p:extLst>
-      <p:ext uri="{BB962C8B-B14F-4D97-AF65-F5344CB8AC3E}">
-        <p14:creationId xmlns:p14="http://schemas.microsoft.com/office/powerpoint/2010/main" val="2678270752"/>
-      </p:ext>
-    </p:extLst>
   </p:cSld>
   <p:clrMapOvr>
     <a:masterClrMapping/>
   </p:clrMapOvr>
-  <p:timing>
-    <p:tnLst>
-      <p:par>
-        <p:cTn id="1" dur="indefinite" restart="never" nodeType="tmRoot"/>
-      </p:par>
-    </p:tnLst>
-  </p:timing>
 </p:sld>
 </file>
 
@@ -9937,21 +10405,127 @@
           <a:lstStyle/>
           <a:p>
             <a:r>
-              <a:rPr lang="en-US" dirty="0" smtClean="0"/>
-              <a:t>Summary</a:t>
-            </a:r>
+              <a:rPr lang="en-US" dirty="0"/>
+              <a:t>Properties of a good OO design</a:t>
+            </a:r>
+          </a:p>
+        </p:txBody>
+      </p:sp>
+      <p:sp>
+        <p:nvSpPr>
+          <p:cNvPr id="3" name="Content Placeholder 2"/>
+          <p:cNvSpPr>
+            <a:spLocks noGrp="1"/>
+          </p:cNvSpPr>
+          <p:nvPr>
+            <p:ph idx="1"/>
+          </p:nvPr>
+        </p:nvSpPr>
+        <p:spPr/>
+        <p:txBody>
+          <a:bodyPr>
+            <a:normAutofit fontScale="77500" lnSpcReduction="20000"/>
+          </a:bodyPr>
+          <a:lstStyle/>
+          <a:p>
+            <a:r>
+              <a:rPr lang="en-US" dirty="0"/>
+              <a:t>One bundle of operations = one interface</a:t>
+            </a:r>
+          </a:p>
+          <a:p>
+            <a:pPr lvl="1"/>
+            <a:r>
+              <a:rPr lang="en-US" dirty="0"/>
+              <a:t>If the interface consists of two kinds of things, working on disjoint pieces of data, consider splitting it.</a:t>
+            </a:r>
+          </a:p>
+          <a:p>
+            <a:r>
+              <a:rPr lang="en-US" dirty="0"/>
+              <a:t>One </a:t>
+            </a:r>
+            <a:r>
+              <a:rPr lang="en-US" dirty="0" err="1"/>
+              <a:t>struct</a:t>
+            </a:r>
+            <a:r>
+              <a:rPr lang="en-US" dirty="0"/>
+              <a:t> = one class</a:t>
+            </a:r>
+          </a:p>
+          <a:p>
+            <a:r>
+              <a:rPr lang="en-US" dirty="0"/>
+              <a:t>Keep the interface as small as possible</a:t>
+            </a:r>
+          </a:p>
+          <a:p>
+            <a:r>
+              <a:rPr lang="en-US" dirty="0"/>
+              <a:t>Keep the operations near the data</a:t>
+            </a:r>
+          </a:p>
+          <a:p>
+            <a:r>
+              <a:rPr lang="en-US" dirty="0"/>
+              <a:t>Keep values local whenever possible</a:t>
+            </a:r>
+          </a:p>
+          <a:p>
+            <a:pPr lvl="1"/>
+            <a:r>
+              <a:rPr lang="en-US" dirty="0"/>
+              <a:t>use fields instead of </a:t>
+            </a:r>
+            <a:r>
+              <a:rPr lang="en-US" dirty="0" err="1"/>
+              <a:t>globals</a:t>
+            </a:r>
+            <a:r>
+              <a:rPr lang="en-US" dirty="0"/>
+              <a:t> when possible</a:t>
+            </a:r>
+          </a:p>
+          <a:p>
+            <a:r>
+              <a:rPr lang="en-US" dirty="0"/>
+              <a:t>All the other criteria of a good data design still hold</a:t>
+            </a:r>
+          </a:p>
+          <a:p>
+            <a:pPr lvl="1"/>
+            <a:r>
+              <a:rPr lang="en-US" dirty="0"/>
+              <a:t>need good contracts, purpose statements, and invariants</a:t>
+            </a:r>
+          </a:p>
+          <a:p>
+            <a:pPr lvl="1"/>
+            <a:r>
+              <a:rPr lang="en-US" dirty="0"/>
+              <a:t>If not every combination of values is meaningful, must write an invariant to document this.</a:t>
+            </a:r>
+          </a:p>
+          <a:p>
             <a:endParaRPr lang="en-US" dirty="0"/>
           </a:p>
-        </p:txBody>
-      </p:sp>
-      <p:sp>
-        <p:nvSpPr>
-          <p:cNvPr id="3" name="Content Placeholder 2"/>
-          <p:cNvSpPr>
-            <a:spLocks noGrp="1"/>
-          </p:cNvSpPr>
-          <p:nvPr>
-            <p:ph idx="1"/>
+          <a:p>
+            <a:endParaRPr lang="en-US" dirty="0"/>
+          </a:p>
+          <a:p>
+            <a:endParaRPr lang="en-US" dirty="0"/>
+          </a:p>
+        </p:txBody>
+      </p:sp>
+      <p:sp>
+        <p:nvSpPr>
+          <p:cNvPr id="4" name="Slide Number Placeholder 3"/>
+          <p:cNvSpPr>
+            <a:spLocks noGrp="1"/>
+          </p:cNvSpPr>
+          <p:nvPr>
+            <p:ph type="sldNum" sz="quarter" idx="12"/>
           </p:nvPr>
         </p:nvSpPr>
         <p:spPr/>
@@ -9959,58 +10533,79 @@
           <a:bodyPr/>
           <a:lstStyle/>
           <a:p>
-            <a:r>
-              <a:rPr lang="en-US" dirty="0" smtClean="0"/>
-              <a:t>The Design Recipe is still there, but the deliverables are in different places</a:t>
-            </a:r>
-          </a:p>
-          <a:p>
-            <a:r>
-              <a:rPr lang="en-US" dirty="0" smtClean="0"/>
-              <a:t>You should now be able to identify where each of the deliverables go in an object-oriented program</a:t>
-            </a:r>
-          </a:p>
-          <a:p>
-            <a:endParaRPr lang="en-US" dirty="0" smtClean="0"/>
-          </a:p>
-        </p:txBody>
-      </p:sp>
-      <p:sp>
-        <p:nvSpPr>
-          <p:cNvPr id="4" name="Slide Number Placeholder 3"/>
-          <p:cNvSpPr>
-            <a:spLocks noGrp="1"/>
-          </p:cNvSpPr>
-          <p:nvPr>
-            <p:ph type="sldNum" sz="quarter" idx="12"/>
-          </p:nvPr>
-        </p:nvSpPr>
-        <p:spPr/>
-        <p:txBody>
-          <a:bodyPr/>
-          <a:lstStyle/>
-          <a:p>
-            <a:fld id="{B6F15528-21DE-4FAA-801E-634DDDAF4B2B}" type="slidenum">
+            <a:fld id="{2AF3B5EA-18B6-4040-9F78-6052AF49C681}" type="slidenum">
               <a:rPr lang="en-US" smtClean="0"/>
-              <a:pPr/>
               <a:t>25</a:t>
             </a:fld>
             <a:endParaRPr lang="en-US"/>
           </a:p>
         </p:txBody>
       </p:sp>
+      <p:sp>
+        <p:nvSpPr>
+          <p:cNvPr id="6" name="Rectangle 5"/>
+          <p:cNvSpPr/>
+          <p:nvPr/>
+        </p:nvSpPr>
+        <p:spPr>
+          <a:xfrm>
+            <a:off x="6222083" y="2514600"/>
+            <a:ext cx="2795833" cy="1752600"/>
+          </a:xfrm>
+          <a:prstGeom prst="rect">
+            <a:avLst/>
+          </a:prstGeom>
+          <a:solidFill>
+            <a:schemeClr val="accent1">
+              <a:lumMod val="20000"/>
+              <a:lumOff val="80000"/>
+            </a:schemeClr>
+          </a:solidFill>
+          <a:ln>
+            <a:noFill/>
+          </a:ln>
+        </p:spPr>
+        <p:style>
+          <a:lnRef idx="2">
+            <a:schemeClr val="accent1"/>
+          </a:lnRef>
+          <a:fillRef idx="1">
+            <a:schemeClr val="lt1"/>
+          </a:fillRef>
+          <a:effectRef idx="0">
+            <a:schemeClr val="accent1"/>
+          </a:effectRef>
+          <a:fontRef idx="minor">
+            <a:schemeClr val="dk1"/>
+          </a:fontRef>
+        </p:style>
+        <p:txBody>
+          <a:bodyPr rot="0" spcFirstLastPara="0" vertOverflow="overflow" horzOverflow="overflow" vert="horz" wrap="square" lIns="91440" tIns="45720" rIns="91440" bIns="45720" numCol="1" spcCol="0" rtlCol="0" fromWordArt="0" anchor="t" anchorCtr="0" forceAA="0" compatLnSpc="1">
+            <a:prstTxWarp prst="textNoShape">
+              <a:avLst/>
+            </a:prstTxWarp>
+            <a:noAutofit/>
+          </a:bodyPr>
+          <a:lstStyle/>
+          <a:p>
+            <a:pPr algn="ctr"/>
+            <a:r>
+              <a:rPr lang="en-US" dirty="0"/>
+              <a:t>This is not a course in OO Design, but we can write down some general principles.  If you stray too far from these, that is an indication of a bad design</a:t>
+            </a:r>
+          </a:p>
+        </p:txBody>
+      </p:sp>
     </p:spTree>
+    <p:extLst>
+      <p:ext uri="{BB962C8B-B14F-4D97-AF65-F5344CB8AC3E}">
+        <p14:creationId xmlns:p14="http://schemas.microsoft.com/office/powerpoint/2010/main" val="1669603067"/>
+      </p:ext>
+    </p:extLst>
   </p:cSld>
   <p:clrMapOvr>
     <a:masterClrMapping/>
   </p:clrMapOvr>
-  <p:timing>
-    <p:tnLst>
-      <p:par>
-        <p:cTn id="1" dur="indefinite" restart="never" nodeType="tmRoot"/>
-      </p:par>
-    </p:tnLst>
-  </p:timing>
 </p:sld>
 </file>
 
@@ -10033,6 +10628,39 @@
       </p:grpSpPr>
       <p:sp>
         <p:nvSpPr>
+          <p:cNvPr id="3" name="Content Placeholder 2"/>
+          <p:cNvSpPr>
+            <a:spLocks noGrp="1"/>
+          </p:cNvSpPr>
+          <p:nvPr>
+            <p:ph idx="1"/>
+          </p:nvPr>
+        </p:nvSpPr>
+        <p:spPr>
+          <a:xfrm>
+            <a:off x="457200" y="1600201"/>
+            <a:ext cx="8229600" cy="990600"/>
+          </a:xfrm>
+        </p:spPr>
+        <p:txBody>
+          <a:bodyPr/>
+          <a:lstStyle/>
+          <a:p>
+            <a:r>
+              <a:rPr lang="en-US" dirty="0"/>
+              <a:t>Same as before, plus one more</a:t>
+            </a:r>
+          </a:p>
+          <a:p>
+            <a:pPr marL="457200" lvl="1" indent="0">
+              <a:buNone/>
+            </a:pPr>
+            <a:endParaRPr lang="en-US" dirty="0"/>
+          </a:p>
+        </p:txBody>
+      </p:sp>
+      <p:sp>
+        <p:nvSpPr>
           <p:cNvPr id="2" name="Title 1"/>
           <p:cNvSpPr>
             <a:spLocks noGrp="1"/>
@@ -10047,43 +10675,415 @@
           <a:lstStyle/>
           <a:p>
             <a:r>
-              <a:rPr lang="en-US" dirty="0" smtClean="0"/>
+              <a:rPr lang="en-US" dirty="0"/>
+              <a:t>Step 6: Program Review</a:t>
+            </a:r>
+          </a:p>
+        </p:txBody>
+      </p:sp>
+      <p:sp>
+        <p:nvSpPr>
+          <p:cNvPr id="4" name="Slide Number Placeholder 3"/>
+          <p:cNvSpPr>
+            <a:spLocks noGrp="1"/>
+          </p:cNvSpPr>
+          <p:nvPr>
+            <p:ph type="sldNum" sz="quarter" idx="12"/>
+          </p:nvPr>
+        </p:nvSpPr>
+        <p:spPr/>
+        <p:txBody>
+          <a:bodyPr/>
+          <a:lstStyle/>
+          <a:p>
+            <a:fld id="{B6F15528-21DE-4FAA-801E-634DDDAF4B2B}" type="slidenum">
+              <a:rPr lang="en-US" smtClean="0"/>
+              <a:pPr/>
+              <a:t>26</a:t>
+            </a:fld>
+            <a:endParaRPr lang="en-US"/>
+          </a:p>
+        </p:txBody>
+      </p:sp>
+      <p:graphicFrame>
+        <p:nvGraphicFramePr>
+          <p:cNvPr id="5" name="Content Placeholder 3"/>
+          <p:cNvGraphicFramePr>
+            <a:graphicFrameLocks/>
+          </p:cNvGraphicFramePr>
+          <p:nvPr>
+            <p:extLst>
+              <p:ext uri="{D42A27DB-BD31-4B8C-83A1-F6EECF244321}">
+                <p14:modId xmlns:p14="http://schemas.microsoft.com/office/powerpoint/2010/main" val="2638853013"/>
+              </p:ext>
+            </p:extLst>
+          </p:nvPr>
+        </p:nvGraphicFramePr>
+        <p:xfrm>
+          <a:off x="1524000" y="2209800"/>
+          <a:ext cx="6191839" cy="4437498"/>
+        </p:xfrm>
+        <a:graphic>
+          <a:graphicData uri="http://schemas.openxmlformats.org/drawingml/2006/table">
+            <a:tbl>
+              <a:tblPr firstRow="1" bandRow="1">
+                <a:tableStyleId>{5C22544A-7EE6-4342-B048-85BDC9FD1C3A}</a:tableStyleId>
+              </a:tblPr>
+              <a:tblGrid>
+                <a:gridCol w="6191839">
+                  <a:extLst>
+                    <a:ext uri="{9D8B030D-6E8A-4147-A177-3AD203B41FA5}">
+                      <a16:colId xmlns:a16="http://schemas.microsoft.com/office/drawing/2014/main" val="20000"/>
+                    </a:ext>
+                  </a:extLst>
+                </a:gridCol>
+              </a:tblGrid>
+              <a:tr h="492340">
+                <a:tc>
+                  <a:txBody>
+                    <a:bodyPr/>
+                    <a:lstStyle/>
+                    <a:p>
+                      <a:pPr algn="ctr"/>
+                      <a:r>
+                        <a:rPr lang="en-US" sz="2000" dirty="0"/>
+                        <a:t>The Program Review Recipe</a:t>
+                      </a:r>
+                    </a:p>
+                  </a:txBody>
+                  <a:tcPr/>
+                </a:tc>
+                <a:extLst>
+                  <a:ext uri="{0D108BD9-81ED-4DB2-BD59-A6C34878D82A}">
+                    <a16:rowId xmlns:a16="http://schemas.microsoft.com/office/drawing/2014/main" val="10000"/>
+                  </a:ext>
+                </a:extLst>
+              </a:tr>
+              <a:tr h="388690">
+                <a:tc>
+                  <a:txBody>
+                    <a:bodyPr/>
+                    <a:lstStyle/>
+                    <a:p>
+                      <a:pPr marL="0" indent="0">
+                        <a:buNone/>
+                      </a:pPr>
+                      <a:r>
+                        <a:rPr lang="en-US" sz="2000" dirty="0"/>
+                        <a:t>1. Do all the tests pass?</a:t>
+                      </a:r>
+                      <a:endParaRPr lang="en-US" sz="2000" baseline="0" dirty="0"/>
+                    </a:p>
+                  </a:txBody>
+                  <a:tcPr/>
+                </a:tc>
+                <a:extLst>
+                  <a:ext uri="{0D108BD9-81ED-4DB2-BD59-A6C34878D82A}">
+                    <a16:rowId xmlns:a16="http://schemas.microsoft.com/office/drawing/2014/main" val="10001"/>
+                  </a:ext>
+                </a:extLst>
+              </a:tr>
+              <a:tr h="388690">
+                <a:tc>
+                  <a:txBody>
+                    <a:bodyPr/>
+                    <a:lstStyle/>
+                    <a:p>
+                      <a:r>
+                        <a:rPr lang="en-US" sz="2000" dirty="0"/>
+                        <a:t>2. Are the contracts accurate?</a:t>
+                      </a:r>
+                    </a:p>
+                  </a:txBody>
+                  <a:tcPr/>
+                </a:tc>
+                <a:extLst>
+                  <a:ext uri="{0D108BD9-81ED-4DB2-BD59-A6C34878D82A}">
+                    <a16:rowId xmlns:a16="http://schemas.microsoft.com/office/drawing/2014/main" val="10002"/>
+                  </a:ext>
+                </a:extLst>
+              </a:tr>
+              <a:tr h="699641">
+                <a:tc>
+                  <a:txBody>
+                    <a:bodyPr/>
+                    <a:lstStyle/>
+                    <a:p>
+                      <a:r>
+                        <a:rPr lang="en-US" sz="2000" dirty="0"/>
+                        <a:t>3. Are the</a:t>
+                      </a:r>
+                      <a:r>
+                        <a:rPr lang="en-US" sz="2000" baseline="0" dirty="0"/>
+                        <a:t> purpose statements and interpretations clear and accurate?</a:t>
+                      </a:r>
+                    </a:p>
+                  </a:txBody>
+                  <a:tcPr/>
+                </a:tc>
+                <a:extLst>
+                  <a:ext uri="{0D108BD9-81ED-4DB2-BD59-A6C34878D82A}">
+                    <a16:rowId xmlns:a16="http://schemas.microsoft.com/office/drawing/2014/main" val="10003"/>
+                  </a:ext>
+                </a:extLst>
+              </a:tr>
+              <a:tr h="699641">
+                <a:tc>
+                  <a:txBody>
+                    <a:bodyPr/>
+                    <a:lstStyle/>
+                    <a:p>
+                      <a:r>
+                        <a:rPr lang="en-US" sz="2000" dirty="0"/>
+                        <a:t>4. Are there ugly pieces of code that should be broken</a:t>
+                      </a:r>
+                      <a:r>
+                        <a:rPr lang="en-US" sz="2000" baseline="0" dirty="0"/>
+                        <a:t> out into their own functions?</a:t>
+                      </a:r>
+                      <a:endParaRPr lang="en-US" sz="2000" dirty="0"/>
+                    </a:p>
+                  </a:txBody>
+                  <a:tcPr/>
+                </a:tc>
+                <a:extLst>
+                  <a:ext uri="{0D108BD9-81ED-4DB2-BD59-A6C34878D82A}">
+                    <a16:rowId xmlns:a16="http://schemas.microsoft.com/office/drawing/2014/main" val="10004"/>
+                  </a:ext>
+                </a:extLst>
+              </a:tr>
+              <a:tr h="1010593">
+                <a:tc>
+                  <a:txBody>
+                    <a:bodyPr/>
+                    <a:lstStyle/>
+                    <a:p>
+                      <a:r>
+                        <a:rPr lang="en-US" sz="2000" dirty="0"/>
+                        <a:t>5. Are there pieces of code</a:t>
+                      </a:r>
+                      <a:r>
+                        <a:rPr lang="en-US" sz="2000" baseline="0" dirty="0"/>
+                        <a:t> that are duplicated (or almost duplicated) and should be made into independent functions?</a:t>
+                      </a:r>
+                    </a:p>
+                  </a:txBody>
+                  <a:tcPr/>
+                </a:tc>
+                <a:extLst>
+                  <a:ext uri="{0D108BD9-81ED-4DB2-BD59-A6C34878D82A}">
+                    <a16:rowId xmlns:a16="http://schemas.microsoft.com/office/drawing/2014/main" val="10005"/>
+                  </a:ext>
+                </a:extLst>
+              </a:tr>
+              <a:tr h="740005">
+                <a:tc>
+                  <a:txBody>
+                    <a:bodyPr/>
+                    <a:lstStyle/>
+                    <a:p>
+                      <a:r>
+                        <a:rPr lang="en-US" sz="2000" baseline="0" dirty="0"/>
+                        <a:t>6. Does your design follow the Principles of a Good OO Design (on the preceding slide)?</a:t>
+                      </a:r>
+                    </a:p>
+                  </a:txBody>
+                  <a:tcPr/>
+                </a:tc>
+                <a:extLst>
+                  <a:ext uri="{0D108BD9-81ED-4DB2-BD59-A6C34878D82A}">
+                    <a16:rowId xmlns:a16="http://schemas.microsoft.com/office/drawing/2014/main" val="2026371683"/>
+                  </a:ext>
+                </a:extLst>
+              </a:tr>
+            </a:tbl>
+          </a:graphicData>
+        </a:graphic>
+      </p:graphicFrame>
+    </p:spTree>
+    <p:extLst>
+      <p:ext uri="{BB962C8B-B14F-4D97-AF65-F5344CB8AC3E}">
+        <p14:creationId xmlns:p14="http://schemas.microsoft.com/office/powerpoint/2010/main" val="2678270752"/>
+      </p:ext>
+    </p:extLst>
+  </p:cSld>
+  <p:clrMapOvr>
+    <a:masterClrMapping/>
+  </p:clrMapOvr>
+</p:sld>
+</file>
+
+<file path=ppt/slides/slide27.xml><?xml version="1.0" encoding="utf-8"?>
+<p:sld xmlns:a="http://schemas.openxmlformats.org/drawingml/2006/main" xmlns:r="http://schemas.openxmlformats.org/officeDocument/2006/relationships" xmlns:p="http://schemas.openxmlformats.org/presentationml/2006/main">
+  <p:cSld>
+    <p:spTree>
+      <p:nvGrpSpPr>
+        <p:cNvPr id="1" name=""/>
+        <p:cNvGrpSpPr/>
+        <p:nvPr/>
+      </p:nvGrpSpPr>
+      <p:grpSpPr>
+        <a:xfrm>
+          <a:off x="0" y="0"/>
+          <a:ext cx="0" cy="0"/>
+          <a:chOff x="0" y="0"/>
+          <a:chExt cx="0" cy="0"/>
+        </a:xfrm>
+      </p:grpSpPr>
+      <p:sp>
+        <p:nvSpPr>
+          <p:cNvPr id="2" name="Title 1"/>
+          <p:cNvSpPr>
+            <a:spLocks noGrp="1"/>
+          </p:cNvSpPr>
+          <p:nvPr>
+            <p:ph type="title"/>
+          </p:nvPr>
+        </p:nvSpPr>
+        <p:spPr/>
+        <p:txBody>
+          <a:bodyPr/>
+          <a:lstStyle/>
+          <a:p>
+            <a:r>
+              <a:rPr lang="en-US" dirty="0"/>
+              <a:t>Summary</a:t>
+            </a:r>
+          </a:p>
+        </p:txBody>
+      </p:sp>
+      <p:sp>
+        <p:nvSpPr>
+          <p:cNvPr id="3" name="Content Placeholder 2"/>
+          <p:cNvSpPr>
+            <a:spLocks noGrp="1"/>
+          </p:cNvSpPr>
+          <p:nvPr>
+            <p:ph idx="1"/>
+          </p:nvPr>
+        </p:nvSpPr>
+        <p:spPr/>
+        <p:txBody>
+          <a:bodyPr/>
+          <a:lstStyle/>
+          <a:p>
+            <a:r>
+              <a:rPr lang="en-US" dirty="0"/>
+              <a:t>The Design Recipe is still there, but the deliverables are in different places</a:t>
+            </a:r>
+          </a:p>
+          <a:p>
+            <a:r>
+              <a:rPr lang="en-US" dirty="0"/>
+              <a:t>You should now be able to identify where each of the deliverables go in an object-oriented program</a:t>
+            </a:r>
+          </a:p>
+          <a:p>
+            <a:endParaRPr lang="en-US" dirty="0"/>
+          </a:p>
+        </p:txBody>
+      </p:sp>
+      <p:sp>
+        <p:nvSpPr>
+          <p:cNvPr id="4" name="Slide Number Placeholder 3"/>
+          <p:cNvSpPr>
+            <a:spLocks noGrp="1"/>
+          </p:cNvSpPr>
+          <p:nvPr>
+            <p:ph type="sldNum" sz="quarter" idx="12"/>
+          </p:nvPr>
+        </p:nvSpPr>
+        <p:spPr/>
+        <p:txBody>
+          <a:bodyPr/>
+          <a:lstStyle/>
+          <a:p>
+            <a:fld id="{B6F15528-21DE-4FAA-801E-634DDDAF4B2B}" type="slidenum">
+              <a:rPr lang="en-US" smtClean="0"/>
+              <a:pPr/>
+              <a:t>27</a:t>
+            </a:fld>
+            <a:endParaRPr lang="en-US"/>
+          </a:p>
+        </p:txBody>
+      </p:sp>
+    </p:spTree>
+  </p:cSld>
+  <p:clrMapOvr>
+    <a:masterClrMapping/>
+  </p:clrMapOvr>
+</p:sld>
+</file>
+
+<file path=ppt/slides/slide28.xml><?xml version="1.0" encoding="utf-8"?>
+<p:sld xmlns:a="http://schemas.openxmlformats.org/drawingml/2006/main" xmlns:r="http://schemas.openxmlformats.org/officeDocument/2006/relationships" xmlns:p="http://schemas.openxmlformats.org/presentationml/2006/main">
+  <p:cSld>
+    <p:spTree>
+      <p:nvGrpSpPr>
+        <p:cNvPr id="1" name=""/>
+        <p:cNvGrpSpPr/>
+        <p:nvPr/>
+      </p:nvGrpSpPr>
+      <p:grpSpPr>
+        <a:xfrm>
+          <a:off x="0" y="0"/>
+          <a:ext cx="0" cy="0"/>
+          <a:chOff x="0" y="0"/>
+          <a:chExt cx="0" cy="0"/>
+        </a:xfrm>
+      </p:grpSpPr>
+      <p:sp>
+        <p:nvSpPr>
+          <p:cNvPr id="2" name="Title 1"/>
+          <p:cNvSpPr>
+            <a:spLocks noGrp="1"/>
+          </p:cNvSpPr>
+          <p:nvPr>
+            <p:ph type="title"/>
+          </p:nvPr>
+        </p:nvSpPr>
+        <p:spPr/>
+        <p:txBody>
+          <a:bodyPr/>
+          <a:lstStyle/>
+          <a:p>
+            <a:r>
+              <a:rPr lang="en-US" dirty="0"/>
               <a:t>Next Steps</a:t>
             </a:r>
+          </a:p>
+        </p:txBody>
+      </p:sp>
+      <p:sp>
+        <p:nvSpPr>
+          <p:cNvPr id="3" name="Content Placeholder 2"/>
+          <p:cNvSpPr>
+            <a:spLocks noGrp="1"/>
+          </p:cNvSpPr>
+          <p:nvPr>
+            <p:ph idx="1"/>
+          </p:nvPr>
+        </p:nvSpPr>
+        <p:spPr/>
+        <p:txBody>
+          <a:bodyPr/>
+          <a:lstStyle/>
+          <a:p>
+            <a:r>
+              <a:rPr lang="en-US" dirty="0"/>
+              <a:t>Study the files in the Examples folder.  Did we get all the deliverables in the right places?</a:t>
+            </a:r>
+          </a:p>
+          <a:p>
+            <a:r>
+              <a:rPr lang="en-US" dirty="0"/>
+              <a:t>If you have questions about this lesson, ask them on the </a:t>
+            </a:r>
+            <a:r>
+              <a:rPr lang="en-US"/>
+              <a:t>Discussion Board.</a:t>
+            </a:r>
             <a:endParaRPr lang="en-US" dirty="0"/>
-          </a:p>
-        </p:txBody>
-      </p:sp>
-      <p:sp>
-        <p:nvSpPr>
-          <p:cNvPr id="3" name="Content Placeholder 2"/>
-          <p:cNvSpPr>
-            <a:spLocks noGrp="1"/>
-          </p:cNvSpPr>
-          <p:nvPr>
-            <p:ph idx="1"/>
-          </p:nvPr>
-        </p:nvSpPr>
-        <p:spPr/>
-        <p:txBody>
-          <a:bodyPr/>
-          <a:lstStyle/>
-          <a:p>
-            <a:r>
-              <a:rPr lang="en-US" dirty="0" smtClean="0"/>
-              <a:t>Study the files in the Examples folder.  Did we get all the deliverables in the right places?</a:t>
-            </a:r>
-          </a:p>
-          <a:p>
-            <a:r>
-              <a:rPr lang="en-US" dirty="0" smtClean="0"/>
-              <a:t>If you have questions about this lesson, ask them on the </a:t>
-            </a:r>
-            <a:r>
-              <a:rPr lang="en-US" smtClean="0"/>
-              <a:t>Discussion Board.</a:t>
-            </a:r>
-            <a:endParaRPr lang="en-US" dirty="0" smtClean="0"/>
           </a:p>
         </p:txBody>
       </p:sp>
@@ -10104,7 +11104,7 @@
           <a:p>
             <a:fld id="{2AF3B5EA-18B6-4040-9F78-6052AF49C681}" type="slidenum">
               <a:rPr lang="en-US" smtClean="0"/>
-              <a:t>26</a:t>
+              <a:t>28</a:t>
             </a:fld>
             <a:endParaRPr lang="en-US"/>
           </a:p>
@@ -10120,13 +11120,6 @@
   <p:clrMapOvr>
     <a:masterClrMapping/>
   </p:clrMapOvr>
-  <p:timing>
-    <p:tnLst>
-      <p:par>
-        <p:cTn id="1" dur="indefinite" restart="never" nodeType="tmRoot"/>
-      </p:par>
-    </p:tnLst>
-  </p:timing>
 </p:sld>
 </file>
 
@@ -10163,10 +11156,9 @@
           <a:lstStyle/>
           <a:p>
             <a:r>
-              <a:rPr lang="en-US" dirty="0" smtClean="0"/>
+              <a:rPr lang="en-US" dirty="0"/>
               <a:t>Let's review the Design Recipe</a:t>
             </a:r>
-            <a:endParaRPr lang="en-US" dirty="0"/>
           </a:p>
         </p:txBody>
       </p:sp>
@@ -10238,7 +11230,13 @@
                 <a:tableStyleId>{5C22544A-7EE6-4342-B048-85BDC9FD1C3A}</a:tableStyleId>
               </a:tblPr>
               <a:tblGrid>
-                <a:gridCol w="8229600"/>
+                <a:gridCol w="8229600">
+                  <a:extLst>
+                    <a:ext uri="{9D8B030D-6E8A-4147-A177-3AD203B41FA5}">
+                      <a16:colId xmlns:a16="http://schemas.microsoft.com/office/drawing/2014/main" val="20000"/>
+                    </a:ext>
+                  </a:extLst>
+                </a:gridCol>
               </a:tblGrid>
               <a:tr h="370840">
                 <a:tc>
@@ -10248,14 +11246,18 @@
                     <a:p>
                       <a:pPr algn="ctr"/>
                       <a:r>
-                        <a:rPr lang="en-US" sz="3200" dirty="0" smtClean="0"/>
+                        <a:rPr lang="en-US" sz="3200" dirty="0"/>
                         <a:t>The Function Design Recipe</a:t>
                       </a:r>
-                      <a:endParaRPr lang="en-US" sz="3200" dirty="0"/>
                     </a:p>
                   </a:txBody>
                   <a:tcPr/>
                 </a:tc>
+                <a:extLst>
+                  <a:ext uri="{0D108BD9-81ED-4DB2-BD59-A6C34878D82A}">
+                    <a16:rowId xmlns:a16="http://schemas.microsoft.com/office/drawing/2014/main" val="10000"/>
+                  </a:ext>
+                </a:extLst>
               </a:tr>
               <a:tr h="370840">
                 <a:tc>
@@ -10264,14 +11266,18 @@
                     <a:lstStyle/>
                     <a:p>
                       <a:r>
-                        <a:rPr lang="en-US" sz="3200" dirty="0" smtClean="0"/>
+                        <a:rPr lang="en-US" sz="3200" dirty="0"/>
                         <a:t>1. Data Design</a:t>
                       </a:r>
-                      <a:endParaRPr lang="en-US" sz="3200" dirty="0"/>
                     </a:p>
                   </a:txBody>
                   <a:tcPr/>
                 </a:tc>
+                <a:extLst>
+                  <a:ext uri="{0D108BD9-81ED-4DB2-BD59-A6C34878D82A}">
+                    <a16:rowId xmlns:a16="http://schemas.microsoft.com/office/drawing/2014/main" val="10001"/>
+                  </a:ext>
+                </a:extLst>
               </a:tr>
               <a:tr h="370840">
                 <a:tc>
@@ -10280,14 +11286,18 @@
                     <a:lstStyle/>
                     <a:p>
                       <a:r>
-                        <a:rPr lang="en-US" sz="3200" dirty="0" smtClean="0"/>
+                        <a:rPr lang="en-US" sz="3200" dirty="0"/>
                         <a:t>2. Contract and Purpose Statement</a:t>
                       </a:r>
-                      <a:endParaRPr lang="en-US" sz="3200" dirty="0"/>
                     </a:p>
                   </a:txBody>
                   <a:tcPr/>
                 </a:tc>
+                <a:extLst>
+                  <a:ext uri="{0D108BD9-81ED-4DB2-BD59-A6C34878D82A}">
+                    <a16:rowId xmlns:a16="http://schemas.microsoft.com/office/drawing/2014/main" val="10002"/>
+                  </a:ext>
+                </a:extLst>
               </a:tr>
               <a:tr h="370840">
                 <a:tc>
@@ -10296,11 +11306,11 @@
                     <a:lstStyle/>
                     <a:p>
                       <a:r>
-                        <a:rPr lang="en-US" sz="3200" dirty="0" smtClean="0"/>
+                        <a:rPr lang="en-US" sz="3200" dirty="0"/>
                         <a:t>3.</a:t>
                       </a:r>
                       <a:r>
-                        <a:rPr lang="en-US" sz="3200" baseline="0" dirty="0" smtClean="0"/>
+                        <a:rPr lang="en-US" sz="3200" baseline="0" dirty="0"/>
                         <a:t> Examples and Tests</a:t>
                       </a:r>
                       <a:endParaRPr lang="en-US" sz="3200" dirty="0"/>
@@ -10308,6 +11318,11 @@
                   </a:txBody>
                   <a:tcPr/>
                 </a:tc>
+                <a:extLst>
+                  <a:ext uri="{0D108BD9-81ED-4DB2-BD59-A6C34878D82A}">
+                    <a16:rowId xmlns:a16="http://schemas.microsoft.com/office/drawing/2014/main" val="10003"/>
+                  </a:ext>
+                </a:extLst>
               </a:tr>
               <a:tr h="370840">
                 <a:tc>
@@ -10316,13 +11331,18 @@
                     <a:lstStyle/>
                     <a:p>
                       <a:r>
-                        <a:rPr lang="en-US" sz="3200" dirty="0" smtClean="0"/>
+                        <a:rPr lang="en-US" sz="3200" dirty="0"/>
                         <a:t>4. Design Strategy</a:t>
                       </a:r>
                     </a:p>
                   </a:txBody>
                   <a:tcPr/>
                 </a:tc>
+                <a:extLst>
+                  <a:ext uri="{0D108BD9-81ED-4DB2-BD59-A6C34878D82A}">
+                    <a16:rowId xmlns:a16="http://schemas.microsoft.com/office/drawing/2014/main" val="10004"/>
+                  </a:ext>
+                </a:extLst>
               </a:tr>
               <a:tr h="370840">
                 <a:tc>
@@ -10331,14 +11351,18 @@
                     <a:lstStyle/>
                     <a:p>
                       <a:r>
-                        <a:rPr lang="en-US" sz="3200" dirty="0" smtClean="0"/>
+                        <a:rPr lang="en-US" sz="3200" dirty="0"/>
                         <a:t>5. Function Definition</a:t>
                       </a:r>
-                      <a:endParaRPr lang="en-US" sz="3200" dirty="0"/>
                     </a:p>
                   </a:txBody>
                   <a:tcPr/>
                 </a:tc>
+                <a:extLst>
+                  <a:ext uri="{0D108BD9-81ED-4DB2-BD59-A6C34878D82A}">
+                    <a16:rowId xmlns:a16="http://schemas.microsoft.com/office/drawing/2014/main" val="10005"/>
+                  </a:ext>
+                </a:extLst>
               </a:tr>
               <a:tr h="370840">
                 <a:tc>
@@ -10347,11 +11371,11 @@
                     <a:lstStyle/>
                     <a:p>
                       <a:r>
-                        <a:rPr lang="en-US" sz="3200" dirty="0" smtClean="0"/>
+                        <a:rPr lang="en-US" sz="3200" dirty="0"/>
                         <a:t>6. Program</a:t>
                       </a:r>
                       <a:r>
-                        <a:rPr lang="en-US" sz="3200" baseline="0" dirty="0" smtClean="0"/>
+                        <a:rPr lang="en-US" sz="3200" baseline="0" dirty="0"/>
                         <a:t> Review</a:t>
                       </a:r>
                       <a:endParaRPr lang="en-US" sz="3200" dirty="0"/>
@@ -10359,6 +11383,11 @@
                   </a:txBody>
                   <a:tcPr/>
                 </a:tc>
+                <a:extLst>
+                  <a:ext uri="{0D108BD9-81ED-4DB2-BD59-A6C34878D82A}">
+                    <a16:rowId xmlns:a16="http://schemas.microsoft.com/office/drawing/2014/main" val="10006"/>
+                  </a:ext>
+                </a:extLst>
               </a:tr>
             </a:tbl>
           </a:graphicData>
@@ -10369,13 +11398,6 @@
   <p:clrMapOvr>
     <a:masterClrMapping/>
   </p:clrMapOvr>
-  <p:timing>
-    <p:tnLst>
-      <p:par>
-        <p:cTn id="1" dur="indefinite" restart="never" nodeType="tmRoot"/>
-      </p:par>
-    </p:tnLst>
-  </p:timing>
 </p:sld>
 </file>
 
@@ -10414,10 +11436,9 @@
           <a:lstStyle/>
           <a:p>
             <a:r>
-              <a:rPr lang="en-US" dirty="0" smtClean="0"/>
+              <a:rPr lang="en-US" dirty="0"/>
               <a:t>In an OO system, the steps are a little different, but they are all there</a:t>
             </a:r>
-            <a:endParaRPr lang="en-US" dirty="0"/>
           </a:p>
         </p:txBody>
       </p:sp>
@@ -10447,8 +11468,20 @@
                 <a:tableStyleId>{5C22544A-7EE6-4342-B048-85BDC9FD1C3A}</a:tableStyleId>
               </a:tblPr>
               <a:tblGrid>
-                <a:gridCol w="4114800"/>
-                <a:gridCol w="4114800"/>
+                <a:gridCol w="4114800">
+                  <a:extLst>
+                    <a:ext uri="{9D8B030D-6E8A-4147-A177-3AD203B41FA5}">
+                      <a16:colId xmlns:a16="http://schemas.microsoft.com/office/drawing/2014/main" val="20000"/>
+                    </a:ext>
+                  </a:extLst>
+                </a:gridCol>
+                <a:gridCol w="4114800">
+                  <a:extLst>
+                    <a:ext uri="{9D8B030D-6E8A-4147-A177-3AD203B41FA5}">
+                      <a16:colId xmlns:a16="http://schemas.microsoft.com/office/drawing/2014/main" val="20001"/>
+                    </a:ext>
+                  </a:extLst>
+                </a:gridCol>
               </a:tblGrid>
               <a:tr h="370840">
                 <a:tc gridSpan="2">
@@ -10458,10 +11491,9 @@
                     <a:p>
                       <a:pPr algn="ctr"/>
                       <a:r>
-                        <a:rPr lang="en-US" sz="2400" dirty="0" smtClean="0"/>
+                        <a:rPr lang="en-US" sz="2400" dirty="0"/>
                         <a:t>The Object-Oriented Design Recipe</a:t>
                       </a:r>
-                      <a:endParaRPr lang="en-US" sz="2400" dirty="0"/>
                     </a:p>
                   </a:txBody>
                   <a:tcPr/>
@@ -10476,6 +11508,11 @@
                   </a:txBody>
                   <a:tcPr/>
                 </a:tc>
+                <a:extLst>
+                  <a:ext uri="{0D108BD9-81ED-4DB2-BD59-A6C34878D82A}">
+                    <a16:rowId xmlns:a16="http://schemas.microsoft.com/office/drawing/2014/main" val="10000"/>
+                  </a:ext>
+                </a:extLst>
               </a:tr>
               <a:tr h="370840">
                 <a:tc>
@@ -10484,10 +11521,9 @@
                     <a:lstStyle/>
                     <a:p>
                       <a:r>
-                        <a:rPr lang="en-US" b="1" dirty="0" smtClean="0"/>
+                        <a:rPr lang="en-US" b="1" dirty="0"/>
                         <a:t>Step</a:t>
                       </a:r>
-                      <a:endParaRPr lang="en-US" b="1" dirty="0"/>
                     </a:p>
                   </a:txBody>
                   <a:tcPr/>
@@ -10498,14 +11534,18 @@
                     <a:lstStyle/>
                     <a:p>
                       <a:r>
-                        <a:rPr lang="en-US" b="1" dirty="0" smtClean="0"/>
+                        <a:rPr lang="en-US" b="1" dirty="0"/>
                         <a:t>Description</a:t>
                       </a:r>
-                      <a:endParaRPr lang="en-US" b="1" dirty="0"/>
                     </a:p>
                   </a:txBody>
                   <a:tcPr/>
                 </a:tc>
+                <a:extLst>
+                  <a:ext uri="{0D108BD9-81ED-4DB2-BD59-A6C34878D82A}">
+                    <a16:rowId xmlns:a16="http://schemas.microsoft.com/office/drawing/2014/main" val="10001"/>
+                  </a:ext>
+                </a:extLst>
               </a:tr>
               <a:tr h="370840">
                 <a:tc>
@@ -10514,10 +11554,9 @@
                     <a:lstStyle/>
                     <a:p>
                       <a:r>
-                        <a:rPr lang="en-US" sz="1600" dirty="0" smtClean="0"/>
+                        <a:rPr lang="en-US" sz="1600" dirty="0"/>
                         <a:t>1. Interface Design</a:t>
                       </a:r>
-                      <a:endParaRPr lang="en-US" sz="1600" dirty="0"/>
                     </a:p>
                   </a:txBody>
                   <a:tcPr/>
@@ -10528,11 +11567,11 @@
                     <a:lstStyle/>
                     <a:p>
                       <a:r>
-                        <a:rPr lang="en-US" sz="1600" dirty="0" smtClean="0"/>
+                        <a:rPr lang="en-US" sz="1600" dirty="0"/>
                         <a:t>Identify the kinds of</a:t>
                       </a:r>
                       <a:r>
-                        <a:rPr lang="en-US" sz="1600" baseline="0" dirty="0" smtClean="0"/>
+                        <a:rPr lang="en-US" sz="1600" baseline="0" dirty="0"/>
                         <a:t> things in your system and the messages they need to respond to.  For each method in an interface, write a contract and purpose statement.</a:t>
                       </a:r>
                       <a:endParaRPr lang="en-US" sz="1600" dirty="0"/>
@@ -10540,6 +11579,11 @@
                   </a:txBody>
                   <a:tcPr/>
                 </a:tc>
+                <a:extLst>
+                  <a:ext uri="{0D108BD9-81ED-4DB2-BD59-A6C34878D82A}">
+                    <a16:rowId xmlns:a16="http://schemas.microsoft.com/office/drawing/2014/main" val="10002"/>
+                  </a:ext>
+                </a:extLst>
               </a:tr>
               <a:tr h="370840">
                 <a:tc>
@@ -10548,10 +11592,9 @@
                     <a:lstStyle/>
                     <a:p>
                       <a:r>
-                        <a:rPr lang="en-US" sz="1600" dirty="0" smtClean="0"/>
+                        <a:rPr lang="en-US" sz="1600" dirty="0"/>
                         <a:t>2. Class Design</a:t>
                       </a:r>
-                      <a:endParaRPr lang="en-US" sz="1600" dirty="0"/>
                     </a:p>
                   </a:txBody>
                   <a:tcPr/>
@@ -10562,11 +11605,11 @@
                     <a:lstStyle/>
                     <a:p>
                       <a:r>
-                        <a:rPr lang="en-US" sz="1600" dirty="0" smtClean="0"/>
+                        <a:rPr lang="en-US" sz="1600" dirty="0"/>
                         <a:t>Identify the kinds of things that</a:t>
                       </a:r>
                       <a:r>
-                        <a:rPr lang="en-US" sz="1600" baseline="0" dirty="0" smtClean="0"/>
+                        <a:rPr lang="en-US" sz="1600" baseline="0" dirty="0"/>
                         <a:t> may be behind each interface.  For each class, give a purpose statement.  For each field of a class, give an interpretation.</a:t>
                       </a:r>
                       <a:endParaRPr lang="en-US" sz="1600" dirty="0"/>
@@ -10574,6 +11617,11 @@
                   </a:txBody>
                   <a:tcPr/>
                 </a:tc>
+                <a:extLst>
+                  <a:ext uri="{0D108BD9-81ED-4DB2-BD59-A6C34878D82A}">
+                    <a16:rowId xmlns:a16="http://schemas.microsoft.com/office/drawing/2014/main" val="10003"/>
+                  </a:ext>
+                </a:extLst>
               </a:tr>
               <a:tr h="370840">
                 <a:tc>
@@ -10582,10 +11630,9 @@
                     <a:lstStyle/>
                     <a:p>
                       <a:r>
-                        <a:rPr lang="en-US" sz="1600" dirty="0" smtClean="0"/>
+                        <a:rPr lang="en-US" sz="1600" dirty="0"/>
                         <a:t>3. Method Design</a:t>
                       </a:r>
-                      <a:endParaRPr lang="en-US" sz="1600" dirty="0"/>
                     </a:p>
                   </a:txBody>
                   <a:tcPr/>
@@ -10596,11 +11643,11 @@
                     <a:lstStyle/>
                     <a:p>
                       <a:r>
-                        <a:rPr lang="en-US" sz="1600" dirty="0" smtClean="0"/>
+                        <a:rPr lang="en-US" sz="1600" dirty="0"/>
                         <a:t>For each method, copy</a:t>
                       </a:r>
                       <a:r>
-                        <a:rPr lang="en-US" sz="1600" baseline="0" dirty="0" smtClean="0"/>
+                        <a:rPr lang="en-US" sz="1600" baseline="0" dirty="0"/>
                         <a:t> down the contract and purpose statement from the interface.  Specialize the purpose statement to specify how the purpose is fulfilled for this class. Include examples as needed.</a:t>
                       </a:r>
                       <a:endParaRPr lang="en-US" sz="1600" dirty="0"/>
@@ -10608,6 +11655,11 @@
                   </a:txBody>
                   <a:tcPr/>
                 </a:tc>
+                <a:extLst>
+                  <a:ext uri="{0D108BD9-81ED-4DB2-BD59-A6C34878D82A}">
+                    <a16:rowId xmlns:a16="http://schemas.microsoft.com/office/drawing/2014/main" val="10004"/>
+                  </a:ext>
+                </a:extLst>
               </a:tr>
               <a:tr h="370840">
                 <a:tc>
@@ -10616,11 +11668,11 @@
                     <a:lstStyle/>
                     <a:p>
                       <a:r>
-                        <a:rPr lang="en-US" sz="1600" dirty="0" smtClean="0"/>
+                        <a:rPr lang="en-US" sz="1600" dirty="0"/>
                         <a:t>4. Unit</a:t>
                       </a:r>
                       <a:r>
-                        <a:rPr lang="en-US" sz="1600" baseline="0" dirty="0" smtClean="0"/>
+                        <a:rPr lang="en-US" sz="1600" baseline="0" dirty="0"/>
                         <a:t> Tests</a:t>
                       </a:r>
                     </a:p>
@@ -10633,11 +11685,11 @@
                     <a:lstStyle/>
                     <a:p>
                       <a:r>
-                        <a:rPr lang="en-US" sz="1600" dirty="0" smtClean="0"/>
+                        <a:rPr lang="en-US" sz="1600" dirty="0"/>
                         <a:t>For</a:t>
                       </a:r>
                       <a:r>
-                        <a:rPr lang="en-US" sz="1600" baseline="0" dirty="0" smtClean="0"/>
+                        <a:rPr lang="en-US" sz="1600" baseline="0" dirty="0"/>
                         <a:t> each class, write tests that exercise every method</a:t>
                       </a:r>
                       <a:endParaRPr lang="en-US" sz="1600" dirty="0"/>
@@ -10645,6 +11697,11 @@
                   </a:txBody>
                   <a:tcPr/>
                 </a:tc>
+                <a:extLst>
+                  <a:ext uri="{0D108BD9-81ED-4DB2-BD59-A6C34878D82A}">
+                    <a16:rowId xmlns:a16="http://schemas.microsoft.com/office/drawing/2014/main" val="10005"/>
+                  </a:ext>
+                </a:extLst>
               </a:tr>
               <a:tr h="370840">
                 <a:tc>
@@ -10653,7 +11710,7 @@
                     <a:lstStyle/>
                     <a:p>
                       <a:r>
-                        <a:rPr lang="en-US" sz="1600" baseline="0" dirty="0" smtClean="0"/>
+                        <a:rPr lang="en-US" sz="1600" baseline="0" dirty="0"/>
                         <a:t>5. Program Review</a:t>
                       </a:r>
                     </a:p>
@@ -10666,14 +11723,18 @@
                     <a:lstStyle/>
                     <a:p>
                       <a:r>
-                        <a:rPr lang="en-US" sz="1600" dirty="0" smtClean="0"/>
+                        <a:rPr lang="en-US" sz="1600" dirty="0"/>
                         <a:t>Same as before</a:t>
                       </a:r>
-                      <a:endParaRPr lang="en-US" sz="1600" dirty="0"/>
                     </a:p>
                   </a:txBody>
                   <a:tcPr/>
                 </a:tc>
+                <a:extLst>
+                  <a:ext uri="{0D108BD9-81ED-4DB2-BD59-A6C34878D82A}">
+                    <a16:rowId xmlns:a16="http://schemas.microsoft.com/office/drawing/2014/main" val="10006"/>
+                  </a:ext>
+                </a:extLst>
               </a:tr>
             </a:tbl>
           </a:graphicData>
@@ -10712,13 +11773,6 @@
   <p:clrMapOvr>
     <a:masterClrMapping/>
   </p:clrMapOvr>
-  <p:timing>
-    <p:tnLst>
-      <p:par>
-        <p:cTn id="1" dur="indefinite" restart="never" nodeType="tmRoot"/>
-      </p:par>
-    </p:tnLst>
-  </p:timing>
 </p:sld>
 </file>
 
@@ -10755,65 +11809,64 @@
           <a:lstStyle/>
           <a:p>
             <a:r>
-              <a:rPr lang="en-US" dirty="0" smtClean="0"/>
+              <a:rPr lang="en-US" dirty="0"/>
               <a:t>Step 1:  Interface Design</a:t>
             </a:r>
+          </a:p>
+        </p:txBody>
+      </p:sp>
+      <p:sp>
+        <p:nvSpPr>
+          <p:cNvPr id="3" name="Content Placeholder 2"/>
+          <p:cNvSpPr>
+            <a:spLocks noGrp="1"/>
+          </p:cNvSpPr>
+          <p:nvPr>
+            <p:ph idx="1"/>
+          </p:nvPr>
+        </p:nvSpPr>
+        <p:spPr/>
+        <p:txBody>
+          <a:bodyPr/>
+          <a:lstStyle/>
+          <a:p>
+            <a:r>
+              <a:rPr lang="en-US" dirty="0"/>
+              <a:t>What kinds of things will exist in your system?</a:t>
+            </a:r>
+          </a:p>
+          <a:p>
+            <a:r>
+              <a:rPr lang="en-US" dirty="0"/>
+              <a:t>What  messages will they need to respond to?</a:t>
+            </a:r>
+          </a:p>
+          <a:p>
+            <a:r>
+              <a:rPr lang="en-US" dirty="0"/>
+              <a:t>List the messages (methods) in each interface</a:t>
+            </a:r>
+          </a:p>
+          <a:p>
+            <a:r>
+              <a:rPr lang="en-US" dirty="0"/>
+              <a:t>Write a purpose statement for the interface</a:t>
+            </a:r>
+          </a:p>
+          <a:p>
+            <a:r>
+              <a:rPr lang="en-US" dirty="0"/>
+              <a:t>For each method in the interface, write a contract and purpose statement.</a:t>
+            </a:r>
+          </a:p>
+          <a:p>
+            <a:r>
+              <a:rPr lang="en-US" dirty="0"/>
+              <a:t>Write the contracts in terms of data types and interfaces (never classes).</a:t>
+            </a:r>
+          </a:p>
+          <a:p>
             <a:endParaRPr lang="en-US" dirty="0"/>
-          </a:p>
-        </p:txBody>
-      </p:sp>
-      <p:sp>
-        <p:nvSpPr>
-          <p:cNvPr id="3" name="Content Placeholder 2"/>
-          <p:cNvSpPr>
-            <a:spLocks noGrp="1"/>
-          </p:cNvSpPr>
-          <p:nvPr>
-            <p:ph idx="1"/>
-          </p:nvPr>
-        </p:nvSpPr>
-        <p:spPr/>
-        <p:txBody>
-          <a:bodyPr/>
-          <a:lstStyle/>
-          <a:p>
-            <a:r>
-              <a:rPr lang="en-US" dirty="0" smtClean="0"/>
-              <a:t>What kinds of things will exist in your system?</a:t>
-            </a:r>
-          </a:p>
-          <a:p>
-            <a:r>
-              <a:rPr lang="en-US" dirty="0" smtClean="0"/>
-              <a:t>What  messages will they need to respond to?</a:t>
-            </a:r>
-          </a:p>
-          <a:p>
-            <a:r>
-              <a:rPr lang="en-US" dirty="0" smtClean="0"/>
-              <a:t>List the messages (methods) in each interface</a:t>
-            </a:r>
-          </a:p>
-          <a:p>
-            <a:r>
-              <a:rPr lang="en-US" dirty="0" smtClean="0"/>
-              <a:t>Write a purpose statement for the interface</a:t>
-            </a:r>
-          </a:p>
-          <a:p>
-            <a:r>
-              <a:rPr lang="en-US" dirty="0" smtClean="0"/>
-              <a:t>For each method in the interface, write a contract and purpose statement.</a:t>
-            </a:r>
-          </a:p>
-          <a:p>
-            <a:r>
-              <a:rPr lang="en-US" dirty="0" smtClean="0"/>
-              <a:t>Write the contracts in terms of data types and interfaces (never classes).</a:t>
-            </a:r>
-          </a:p>
-          <a:p>
-            <a:endParaRPr lang="en-US" dirty="0" smtClean="0"/>
           </a:p>
           <a:p>
             <a:endParaRPr lang="en-US" dirty="0"/>
@@ -10853,13 +11906,6 @@
   <p:clrMapOvr>
     <a:masterClrMapping/>
   </p:clrMapOvr>
-  <p:timing>
-    <p:tnLst>
-      <p:par>
-        <p:cTn id="1" dur="indefinite" restart="never" nodeType="tmRoot"/>
-      </p:par>
-    </p:tnLst>
-  </p:timing>
 </p:sld>
 </file>
 
@@ -10898,68 +11944,8 @@
           <a:lstStyle/>
           <a:p>
             <a:r>
-              <a:rPr lang="en-US" dirty="0" smtClean="0"/>
+              <a:rPr lang="en-US" dirty="0"/>
               <a:t>Example 1: </a:t>
-            </a:r>
-            <a:r>
-              <a:rPr lang="en-US" dirty="0" err="1" smtClean="0"/>
-              <a:t>StupidRobot</a:t>
-            </a:r>
-            <a:r>
-              <a:rPr lang="en-US" dirty="0" smtClean="0"/>
-              <a:t>&lt;%&gt;</a:t>
-            </a:r>
-            <a:endParaRPr lang="en-US" dirty="0"/>
-          </a:p>
-        </p:txBody>
-      </p:sp>
-      <p:sp>
-        <p:nvSpPr>
-          <p:cNvPr id="5" name="Content Placeholder 4"/>
-          <p:cNvSpPr>
-            <a:spLocks noGrp="1"/>
-          </p:cNvSpPr>
-          <p:nvPr>
-            <p:ph idx="1"/>
-          </p:nvPr>
-        </p:nvSpPr>
-        <p:spPr/>
-        <p:txBody>
-          <a:bodyPr>
-            <a:normAutofit fontScale="47500" lnSpcReduction="20000"/>
-          </a:bodyPr>
-          <a:lstStyle/>
-          <a:p>
-            <a:r>
-              <a:rPr lang="en-US" dirty="0" smtClean="0"/>
-              <a:t>;; A </a:t>
-            </a:r>
-            <a:r>
-              <a:rPr lang="en-US" dirty="0" err="1" smtClean="0"/>
-              <a:t>StupidRobot</a:t>
-            </a:r>
-            <a:r>
-              <a:rPr lang="en-US" dirty="0" smtClean="0"/>
-              <a:t> represents a robot moving along a one-dimensional line, </a:t>
-            </a:r>
-          </a:p>
-          <a:p>
-            <a:r>
-              <a:rPr lang="en-US" dirty="0" smtClean="0"/>
-              <a:t>;; starting at position 0.</a:t>
-            </a:r>
-          </a:p>
-          <a:p>
-            <a:endParaRPr lang="en-US" dirty="0"/>
-          </a:p>
-          <a:p>
-            <a:r>
-              <a:rPr lang="en-US" dirty="0" smtClean="0"/>
-              <a:t>(</a:t>
-            </a:r>
-            <a:r>
-              <a:rPr lang="en-US" dirty="0"/>
-              <a:t>define </a:t>
             </a:r>
             <a:r>
               <a:rPr lang="en-US" dirty="0" err="1"/>
@@ -10970,23 +11956,28 @@
               <a:t>&lt;%&gt;</a:t>
             </a:r>
           </a:p>
-          <a:p>
-            <a:r>
-              <a:rPr lang="en-US" dirty="0"/>
-              <a:t>  (interface ()</a:t>
-            </a:r>
-          </a:p>
-          <a:p>
-            <a:r>
-              <a:rPr lang="en-US" dirty="0" smtClean="0"/>
-              <a:t>  </a:t>
-            </a:r>
-            <a:endParaRPr lang="en-US" dirty="0"/>
-          </a:p>
-          <a:p>
-            <a:r>
-              <a:rPr lang="en-US" dirty="0"/>
-              <a:t>    ;; -&gt; </a:t>
+        </p:txBody>
+      </p:sp>
+      <p:sp>
+        <p:nvSpPr>
+          <p:cNvPr id="5" name="Content Placeholder 4"/>
+          <p:cNvSpPr>
+            <a:spLocks noGrp="1"/>
+          </p:cNvSpPr>
+          <p:nvPr>
+            <p:ph idx="1"/>
+          </p:nvPr>
+        </p:nvSpPr>
+        <p:spPr/>
+        <p:txBody>
+          <a:bodyPr>
+            <a:normAutofit fontScale="40000" lnSpcReduction="20000"/>
+          </a:bodyPr>
+          <a:lstStyle/>
+          <a:p>
+            <a:r>
+              <a:rPr lang="en-US" dirty="0"/>
+              <a:t>;; A </a:t>
             </a:r>
             <a:r>
               <a:rPr lang="en-US" dirty="0" err="1"/>
@@ -10994,28 +11985,113 @@
             </a:r>
             <a:r>
               <a:rPr lang="en-US" dirty="0"/>
+              <a:t> is an object of any class that implements</a:t>
+            </a:r>
+          </a:p>
+          <a:p>
+            <a:r>
+              <a:rPr lang="en-US" dirty="0"/>
+              <a:t>;; </a:t>
+            </a:r>
+            <a:r>
+              <a:rPr lang="en-US" dirty="0" err="1"/>
+              <a:t>StupidRobot</a:t>
+            </a:r>
+            <a:r>
+              <a:rPr lang="en-US" dirty="0"/>
               <a:t>&lt;%&gt;</a:t>
             </a:r>
           </a:p>
           <a:p>
+            <a:endParaRPr lang="en-US" dirty="0"/>
+          </a:p>
+          <a:p>
+            <a:r>
+              <a:rPr lang="en-US" dirty="0"/>
+              <a:t>;; Interpretation: A </a:t>
+            </a:r>
+            <a:r>
+              <a:rPr lang="en-US" dirty="0" err="1"/>
+              <a:t>StupidRobot</a:t>
+            </a:r>
+            <a:r>
+              <a:rPr lang="en-US" dirty="0"/>
+              <a:t> represents a robot moving along a</a:t>
+            </a:r>
+          </a:p>
+          <a:p>
+            <a:r>
+              <a:rPr lang="en-US" dirty="0"/>
+              <a:t>;; one-dimensional line, starting at position 0.</a:t>
+            </a:r>
+          </a:p>
+          <a:p>
+            <a:endParaRPr lang="en-US" dirty="0"/>
+          </a:p>
+          <a:p>
+            <a:r>
+              <a:rPr lang="en-US" dirty="0"/>
+              <a:t>(define </a:t>
+            </a:r>
+            <a:r>
+              <a:rPr lang="en-US" dirty="0" err="1"/>
+              <a:t>StupidRobot</a:t>
+            </a:r>
+            <a:r>
+              <a:rPr lang="en-US" dirty="0"/>
+              <a:t>&lt;%&gt;</a:t>
+            </a:r>
+          </a:p>
+          <a:p>
+            <a:r>
+              <a:rPr lang="en-US" dirty="0"/>
+              <a:t>  (interface ()</a:t>
+            </a:r>
+          </a:p>
+          <a:p>
+            <a:endParaRPr lang="en-US" dirty="0"/>
+          </a:p>
+          <a:p>
+            <a:r>
+              <a:rPr lang="en-US" dirty="0"/>
+              <a:t>    ;; a new </a:t>
+            </a:r>
+            <a:r>
+              <a:rPr lang="en-US" dirty="0" err="1"/>
+              <a:t>StupidRobot</a:t>
+            </a:r>
+            <a:r>
+              <a:rPr lang="en-US" dirty="0"/>
+              <a:t>&lt;%&gt; is required to start at position 0</a:t>
+            </a:r>
+          </a:p>
+          <a:p>
+            <a:r>
+              <a:rPr lang="en-US" dirty="0"/>
+              <a:t>    </a:t>
+            </a:r>
+          </a:p>
+          <a:p>
+            <a:r>
+              <a:rPr lang="en-US" dirty="0"/>
+              <a:t>    ;; -&gt; </a:t>
+            </a:r>
+            <a:r>
+              <a:rPr lang="en-US" dirty="0" err="1"/>
+              <a:t>StupidRobot</a:t>
+            </a:r>
+            <a:endParaRPr lang="en-US" dirty="0"/>
+          </a:p>
+          <a:p>
             <a:r>
               <a:rPr lang="en-US" dirty="0"/>
               <a:t>    ;; RETURNS: a Robot just like this one, except moved one </a:t>
             </a:r>
-            <a:endParaRPr lang="en-US" dirty="0" smtClean="0"/>
-          </a:p>
-          <a:p>
-            <a:r>
-              <a:rPr lang="en-US" dirty="0"/>
-              <a:t> </a:t>
-            </a:r>
-            <a:r>
-              <a:rPr lang="en-US" dirty="0" smtClean="0"/>
-              <a:t>   ;; position to </a:t>
-            </a:r>
-            <a:r>
-              <a:rPr lang="en-US" dirty="0"/>
-              <a:t>the right</a:t>
+          </a:p>
+          <a:p>
+            <a:r>
+              <a:rPr lang="en-US" dirty="0"/>
+              <a:t>    ;; position to the right</a:t>
             </a:r>
           </a:p>
           <a:p>
@@ -11036,15 +12112,7 @@
           <a:p>
             <a:r>
               <a:rPr lang="en-US" dirty="0"/>
-              <a:t>    ;; RETURNS: the current x-position of </a:t>
-            </a:r>
-            <a:r>
-              <a:rPr lang="en-US" dirty="0" smtClean="0"/>
-              <a:t>this </a:t>
-            </a:r>
-            <a:r>
-              <a:rPr lang="en-US" dirty="0"/>
-              <a:t>robot</a:t>
+              <a:t>    ;; RETURNS: the current x-position of this robot</a:t>
             </a:r>
           </a:p>
           <a:p>
@@ -11077,19 +12145,21 @@
         </p:nvSpPr>
         <p:spPr>
           <a:xfrm>
-            <a:off x="6019800" y="2057400"/>
+            <a:off x="6477000" y="2819400"/>
             <a:ext cx="2209800" cy="914400"/>
           </a:xfrm>
           <a:prstGeom prst="rect">
             <a:avLst/>
           </a:prstGeom>
           <a:solidFill>
-            <a:schemeClr val="accent3">
-              <a:lumMod val="40000"/>
-              <a:lumOff val="60000"/>
+            <a:schemeClr val="accent1">
+              <a:lumMod val="20000"/>
+              <a:lumOff val="80000"/>
             </a:schemeClr>
           </a:solidFill>
-          <a:ln/>
+          <a:ln>
+            <a:noFill/>
+          </a:ln>
         </p:spPr>
         <p:style>
           <a:lnRef idx="2">
@@ -11116,18 +12186,13 @@
           <a:p>
             <a:pPr algn="ctr"/>
             <a:r>
-              <a:rPr lang="en-US" dirty="0" smtClean="0">
+              <a:rPr lang="en-US" dirty="0">
                 <a:solidFill>
                   <a:schemeClr val="tx1"/>
                 </a:solidFill>
               </a:rPr>
               <a:t>Purpose statement for the interface</a:t>
             </a:r>
-            <a:endParaRPr lang="en-US" dirty="0">
-              <a:solidFill>
-                <a:schemeClr val="tx1"/>
-              </a:solidFill>
-            </a:endParaRPr>
           </a:p>
         </p:txBody>
       </p:sp>
@@ -11141,8 +12206,8 @@
         </p:nvCxnSpPr>
         <p:spPr>
           <a:xfrm flipH="1" flipV="1">
-            <a:off x="3810000" y="1981200"/>
-            <a:ext cx="2209800" cy="533400"/>
+            <a:off x="4343400" y="2636838"/>
+            <a:ext cx="2133600" cy="639762"/>
           </a:xfrm>
           <a:prstGeom prst="straightConnector1">
             <a:avLst/>
@@ -11176,13 +12241,6 @@
   <p:clrMapOvr>
     <a:masterClrMapping/>
   </p:clrMapOvr>
-  <p:timing>
-    <p:tnLst>
-      <p:par>
-        <p:cTn id="1" dur="indefinite" restart="never" nodeType="tmRoot"/>
-      </p:par>
-    </p:tnLst>
-  </p:timing>
 </p:sld>
 </file>
 
@@ -11219,10 +12277,9 @@
           <a:lstStyle/>
           <a:p>
             <a:r>
-              <a:rPr lang="en-US" dirty="0" smtClean="0"/>
+              <a:rPr lang="en-US" dirty="0"/>
               <a:t>Example 2: Widget&lt;%&gt;</a:t>
             </a:r>
-            <a:endParaRPr lang="en-US" dirty="0"/>
           </a:p>
         </p:txBody>
       </p:sp>
@@ -11624,12 +12681,14 @@
             <a:avLst/>
           </a:prstGeom>
           <a:solidFill>
-            <a:schemeClr val="accent3">
-              <a:lumMod val="40000"/>
-              <a:lumOff val="60000"/>
+            <a:schemeClr val="accent1">
+              <a:lumMod val="20000"/>
+              <a:lumOff val="80000"/>
             </a:schemeClr>
           </a:solidFill>
-          <a:ln/>
+          <a:ln>
+            <a:noFill/>
+          </a:ln>
         </p:spPr>
         <p:style>
           <a:lnRef idx="2">
@@ -11656,18 +12715,13 @@
           <a:p>
             <a:pPr algn="ctr"/>
             <a:r>
-              <a:rPr lang="en-US" dirty="0" smtClean="0">
+              <a:rPr lang="en-US" dirty="0">
                 <a:solidFill>
                   <a:schemeClr val="tx1"/>
                 </a:solidFill>
               </a:rPr>
               <a:t>Another way to write a purpose statement for an interface</a:t>
             </a:r>
-            <a:endParaRPr lang="en-US" dirty="0">
-              <a:solidFill>
-                <a:schemeClr val="tx1"/>
-              </a:solidFill>
-            </a:endParaRPr>
           </a:p>
         </p:txBody>
       </p:sp>
@@ -11716,13 +12770,6 @@
   <p:clrMapOvr>
     <a:masterClrMapping/>
   </p:clrMapOvr>
-  <p:timing>
-    <p:tnLst>
-      <p:par>
-        <p:cTn id="1" dur="indefinite" restart="never" nodeType="tmRoot"/>
-      </p:par>
-    </p:tnLst>
-  </p:timing>
 </p:sld>
 </file>
 
@@ -11759,10 +12806,9 @@
           <a:lstStyle/>
           <a:p>
             <a:r>
-              <a:rPr lang="en-US" dirty="0" smtClean="0"/>
+              <a:rPr lang="en-US" dirty="0"/>
               <a:t>Step 2: Class Design</a:t>
             </a:r>
-            <a:endParaRPr lang="en-US" dirty="0"/>
           </a:p>
         </p:txBody>
       </p:sp>
@@ -11784,54 +12830,37 @@
           <a:lstStyle/>
           <a:p>
             <a:r>
-              <a:rPr lang="en-US" dirty="0" smtClean="0"/>
+              <a:rPr lang="en-US" dirty="0"/>
               <a:t>For each interface, consider the different kinds of objects that will implement this interface.  Each kind becomes a class.</a:t>
             </a:r>
           </a:p>
           <a:p>
             <a:r>
-              <a:rPr lang="en-US" dirty="0" smtClean="0"/>
+              <a:rPr lang="en-US" dirty="0"/>
               <a:t>For each class, include a purpose statement that says what information is represented by objects of that class.</a:t>
             </a:r>
           </a:p>
           <a:p>
             <a:r>
               <a:rPr lang="en-US" dirty="0"/>
-              <a:t>For each class, give </a:t>
-            </a:r>
-            <a:r>
-              <a:rPr lang="en-US" dirty="0" smtClean="0"/>
-              <a:t>a constructor  template showing </a:t>
-            </a:r>
-            <a:r>
-              <a:rPr lang="en-US" dirty="0"/>
-              <a:t>how to build an object of that </a:t>
-            </a:r>
-            <a:r>
-              <a:rPr lang="en-US" dirty="0" smtClean="0"/>
-              <a:t>class.</a:t>
-            </a:r>
-            <a:endParaRPr lang="en-US" dirty="0"/>
-          </a:p>
-          <a:p>
-            <a:r>
-              <a:rPr lang="en-US" dirty="0" smtClean="0"/>
+              <a:t>For each class, give a constructor  template showing how to build an object of that class.</a:t>
+            </a:r>
+          </a:p>
+          <a:p>
+            <a:r>
+              <a:rPr lang="en-US" dirty="0"/>
               <a:t>Each </a:t>
             </a:r>
             <a:r>
-              <a:rPr lang="en-US" dirty="0" smtClean="0">
+              <a:rPr lang="en-US" dirty="0">
                 <a:latin typeface="Calibri" panose="020F0502020204030204" pitchFamily="34" charset="0"/>
                 <a:cs typeface="Consolas" pitchFamily="49" charset="0"/>
               </a:rPr>
               <a:t>field</a:t>
             </a:r>
             <a:r>
-              <a:rPr lang="en-US" dirty="0" smtClean="0"/>
-              <a:t> </a:t>
-            </a:r>
-            <a:r>
-              <a:rPr lang="en-US" dirty="0"/>
-              <a:t>should have an interpretation, just as every field in a </a:t>
+              <a:rPr lang="en-US" dirty="0"/>
+              <a:t> should have an interpretation, just as every field in a </a:t>
             </a:r>
             <a:r>
               <a:rPr lang="en-US" b="1" dirty="0" err="1"/>
@@ -11880,13 +12909,6 @@
   <p:clrMapOvr>
     <a:masterClrMapping/>
   </p:clrMapOvr>
-  <p:timing>
-    <p:tnLst>
-      <p:par>
-        <p:cTn id="1" dur="indefinite" restart="never" nodeType="tmRoot"/>
-      </p:par>
-    </p:tnLst>
-  </p:timing>
 </p:sld>
 </file>
 
@@ -11923,10 +12945,9 @@
           <a:lstStyle/>
           <a:p>
             <a:r>
-              <a:rPr lang="en-US" dirty="0" smtClean="0"/>
+              <a:rPr lang="en-US" dirty="0"/>
               <a:t>Example</a:t>
             </a:r>
-            <a:endParaRPr lang="en-US" dirty="0"/>
           </a:p>
         </p:txBody>
       </p:sp>
@@ -11948,7 +12969,7 @@
         </p:spPr>
         <p:txBody>
           <a:bodyPr>
-            <a:normAutofit lnSpcReduction="10000"/>
+            <a:normAutofit fontScale="92500" lnSpcReduction="10000"/>
           </a:bodyPr>
           <a:lstStyle/>
           <a:p>
@@ -11960,7 +12981,7 @@
                 <a:latin typeface="Consolas" pitchFamily="49" charset="0"/>
                 <a:cs typeface="Consolas" pitchFamily="49" charset="0"/>
               </a:rPr>
-              <a:t>;; A Bomb is a (new Bomb% [x Integer][y Integer])</a:t>
+              <a:t>;; Constructor Template for Bomb%:</a:t>
             </a:r>
           </a:p>
           <a:p>
@@ -11972,7 +12993,7 @@
                 <a:latin typeface="Consolas" pitchFamily="49" charset="0"/>
                 <a:cs typeface="Consolas" pitchFamily="49" charset="0"/>
               </a:rPr>
-              <a:t>;; A Bomb represents a bomb.</a:t>
+              <a:t>;; (new Bomb% [x Integer][y Integer])</a:t>
             </a:r>
           </a:p>
           <a:p>
@@ -11984,33 +13005,20 @@
                 <a:latin typeface="Consolas" pitchFamily="49" charset="0"/>
                 <a:cs typeface="Consolas" pitchFamily="49" charset="0"/>
               </a:rPr>
-              <a:t>;; A</a:t>
-            </a:r>
-            <a:r>
-              <a:rPr lang="en-US" sz="2200" b="1" dirty="0" smtClean="0">
-                <a:latin typeface="Consolas" pitchFamily="49" charset="0"/>
-                <a:cs typeface="Consolas" pitchFamily="49" charset="0"/>
-              </a:rPr>
-              <a:t> </a:t>
-            </a:r>
+              <a:t>;; Interpretation: </a:t>
+            </a:r>
+          </a:p>
+          <a:p>
+            <a:pPr marL="0" indent="0">
+              <a:buNone/>
+            </a:pPr>
             <a:r>
               <a:rPr lang="en-US" sz="2200" b="1" dirty="0">
                 <a:latin typeface="Consolas" pitchFamily="49" charset="0"/>
                 <a:cs typeface="Consolas" pitchFamily="49" charset="0"/>
               </a:rPr>
-              <a:t>bomb just falls</a:t>
-            </a:r>
-            <a:r>
-              <a:rPr lang="en-US" sz="2200" b="1" dirty="0" smtClean="0">
-                <a:latin typeface="Consolas" pitchFamily="49" charset="0"/>
-                <a:cs typeface="Consolas" pitchFamily="49" charset="0"/>
-              </a:rPr>
-              <a:t>.  It has no other behavior.</a:t>
-            </a:r>
-            <a:endParaRPr lang="en-US" sz="2200" b="1" dirty="0">
-              <a:latin typeface="Consolas" pitchFamily="49" charset="0"/>
-              <a:cs typeface="Consolas" pitchFamily="49" charset="0"/>
-            </a:endParaRPr>
+              <a:t>;;  An object of class Bomb% represents a bomb.</a:t>
+            </a:r>
           </a:p>
           <a:p>
             <a:pPr marL="0" indent="0">
@@ -12026,18 +13034,11 @@
               <a:buNone/>
             </a:pPr>
             <a:r>
-              <a:rPr lang="en-US" sz="2200" b="1" dirty="0" smtClean="0">
-                <a:latin typeface="Consolas" pitchFamily="49" charset="0"/>
-                <a:cs typeface="Consolas" pitchFamily="49" charset="0"/>
-              </a:rPr>
-              <a:t>(</a:t>
-            </a:r>
-            <a:r>
               <a:rPr lang="en-US" sz="2200" b="1" dirty="0">
                 <a:latin typeface="Consolas" pitchFamily="49" charset="0"/>
                 <a:cs typeface="Consolas" pitchFamily="49" charset="0"/>
               </a:rPr>
-              <a:t>define Bomb%</a:t>
+              <a:t>(define Bomb%</a:t>
             </a:r>
           </a:p>
           <a:p>
@@ -12099,21 +13100,7 @@
                 <a:latin typeface="Consolas" pitchFamily="49" charset="0"/>
                 <a:cs typeface="Consolas" pitchFamily="49" charset="0"/>
               </a:rPr>
-              <a:t>    </a:t>
-            </a:r>
-            <a:r>
-              <a:rPr lang="en-US" sz="2200" b="1" dirty="0" smtClean="0">
-                <a:latin typeface="Consolas" pitchFamily="49" charset="0"/>
-                <a:cs typeface="Consolas" pitchFamily="49" charset="0"/>
-              </a:rPr>
-              <a:t>;; </a:t>
-            </a:r>
-            <a:r>
-              <a:rPr lang="en-US" sz="2200" b="1" dirty="0">
-                <a:latin typeface="Consolas" pitchFamily="49" charset="0"/>
-                <a:cs typeface="Consolas" pitchFamily="49" charset="0"/>
-              </a:rPr>
-              <a:t>image for displaying the bomb</a:t>
+              <a:t>    ;; image for displaying the bomb</a:t>
             </a:r>
           </a:p>
           <a:p>
@@ -12137,21 +13124,7 @@
                 <a:latin typeface="Consolas" pitchFamily="49" charset="0"/>
                 <a:cs typeface="Consolas" pitchFamily="49" charset="0"/>
               </a:rPr>
-              <a:t>    </a:t>
-            </a:r>
-            <a:r>
-              <a:rPr lang="en-US" sz="2200" b="1" dirty="0" smtClean="0">
-                <a:latin typeface="Consolas" pitchFamily="49" charset="0"/>
-                <a:cs typeface="Consolas" pitchFamily="49" charset="0"/>
-              </a:rPr>
-              <a:t>;; </a:t>
-            </a:r>
-            <a:r>
-              <a:rPr lang="en-US" sz="2200" b="1" dirty="0">
-                <a:latin typeface="Consolas" pitchFamily="49" charset="0"/>
-                <a:cs typeface="Consolas" pitchFamily="49" charset="0"/>
-              </a:rPr>
-              <a:t>the bomb's speed, in pixels/tick</a:t>
+              <a:t>    ;; the bomb's speed, in pixels/tick</a:t>
             </a:r>
           </a:p>
           <a:p>
@@ -12202,13 +13175,6 @@
   <p:clrMapOvr>
     <a:masterClrMapping/>
   </p:clrMapOvr>
-  <p:timing>
-    <p:tnLst>
-      <p:par>
-        <p:cTn id="1" dur="indefinite" restart="never" nodeType="tmRoot"/>
-      </p:par>
-    </p:tnLst>
-  </p:timing>
 </p:sld>
 </file>
 
@@ -12502,14 +13468,16 @@
     <a:spDef>
       <a:spPr>
         <a:solidFill>
-          <a:schemeClr val="accent3">
-            <a:lumMod val="40000"/>
-            <a:lumOff val="60000"/>
+          <a:schemeClr val="accent1">
+            <a:lumMod val="20000"/>
+            <a:lumOff val="80000"/>
           </a:schemeClr>
         </a:solidFill>
-        <a:ln/>
+        <a:ln>
+          <a:noFill/>
+        </a:ln>
       </a:spPr>
-      <a:bodyPr rot="0" spcFirstLastPara="0" vertOverflow="overflow" horzOverflow="overflow" vert="horz" wrap="square" lIns="91440" tIns="45720" rIns="91440" bIns="45720" numCol="1" spcCol="0" rtlCol="0" fromWordArt="0" anchor="ctr" anchorCtr="0" forceAA="0" compatLnSpc="1">
+      <a:bodyPr rot="0" spcFirstLastPara="0" vertOverflow="overflow" horzOverflow="overflow" vert="horz" wrap="square" lIns="91440" tIns="45720" rIns="91440" bIns="45720" numCol="1" spcCol="0" rtlCol="0" fromWordArt="0" anchor="t" anchorCtr="0" forceAA="0" compatLnSpc="1">
         <a:prstTxWarp prst="textNoShape">
           <a:avLst/>
         </a:prstTxWarp>
@@ -12517,11 +13485,7 @@
       </a:bodyPr>
       <a:lstStyle>
         <a:defPPr>
-          <a:defRPr dirty="0">
-            <a:solidFill>
-              <a:schemeClr val="tx1"/>
-            </a:solidFill>
-          </a:defRPr>
+          <a:defRPr dirty="0" smtClean="0"/>
         </a:defPPr>
       </a:lstStyle>
       <a:style>

--- a/Slides/Lesson 9.5 The Design Recipe Using Classes.pptx
+++ b/Slides/Lesson 9.5 The Design Recipe Using Classes.pptx
@@ -239,7 +239,7 @@
             <a:fld id="{23FDE9B3-31FB-4CEB-98C8-D7B6CFC76B62}" type="datetimeFigureOut">
               <a:rPr lang="en-US" smtClean="0"/>
               <a:pPr/>
-              <a:t>11/2/2016</a:t>
+              <a:t>11/9/2016</a:t>
             </a:fld>
             <a:endParaRPr lang="en-US"/>
           </a:p>
@@ -1026,7 +1026,7 @@
           <a:p>
             <a:fld id="{2F1F79F5-7BEC-496A-AFC7-876E38F64D71}" type="datetime1">
               <a:rPr lang="en-US" smtClean="0"/>
-              <a:t>11/2/2016</a:t>
+              <a:t>11/9/2016</a:t>
             </a:fld>
             <a:endParaRPr lang="en-US"/>
           </a:p>
@@ -1143,7 +1143,7 @@
           <a:p>
             <a:fld id="{2F7B77F5-1464-4F6B-92A8-64FC8A508293}" type="datetime1">
               <a:rPr lang="en-US" smtClean="0"/>
-              <a:t>11/2/2016</a:t>
+              <a:t>11/9/2016</a:t>
             </a:fld>
             <a:endParaRPr lang="en-US"/>
           </a:p>
@@ -1238,7 +1238,7 @@
           <a:p>
             <a:fld id="{0A05703A-7669-4FEA-9056-25299B4D29D4}" type="datetime1">
               <a:rPr lang="en-US" smtClean="0"/>
-              <a:t>11/2/2016</a:t>
+              <a:t>11/9/2016</a:t>
             </a:fld>
             <a:endParaRPr lang="en-US"/>
           </a:p>
@@ -1513,7 +1513,7 @@
           <a:p>
             <a:fld id="{6E5077B5-BB57-49DB-88CA-226A139E5C01}" type="datetime1">
               <a:rPr lang="en-US" smtClean="0"/>
-              <a:t>11/2/2016</a:t>
+              <a:t>11/9/2016</a:t>
             </a:fld>
             <a:endParaRPr lang="en-US"/>
           </a:p>
@@ -1765,7 +1765,7 @@
           <a:p>
             <a:fld id="{C48D9447-CBD6-49A1-89FD-8512A8CF8999}" type="datetime1">
               <a:rPr lang="en-US" smtClean="0"/>
-              <a:t>11/2/2016</a:t>
+              <a:t>11/9/2016</a:t>
             </a:fld>
             <a:endParaRPr lang="en-US"/>
           </a:p>
@@ -1933,7 +1933,7 @@
           <a:p>
             <a:fld id="{A3639A2A-823D-48B7-9ACE-7FAF42870BA9}" type="datetime1">
               <a:rPr lang="en-US" smtClean="0"/>
-              <a:t>11/2/2016</a:t>
+              <a:t>11/9/2016</a:t>
             </a:fld>
             <a:endParaRPr lang="en-US"/>
           </a:p>
@@ -2111,7 +2111,7 @@
           <a:p>
             <a:fld id="{ED1B6996-82E9-463C-972C-7B56056E426C}" type="datetime1">
               <a:rPr lang="en-US" smtClean="0"/>
-              <a:t>11/2/2016</a:t>
+              <a:t>11/9/2016</a:t>
             </a:fld>
             <a:endParaRPr lang="en-US"/>
           </a:p>
@@ -2285,7 +2285,7 @@
           <a:p>
             <a:fld id="{E22ED4DA-448D-4BB1-B935-CC112220207B}" type="datetime1">
               <a:rPr lang="en-US" smtClean="0"/>
-              <a:t>11/2/2016</a:t>
+              <a:t>11/9/2016</a:t>
             </a:fld>
             <a:endParaRPr lang="en-US"/>
           </a:p>
@@ -2458,7 +2458,7 @@
           <a:p>
             <a:fld id="{E22ED4DA-448D-4BB1-B935-CC112220207B}" type="datetime1">
               <a:rPr lang="en-US" smtClean="0"/>
-              <a:t>11/2/2016</a:t>
+              <a:t>11/9/2016</a:t>
             </a:fld>
             <a:endParaRPr lang="en-US"/>
           </a:p>
@@ -2718,7 +2718,7 @@
           <a:p>
             <a:fld id="{FF5D65A6-AB94-4435-B0B7-3743215FA46C}" type="datetime1">
               <a:rPr lang="en-US" smtClean="0"/>
-              <a:t>11/2/2016</a:t>
+              <a:t>11/9/2016</a:t>
             </a:fld>
             <a:endParaRPr lang="en-US"/>
           </a:p>
@@ -2894,7 +2894,7 @@
           <a:p>
             <a:fld id="{FF5D65A6-AB94-4435-B0B7-3743215FA46C}" type="datetime1">
               <a:rPr lang="en-US" smtClean="0"/>
-              <a:t>11/2/2016</a:t>
+              <a:t>11/9/2016</a:t>
             </a:fld>
             <a:endParaRPr lang="en-US"/>
           </a:p>
@@ -3188,7 +3188,7 @@
           <a:p>
             <a:fld id="{7C193DC4-6EF0-48C9-B29C-616106A645E1}" type="datetime1">
               <a:rPr lang="en-US" smtClean="0"/>
-              <a:t>11/2/2016</a:t>
+              <a:t>11/9/2016</a:t>
             </a:fld>
             <a:endParaRPr lang="en-US"/>
           </a:p>
@@ -3473,7 +3473,7 @@
           <a:p>
             <a:fld id="{5D1846AD-9252-4647-9435-4C2AC365653A}" type="datetime1">
               <a:rPr lang="en-US" smtClean="0"/>
-              <a:t>11/2/2016</a:t>
+              <a:t>11/9/2016</a:t>
             </a:fld>
             <a:endParaRPr lang="en-US"/>
           </a:p>
@@ -3766,7 +3766,7 @@
           <a:p>
             <a:fld id="{5D1846AD-9252-4647-9435-4C2AC365653A}" type="datetime1">
               <a:rPr lang="en-US" smtClean="0"/>
-              <a:t>11/2/2016</a:t>
+              <a:t>11/9/2016</a:t>
             </a:fld>
             <a:endParaRPr lang="en-US"/>
           </a:p>
@@ -4185,7 +4185,7 @@
           <a:p>
             <a:fld id="{CE56DC10-3561-4063-A6AF-C1CC7A41040A}" type="datetime1">
               <a:rPr lang="en-US" smtClean="0"/>
-              <a:t>11/2/2016</a:t>
+              <a:t>11/9/2016</a:t>
             </a:fld>
             <a:endParaRPr lang="en-US"/>
           </a:p>
@@ -4408,7 +4408,7 @@
           <a:p>
             <a:fld id="{02B3F677-983B-48DB-ADFD-63FE6CBC7FB2}" type="datetime1">
               <a:rPr lang="en-US" smtClean="0"/>
-              <a:t>11/2/2016</a:t>
+              <a:t>11/9/2016</a:t>
             </a:fld>
             <a:endParaRPr lang="en-US"/>
           </a:p>
@@ -9031,8 +9031,8 @@
         </p:nvSpPr>
         <p:spPr>
           <a:xfrm>
-            <a:off x="5943600" y="3714750"/>
-            <a:ext cx="2667000" cy="400050"/>
+            <a:off x="6705600" y="3623214"/>
+            <a:ext cx="2209800" cy="738696"/>
           </a:xfrm>
           <a:prstGeom prst="rect">
             <a:avLst/>
@@ -9073,11 +9073,7 @@
             <a:pPr algn="ctr"/>
             <a:r>
               <a:rPr lang="en-US" sz="1400" dirty="0"/>
-              <a:t>We're talking about "this" graph</a:t>
-            </a:r>
-            <a:r>
-              <a:rPr lang="en-US" dirty="0"/>
-              <a:t>"</a:t>
+              <a:t>We're talking about "this" graph– the one represented by this object</a:t>
             </a:r>
           </a:p>
         </p:txBody>
@@ -9092,8 +9088,8 @@
         </p:nvCxnSpPr>
         <p:spPr>
           <a:xfrm flipH="1" flipV="1">
-            <a:off x="6667500" y="3276600"/>
-            <a:ext cx="609600" cy="438150"/>
+            <a:off x="6781800" y="3263360"/>
+            <a:ext cx="1028700" cy="359854"/>
           </a:xfrm>
           <a:prstGeom prst="straightConnector1">
             <a:avLst/>
